--- a/outils_numeriques/b1_methodes_numeriques/seance2_equation_diff/B1_s2_1_Approche_Symbolique.pptx
+++ b/outils_numeriques/b1_methodes_numeriques/seance2_equation_diff/B1_s2_1_Approche_Symbolique.pptx
@@ -215,7 +215,7 @@
           <a:p>
             <a:fld id="{95F60532-AC81-4152-B45E-E054A978F780}" type="datetimeFigureOut">
               <a:rPr lang="fr-FR" smtClean="0"/>
-              <a:t>20/04/2023</a:t>
+              <a:t>05/05/2023</a:t>
             </a:fld>
             <a:endParaRPr lang="fr-FR"/>
           </a:p>
@@ -722,7 +722,7 @@
           <a:p>
             <a:fld id="{785B9D93-2D6F-4658-911E-89FF557AACEE}" type="datetime1">
               <a:rPr lang="en-US" smtClean="0"/>
-              <a:t>4/20/2023</a:t>
+              <a:t>5/5/2023</a:t>
             </a:fld>
             <a:endParaRPr lang="en-US" dirty="0"/>
           </a:p>
@@ -1092,7 +1092,7 @@
           <a:p>
             <a:fld id="{4709A133-4251-46D0-8E1C-3DC2CCEEC594}" type="datetime1">
               <a:rPr lang="en-US" smtClean="0"/>
-              <a:t>4/20/2023</a:t>
+              <a:t>5/5/2023</a:t>
             </a:fld>
             <a:endParaRPr lang="en-US"/>
           </a:p>
@@ -1301,7 +1301,7 @@
           <a:p>
             <a:fld id="{757C9D7A-C246-41BC-AB36-CBBE03C4FC3D}" type="datetime1">
               <a:rPr lang="en-US" smtClean="0"/>
-              <a:t>4/20/2023</a:t>
+              <a:t>5/5/2023</a:t>
             </a:fld>
             <a:endParaRPr lang="en-US"/>
           </a:p>
@@ -1771,7 +1771,7 @@
           <a:p>
             <a:fld id="{DD23859D-5799-4C59-B29C-0D397C1B3B07}" type="datetime1">
               <a:rPr lang="en-US" smtClean="0"/>
-              <a:t>4/20/2023</a:t>
+              <a:t>5/5/2023</a:t>
             </a:fld>
             <a:endParaRPr lang="en-US"/>
           </a:p>
@@ -2225,7 +2225,7 @@
           <a:p>
             <a:fld id="{B36A9650-6794-4EE4-9500-0C43A7CB6B4A}" type="datetime1">
               <a:rPr lang="en-US" smtClean="0"/>
-              <a:t>4/20/2023</a:t>
+              <a:t>5/5/2023</a:t>
             </a:fld>
             <a:endParaRPr lang="en-US"/>
           </a:p>
@@ -2757,7 +2757,7 @@
           <a:p>
             <a:fld id="{1792256C-3121-4D72-8DFF-855B713C834E}" type="datetime1">
               <a:rPr lang="en-US" smtClean="0"/>
-              <a:t>4/20/2023</a:t>
+              <a:t>5/5/2023</a:t>
             </a:fld>
             <a:endParaRPr lang="en-US"/>
           </a:p>
@@ -3456,7 +3456,7 @@
           <a:p>
             <a:fld id="{580DF3A2-C727-46A5-9AC9-16B2E63C7D3A}" type="datetime1">
               <a:rPr lang="en-US" smtClean="0"/>
-              <a:t>4/20/2023</a:t>
+              <a:t>5/5/2023</a:t>
             </a:fld>
             <a:endParaRPr lang="en-US"/>
           </a:p>
@@ -3785,7 +3785,7 @@
           <a:p>
             <a:fld id="{9D23748C-796D-4F23-89AF-A2738DF446EE}" type="datetime1">
               <a:rPr lang="en-US" smtClean="0"/>
-              <a:t>4/20/2023</a:t>
+              <a:t>5/5/2023</a:t>
             </a:fld>
             <a:endParaRPr lang="en-US"/>
           </a:p>
@@ -3898,7 +3898,7 @@
           <a:p>
             <a:fld id="{B3AFB1A7-BA76-4344-B812-B8E53F62AA62}" type="datetime1">
               <a:rPr lang="en-US" smtClean="0"/>
-              <a:t>4/20/2023</a:t>
+              <a:t>5/5/2023</a:t>
             </a:fld>
             <a:endParaRPr lang="en-US"/>
           </a:p>
@@ -4393,7 +4393,7 @@
           <a:p>
             <a:fld id="{D2DB139E-AA5F-415E-A7EE-D6EE1B304D34}" type="datetime1">
               <a:rPr lang="en-US" smtClean="0"/>
-              <a:t>4/20/2023</a:t>
+              <a:t>5/5/2023</a:t>
             </a:fld>
             <a:endParaRPr lang="en-US" dirty="0"/>
           </a:p>
@@ -4870,7 +4870,7 @@
           <a:p>
             <a:fld id="{B0611B75-8EAE-4E82-AD4E-BC980BBD0DF6}" type="datetime1">
               <a:rPr lang="en-US" smtClean="0"/>
-              <a:t>4/20/2023</a:t>
+              <a:t>5/5/2023</a:t>
             </a:fld>
             <a:endParaRPr lang="en-US"/>
           </a:p>
@@ -5113,7 +5113,7 @@
           <a:p>
             <a:fld id="{5A39691B-EC2E-4EEE-9557-97A59C128178}" type="datetime1">
               <a:rPr lang="en-US" smtClean="0"/>
-              <a:t>4/20/2023</a:t>
+              <a:t>5/5/2023</a:t>
             </a:fld>
             <a:endParaRPr lang="en-US"/>
           </a:p>

--- a/outils_numeriques/b1_methodes_numeriques/seance2_equation_diff/B1_s2_1_Approche_Symbolique.pptx
+++ b/outils_numeriques/b1_methodes_numeriques/seance2_equation_diff/B1_s2_1_Approche_Symbolique.pptx
@@ -5,7 +5,7 @@
     <p:sldMasterId id="2147483711" r:id="rId1"/>
   </p:sldMasterIdLst>
   <p:notesMasterIdLst>
-    <p:notesMasterId r:id="rId21"/>
+    <p:notesMasterId r:id="rId22"/>
   </p:notesMasterIdLst>
   <p:sldIdLst>
     <p:sldId id="261" r:id="rId2"/>
@@ -22,11 +22,12 @@
     <p:sldId id="271" r:id="rId13"/>
     <p:sldId id="272" r:id="rId14"/>
     <p:sldId id="273" r:id="rId15"/>
-    <p:sldId id="274" r:id="rId16"/>
-    <p:sldId id="291" r:id="rId17"/>
-    <p:sldId id="277" r:id="rId18"/>
-    <p:sldId id="275" r:id="rId19"/>
-    <p:sldId id="287" r:id="rId20"/>
+    <p:sldId id="292" r:id="rId16"/>
+    <p:sldId id="274" r:id="rId17"/>
+    <p:sldId id="291" r:id="rId18"/>
+    <p:sldId id="277" r:id="rId19"/>
+    <p:sldId id="275" r:id="rId20"/>
+    <p:sldId id="287" r:id="rId21"/>
   </p:sldIdLst>
   <p:sldSz cx="12192000" cy="6858000"/>
   <p:notesSz cx="6858000" cy="9144000"/>
@@ -215,7 +216,7 @@
           <a:p>
             <a:fld id="{95F60532-AC81-4152-B45E-E054A978F780}" type="datetimeFigureOut">
               <a:rPr lang="fr-FR" smtClean="0"/>
-              <a:t>05/05/2023</a:t>
+              <a:t>12/05/2023</a:t>
             </a:fld>
             <a:endParaRPr lang="fr-FR"/>
           </a:p>
@@ -547,7 +548,7 @@
           <a:p>
             <a:fld id="{ED1A4448-0F40-450F-9A3E-C9B9A6927FAC}" type="slidenum">
               <a:rPr lang="fr-FR" smtClean="0"/>
-              <a:t>18</a:t>
+              <a:t>19</a:t>
             </a:fld>
             <a:endParaRPr lang="fr-FR"/>
           </a:p>
@@ -722,7 +723,7 @@
           <a:p>
             <a:fld id="{785B9D93-2D6F-4658-911E-89FF557AACEE}" type="datetime1">
               <a:rPr lang="en-US" smtClean="0"/>
-              <a:t>5/5/2023</a:t>
+              <a:t>5/12/2023</a:t>
             </a:fld>
             <a:endParaRPr lang="en-US" dirty="0"/>
           </a:p>
@@ -1092,7 +1093,7 @@
           <a:p>
             <a:fld id="{4709A133-4251-46D0-8E1C-3DC2CCEEC594}" type="datetime1">
               <a:rPr lang="en-US" smtClean="0"/>
-              <a:t>5/5/2023</a:t>
+              <a:t>5/12/2023</a:t>
             </a:fld>
             <a:endParaRPr lang="en-US"/>
           </a:p>
@@ -1301,7 +1302,7 @@
           <a:p>
             <a:fld id="{757C9D7A-C246-41BC-AB36-CBBE03C4FC3D}" type="datetime1">
               <a:rPr lang="en-US" smtClean="0"/>
-              <a:t>5/5/2023</a:t>
+              <a:t>5/12/2023</a:t>
             </a:fld>
             <a:endParaRPr lang="en-US"/>
           </a:p>
@@ -1771,7 +1772,7 @@
           <a:p>
             <a:fld id="{DD23859D-5799-4C59-B29C-0D397C1B3B07}" type="datetime1">
               <a:rPr lang="en-US" smtClean="0"/>
-              <a:t>5/5/2023</a:t>
+              <a:t>5/12/2023</a:t>
             </a:fld>
             <a:endParaRPr lang="en-US"/>
           </a:p>
@@ -2225,7 +2226,7 @@
           <a:p>
             <a:fld id="{B36A9650-6794-4EE4-9500-0C43A7CB6B4A}" type="datetime1">
               <a:rPr lang="en-US" smtClean="0"/>
-              <a:t>5/5/2023</a:t>
+              <a:t>5/12/2023</a:t>
             </a:fld>
             <a:endParaRPr lang="en-US"/>
           </a:p>
@@ -2757,7 +2758,7 @@
           <a:p>
             <a:fld id="{1792256C-3121-4D72-8DFF-855B713C834E}" type="datetime1">
               <a:rPr lang="en-US" smtClean="0"/>
-              <a:t>5/5/2023</a:t>
+              <a:t>5/12/2023</a:t>
             </a:fld>
             <a:endParaRPr lang="en-US"/>
           </a:p>
@@ -3456,7 +3457,7 @@
           <a:p>
             <a:fld id="{580DF3A2-C727-46A5-9AC9-16B2E63C7D3A}" type="datetime1">
               <a:rPr lang="en-US" smtClean="0"/>
-              <a:t>5/5/2023</a:t>
+              <a:t>5/12/2023</a:t>
             </a:fld>
             <a:endParaRPr lang="en-US"/>
           </a:p>
@@ -3785,7 +3786,7 @@
           <a:p>
             <a:fld id="{9D23748C-796D-4F23-89AF-A2738DF446EE}" type="datetime1">
               <a:rPr lang="en-US" smtClean="0"/>
-              <a:t>5/5/2023</a:t>
+              <a:t>5/12/2023</a:t>
             </a:fld>
             <a:endParaRPr lang="en-US"/>
           </a:p>
@@ -3898,7 +3899,7 @@
           <a:p>
             <a:fld id="{B3AFB1A7-BA76-4344-B812-B8E53F62AA62}" type="datetime1">
               <a:rPr lang="en-US" smtClean="0"/>
-              <a:t>5/5/2023</a:t>
+              <a:t>5/12/2023</a:t>
             </a:fld>
             <a:endParaRPr lang="en-US"/>
           </a:p>
@@ -4393,7 +4394,7 @@
           <a:p>
             <a:fld id="{D2DB139E-AA5F-415E-A7EE-D6EE1B304D34}" type="datetime1">
               <a:rPr lang="en-US" smtClean="0"/>
-              <a:t>5/5/2023</a:t>
+              <a:t>5/12/2023</a:t>
             </a:fld>
             <a:endParaRPr lang="en-US" dirty="0"/>
           </a:p>
@@ -4870,7 +4871,7 @@
           <a:p>
             <a:fld id="{B0611B75-8EAE-4E82-AD4E-BC980BBD0DF6}" type="datetime1">
               <a:rPr lang="en-US" smtClean="0"/>
-              <a:t>5/5/2023</a:t>
+              <a:t>5/12/2023</a:t>
             </a:fld>
             <a:endParaRPr lang="en-US"/>
           </a:p>
@@ -5113,7 +5114,7 @@
           <a:p>
             <a:fld id="{5A39691B-EC2E-4EEE-9557-97A59C128178}" type="datetime1">
               <a:rPr lang="en-US" smtClean="0"/>
-              <a:t>5/5/2023</a:t>
+              <a:t>5/12/2023</a:t>
             </a:fld>
             <a:endParaRPr lang="en-US"/>
           </a:p>
@@ -5547,7 +5548,7 @@
                 <a16:creationId xmlns:a16="http://schemas.microsoft.com/office/drawing/2014/main" id="{526E0BFB-CDF1-4990-8C11-AC849311E0A8}"/>
               </a:ext>
               <a:ext uri="{C183D7F6-B498-43B3-948B-1728B52AA6E4}">
-                <adec:decorative xmlns:adec="http://schemas.microsoft.com/office/drawing/2017/decorative" val="1"/>
+                <adec:decorative xmlns:adec="http://schemas.microsoft.com/office/drawing/2017/decorative" xmlns="" val="1"/>
               </a:ext>
             </a:extLst>
           </p:cNvPr>
@@ -5636,7 +5637,7 @@
                 <a16:creationId xmlns:a16="http://schemas.microsoft.com/office/drawing/2014/main" id="{6069A1F8-9BEB-4786-9694-FC48B2D75D21}"/>
               </a:ext>
               <a:ext uri="{C183D7F6-B498-43B3-948B-1728B52AA6E4}">
-                <adec:decorative xmlns:adec="http://schemas.microsoft.com/office/drawing/2017/decorative" val="1"/>
+                <adec:decorative xmlns:adec="http://schemas.microsoft.com/office/drawing/2017/decorative" xmlns="" val="1"/>
               </a:ext>
             </a:extLst>
           </p:cNvPr>
@@ -5744,6 +5745,10 @@
             <a:br>
               <a:rPr lang="fr-FR" sz="4800" dirty="0"/>
             </a:br>
+            <a:r>
+              <a:rPr lang="fr-FR" sz="4800" dirty="0"/>
+              <a:t/>
+            </a:r>
             <a:br>
               <a:rPr lang="fr-FR" sz="4800" dirty="0"/>
             </a:br>
@@ -5805,7 +5810,7 @@
                 <a16:creationId xmlns:a16="http://schemas.microsoft.com/office/drawing/2014/main" id="{AF2F604E-43BE-4DC3-B983-E071523364F8}"/>
               </a:ext>
               <a:ext uri="{C183D7F6-B498-43B3-948B-1728B52AA6E4}">
-                <adec:decorative xmlns:adec="http://schemas.microsoft.com/office/drawing/2017/decorative" val="1"/>
+                <adec:decorative xmlns:adec="http://schemas.microsoft.com/office/drawing/2017/decorative" xmlns="" val="1"/>
               </a:ext>
             </a:extLst>
           </p:cNvPr>
@@ -5897,7 +5902,7 @@
                 <a16:creationId xmlns:a16="http://schemas.microsoft.com/office/drawing/2014/main" id="{08C9B587-E65E-4B52-B37C-ABEBB6E87928}"/>
               </a:ext>
               <a:ext uri="{C183D7F6-B498-43B3-948B-1728B52AA6E4}">
-                <adec:decorative xmlns:adec="http://schemas.microsoft.com/office/drawing/2017/decorative" val="1"/>
+                <adec:decorative xmlns:adec="http://schemas.microsoft.com/office/drawing/2017/decorative" xmlns="" val="1"/>
               </a:ext>
             </a:extLst>
           </p:cNvPr>
@@ -10574,8 +10579,12 @@
           <a:lstStyle/>
           <a:p>
             <a:r>
+              <a:rPr lang="fr-FR" dirty="0" err="1"/>
+              <a:t>SymPy</a:t>
+            </a:r>
+            <a:r>
               <a:rPr lang="fr-FR" dirty="0"/>
-              <a:t>Calcul symbolique (ou formel)</a:t>
+              <a:t> pour le calcul formel</a:t>
             </a:r>
           </a:p>
         </p:txBody>
@@ -10602,12 +10611,49 @@
           <a:lstStyle/>
           <a:p>
             <a:r>
-              <a:rPr lang="fr-FR" dirty="0"/>
-              <a:t>Résolution formelle</a:t>
-            </a:r>
-          </a:p>
-        </p:txBody>
-      </p:sp>
+              <a:rPr lang="fr-FR" dirty="0" smtClean="0"/>
+              <a:t>Dérivées (affichage)</a:t>
+            </a:r>
+            <a:endParaRPr lang="fr-FR" dirty="0"/>
+          </a:p>
+        </p:txBody>
+      </p:sp>
+      <p:pic>
+        <p:nvPicPr>
+          <p:cNvPr id="5" name="Image 4" descr="Une image contenant texte&#10;&#10;Description générée automatiquement">
+            <a:extLst>
+              <a:ext uri="{FF2B5EF4-FFF2-40B4-BE49-F238E27FC236}">
+                <a16:creationId xmlns:a16="http://schemas.microsoft.com/office/drawing/2014/main" id="{66D2630B-81F4-A4EB-21BA-8B90CF30BD92}"/>
+              </a:ext>
+            </a:extLst>
+          </p:cNvPr>
+          <p:cNvPicPr>
+            <a:picLocks noChangeAspect="1"/>
+          </p:cNvPicPr>
+          <p:nvPr/>
+        </p:nvPicPr>
+        <p:blipFill>
+          <a:blip r:embed="rId2">
+            <a:extLst>
+              <a:ext uri="{28A0092B-C50C-407E-A947-70E740481C1C}">
+                <a14:useLocalDpi xmlns:a14="http://schemas.microsoft.com/office/drawing/2010/main" val="0"/>
+              </a:ext>
+            </a:extLst>
+          </a:blip>
+          <a:stretch>
+            <a:fillRect/>
+          </a:stretch>
+        </p:blipFill>
+        <p:spPr>
+          <a:xfrm>
+            <a:off x="202922" y="5934456"/>
+            <a:ext cx="1825291" cy="749808"/>
+          </a:xfrm>
+          <a:prstGeom prst="rect">
+            <a:avLst/>
+          </a:prstGeom>
+        </p:spPr>
+      </p:pic>
       <p:sp>
         <p:nvSpPr>
           <p:cNvPr id="4" name="Espace réservé du numéro de diapositive 3">
@@ -10632,6 +10678,746 @@
             <a:fld id="{B2DC25EE-239B-4C5F-AAD1-255A7D5F1EE2}" type="slidenum">
               <a:rPr lang="en-US" smtClean="0"/>
               <a:t>15</a:t>
+            </a:fld>
+            <a:endParaRPr lang="en-US" dirty="0"/>
+          </a:p>
+        </p:txBody>
+      </p:sp>
+      <p:pic>
+        <p:nvPicPr>
+          <p:cNvPr id="1026" name="Picture 2" descr="SymPy Logo">
+            <a:extLst>
+              <a:ext uri="{FF2B5EF4-FFF2-40B4-BE49-F238E27FC236}">
+                <a16:creationId xmlns:a16="http://schemas.microsoft.com/office/drawing/2014/main" id="{6F826F4C-FC0E-452A-4FE2-7AD4240C9A6B}"/>
+              </a:ext>
+            </a:extLst>
+          </p:cNvPr>
+          <p:cNvPicPr>
+            <a:picLocks noChangeAspect="1" noChangeArrowheads="1"/>
+          </p:cNvPicPr>
+          <p:nvPr/>
+        </p:nvPicPr>
+        <p:blipFill>
+          <a:blip r:embed="rId3">
+            <a:extLst>
+              <a:ext uri="{28A0092B-C50C-407E-A947-70E740481C1C}">
+                <a14:useLocalDpi xmlns:a14="http://schemas.microsoft.com/office/drawing/2010/main" val="0"/>
+              </a:ext>
+            </a:extLst>
+          </a:blip>
+          <a:srcRect/>
+          <a:stretch>
+            <a:fillRect/>
+          </a:stretch>
+        </p:blipFill>
+        <p:spPr bwMode="auto">
+          <a:xfrm>
+            <a:off x="9915213" y="655319"/>
+            <a:ext cx="915348" cy="613283"/>
+          </a:xfrm>
+          <a:prstGeom prst="rect">
+            <a:avLst/>
+          </a:prstGeom>
+          <a:noFill/>
+          <a:extLst>
+            <a:ext uri="{909E8E84-426E-40DD-AFC4-6F175D3DCCD1}">
+              <a14:hiddenFill xmlns:a14="http://schemas.microsoft.com/office/drawing/2010/main">
+                <a:solidFill>
+                  <a:srgbClr val="FFFFFF"/>
+                </a:solidFill>
+              </a14:hiddenFill>
+            </a:ext>
+          </a:extLst>
+        </p:spPr>
+      </p:pic>
+      <p:sp>
+        <p:nvSpPr>
+          <p:cNvPr id="7" name="ZoneTexte 6">
+            <a:extLst>
+              <a:ext uri="{FF2B5EF4-FFF2-40B4-BE49-F238E27FC236}">
+                <a16:creationId xmlns:a16="http://schemas.microsoft.com/office/drawing/2014/main" id="{F0FBF19C-22B5-76E5-0F93-DF8BB4A2F385}"/>
+              </a:ext>
+            </a:extLst>
+          </p:cNvPr>
+          <p:cNvSpPr txBox="1"/>
+          <p:nvPr/>
+        </p:nvSpPr>
+        <p:spPr>
+          <a:xfrm>
+            <a:off x="822960" y="3302376"/>
+            <a:ext cx="4765173" cy="369332"/>
+          </a:xfrm>
+          <a:prstGeom prst="rect">
+            <a:avLst/>
+          </a:prstGeom>
+          <a:solidFill>
+            <a:schemeClr val="accent1">
+              <a:lumMod val="40000"/>
+              <a:lumOff val="60000"/>
+            </a:schemeClr>
+          </a:solidFill>
+        </p:spPr>
+        <p:txBody>
+          <a:bodyPr wrap="square" rtlCol="0">
+            <a:spAutoFit/>
+          </a:bodyPr>
+          <a:lstStyle/>
+          <a:p>
+            <a:r>
+              <a:rPr lang="fr-FR" dirty="0" err="1" smtClean="0"/>
+              <a:t>Derivative</a:t>
+            </a:r>
+            <a:r>
+              <a:rPr lang="fr-FR" dirty="0" smtClean="0"/>
+              <a:t> !!!</a:t>
+            </a:r>
+            <a:endParaRPr lang="fr-FR" dirty="0"/>
+          </a:p>
+        </p:txBody>
+      </p:sp>
+      <p:pic>
+        <p:nvPicPr>
+          <p:cNvPr id="2051" name="Picture 3">
+            <a:extLst>
+              <a:ext uri="{FF2B5EF4-FFF2-40B4-BE49-F238E27FC236}">
+                <a16:creationId xmlns:a16="http://schemas.microsoft.com/office/drawing/2014/main" id="{3BB5514F-6568-D4F1-89C4-C79629C862E1}"/>
+              </a:ext>
+            </a:extLst>
+          </p:cNvPr>
+          <p:cNvPicPr>
+            <a:picLocks noChangeAspect="1" noChangeArrowheads="1"/>
+          </p:cNvPicPr>
+          <p:nvPr/>
+        </p:nvPicPr>
+        <p:blipFill>
+          <a:blip r:embed="rId4">
+            <a:extLst>
+              <a:ext uri="{28A0092B-C50C-407E-A947-70E740481C1C}">
+                <a14:useLocalDpi xmlns:a14="http://schemas.microsoft.com/office/drawing/2010/main" val="0"/>
+              </a:ext>
+            </a:extLst>
+          </a:blip>
+          <a:srcRect/>
+          <a:stretch>
+            <a:fillRect/>
+          </a:stretch>
+        </p:blipFill>
+        <p:spPr bwMode="auto">
+          <a:xfrm>
+            <a:off x="11422935" y="1728216"/>
+            <a:ext cx="449659" cy="523240"/>
+          </a:xfrm>
+          <a:prstGeom prst="rect">
+            <a:avLst/>
+          </a:prstGeom>
+          <a:noFill/>
+          <a:extLst>
+            <a:ext uri="{909E8E84-426E-40DD-AFC4-6F175D3DCCD1}">
+              <a14:hiddenFill xmlns:a14="http://schemas.microsoft.com/office/drawing/2010/main">
+                <a:solidFill>
+                  <a:srgbClr val="FFFFFF"/>
+                </a:solidFill>
+              </a14:hiddenFill>
+            </a:ext>
+          </a:extLst>
+        </p:spPr>
+      </p:pic>
+      <p:sp>
+        <p:nvSpPr>
+          <p:cNvPr id="14" name="Espace réservé du contenu 2">
+            <a:extLst>
+              <a:ext uri="{FF2B5EF4-FFF2-40B4-BE49-F238E27FC236}">
+                <a16:creationId xmlns:a16="http://schemas.microsoft.com/office/drawing/2014/main" id="{828AE434-2996-F934-D9D1-020DEED9A1E7}"/>
+              </a:ext>
+            </a:extLst>
+          </p:cNvPr>
+          <p:cNvSpPr txBox="1">
+            <a:spLocks/>
+          </p:cNvSpPr>
+          <p:nvPr/>
+        </p:nvSpPr>
+        <p:spPr>
+          <a:xfrm>
+            <a:off x="6638544" y="2478024"/>
+            <a:ext cx="4937760" cy="3694176"/>
+          </a:xfrm>
+          <a:prstGeom prst="rect">
+            <a:avLst/>
+          </a:prstGeom>
+        </p:spPr>
+        <p:txBody>
+          <a:bodyPr vert="horz" lIns="91440" tIns="45720" rIns="91440" bIns="45720" rtlCol="0">
+            <a:normAutofit/>
+          </a:bodyPr>
+          <a:lstStyle>
+            <a:lvl1pPr marL="228600" indent="-228600" algn="l" defTabSz="914400" rtl="0" eaLnBrk="1" latinLnBrk="0" hangingPunct="1">
+              <a:lnSpc>
+                <a:spcPct val="110000"/>
+              </a:lnSpc>
+              <a:spcBef>
+                <a:spcPts val="1000"/>
+              </a:spcBef>
+              <a:buFont typeface="Arial" panose="020B0604020202020204" pitchFamily="34" charset="0"/>
+              <a:buChar char="•"/>
+              <a:defRPr sz="2800" kern="1200">
+                <a:solidFill>
+                  <a:schemeClr val="tx1"/>
+                </a:solidFill>
+                <a:latin typeface="+mn-lt"/>
+                <a:ea typeface="+mn-ea"/>
+                <a:cs typeface="+mn-cs"/>
+              </a:defRPr>
+            </a:lvl1pPr>
+            <a:lvl2pPr marL="685800" indent="-228600" algn="l" defTabSz="914400" rtl="0" eaLnBrk="1" latinLnBrk="0" hangingPunct="1">
+              <a:lnSpc>
+                <a:spcPct val="110000"/>
+              </a:lnSpc>
+              <a:spcBef>
+                <a:spcPts val="500"/>
+              </a:spcBef>
+              <a:buFont typeface="Arial" panose="020B0604020202020204" pitchFamily="34" charset="0"/>
+              <a:buChar char="•"/>
+              <a:defRPr sz="2400" kern="1200">
+                <a:solidFill>
+                  <a:schemeClr val="tx1"/>
+                </a:solidFill>
+                <a:latin typeface="+mn-lt"/>
+                <a:ea typeface="+mn-ea"/>
+                <a:cs typeface="+mn-cs"/>
+              </a:defRPr>
+            </a:lvl2pPr>
+            <a:lvl3pPr marL="1143000" indent="-228600" algn="l" defTabSz="914400" rtl="0" eaLnBrk="1" latinLnBrk="0" hangingPunct="1">
+              <a:lnSpc>
+                <a:spcPct val="110000"/>
+              </a:lnSpc>
+              <a:spcBef>
+                <a:spcPts val="500"/>
+              </a:spcBef>
+              <a:buFont typeface="Arial" panose="020B0604020202020204" pitchFamily="34" charset="0"/>
+              <a:buChar char="•"/>
+              <a:defRPr sz="2000" kern="1200">
+                <a:solidFill>
+                  <a:schemeClr val="tx1"/>
+                </a:solidFill>
+                <a:latin typeface="+mn-lt"/>
+                <a:ea typeface="+mn-ea"/>
+                <a:cs typeface="+mn-cs"/>
+              </a:defRPr>
+            </a:lvl3pPr>
+            <a:lvl4pPr marL="1600200" indent="-228600" algn="l" defTabSz="914400" rtl="0" eaLnBrk="1" latinLnBrk="0" hangingPunct="1">
+              <a:lnSpc>
+                <a:spcPct val="110000"/>
+              </a:lnSpc>
+              <a:spcBef>
+                <a:spcPts val="500"/>
+              </a:spcBef>
+              <a:buFont typeface="Arial" panose="020B0604020202020204" pitchFamily="34" charset="0"/>
+              <a:buChar char="•"/>
+              <a:defRPr sz="1800" kern="1200">
+                <a:solidFill>
+                  <a:schemeClr val="tx1"/>
+                </a:solidFill>
+                <a:latin typeface="+mn-lt"/>
+                <a:ea typeface="+mn-ea"/>
+                <a:cs typeface="+mn-cs"/>
+              </a:defRPr>
+            </a:lvl4pPr>
+            <a:lvl5pPr marL="2057400" indent="-228600" algn="l" defTabSz="914400" rtl="0" eaLnBrk="1" latinLnBrk="0" hangingPunct="1">
+              <a:lnSpc>
+                <a:spcPct val="110000"/>
+              </a:lnSpc>
+              <a:spcBef>
+                <a:spcPts val="500"/>
+              </a:spcBef>
+              <a:buFont typeface="Arial" panose="020B0604020202020204" pitchFamily="34" charset="0"/>
+              <a:buChar char="•"/>
+              <a:defRPr sz="1800" kern="1200">
+                <a:solidFill>
+                  <a:schemeClr val="tx1"/>
+                </a:solidFill>
+                <a:latin typeface="+mn-lt"/>
+                <a:ea typeface="+mn-ea"/>
+                <a:cs typeface="+mn-cs"/>
+              </a:defRPr>
+            </a:lvl5pPr>
+            <a:lvl6pPr marL="2514600" indent="-228600" algn="l" defTabSz="914400" rtl="0" eaLnBrk="1" latinLnBrk="0" hangingPunct="1">
+              <a:lnSpc>
+                <a:spcPct val="90000"/>
+              </a:lnSpc>
+              <a:spcBef>
+                <a:spcPts val="500"/>
+              </a:spcBef>
+              <a:buFont typeface="Arial" panose="020B0604020202020204" pitchFamily="34" charset="0"/>
+              <a:buChar char="•"/>
+              <a:defRPr sz="1800" kern="1200">
+                <a:solidFill>
+                  <a:schemeClr val="tx1"/>
+                </a:solidFill>
+                <a:latin typeface="+mn-lt"/>
+                <a:ea typeface="+mn-ea"/>
+                <a:cs typeface="+mn-cs"/>
+              </a:defRPr>
+            </a:lvl6pPr>
+            <a:lvl7pPr marL="2971800" indent="-228600" algn="l" defTabSz="914400" rtl="0" eaLnBrk="1" latinLnBrk="0" hangingPunct="1">
+              <a:lnSpc>
+                <a:spcPct val="90000"/>
+              </a:lnSpc>
+              <a:spcBef>
+                <a:spcPts val="500"/>
+              </a:spcBef>
+              <a:buFont typeface="Arial" panose="020B0604020202020204" pitchFamily="34" charset="0"/>
+              <a:buChar char="•"/>
+              <a:defRPr sz="1800" kern="1200">
+                <a:solidFill>
+                  <a:schemeClr val="tx1"/>
+                </a:solidFill>
+                <a:latin typeface="+mn-lt"/>
+                <a:ea typeface="+mn-ea"/>
+                <a:cs typeface="+mn-cs"/>
+              </a:defRPr>
+            </a:lvl7pPr>
+            <a:lvl8pPr marL="3429000" indent="-228600" algn="l" defTabSz="914400" rtl="0" eaLnBrk="1" latinLnBrk="0" hangingPunct="1">
+              <a:lnSpc>
+                <a:spcPct val="90000"/>
+              </a:lnSpc>
+              <a:spcBef>
+                <a:spcPts val="500"/>
+              </a:spcBef>
+              <a:buFont typeface="Arial" panose="020B0604020202020204" pitchFamily="34" charset="0"/>
+              <a:buChar char="•"/>
+              <a:defRPr sz="1800" kern="1200">
+                <a:solidFill>
+                  <a:schemeClr val="tx1"/>
+                </a:solidFill>
+                <a:latin typeface="+mn-lt"/>
+                <a:ea typeface="+mn-ea"/>
+                <a:cs typeface="+mn-cs"/>
+              </a:defRPr>
+            </a:lvl8pPr>
+            <a:lvl9pPr marL="3886200" indent="-228600" algn="l" defTabSz="914400" rtl="0" eaLnBrk="1" latinLnBrk="0" hangingPunct="1">
+              <a:lnSpc>
+                <a:spcPct val="90000"/>
+              </a:lnSpc>
+              <a:spcBef>
+                <a:spcPts val="500"/>
+              </a:spcBef>
+              <a:buFont typeface="Arial" panose="020B0604020202020204" pitchFamily="34" charset="0"/>
+              <a:buChar char="•"/>
+              <a:defRPr sz="1800" kern="1200">
+                <a:solidFill>
+                  <a:schemeClr val="tx1"/>
+                </a:solidFill>
+                <a:latin typeface="+mn-lt"/>
+                <a:ea typeface="+mn-ea"/>
+                <a:cs typeface="+mn-cs"/>
+              </a:defRPr>
+            </a:lvl9pPr>
+          </a:lstStyle>
+          <a:p>
+            <a:r>
+              <a:rPr lang="fr-FR" dirty="0"/>
+              <a:t>Intégrales</a:t>
+            </a:r>
+          </a:p>
+        </p:txBody>
+      </p:sp>
+      <p:sp>
+        <p:nvSpPr>
+          <p:cNvPr id="15" name="ZoneTexte 14">
+            <a:extLst>
+              <a:ext uri="{FF2B5EF4-FFF2-40B4-BE49-F238E27FC236}">
+                <a16:creationId xmlns:a16="http://schemas.microsoft.com/office/drawing/2014/main" id="{257E0BB7-316C-6CAC-2F90-FB49A2A9544F}"/>
+              </a:ext>
+            </a:extLst>
+          </p:cNvPr>
+          <p:cNvSpPr txBox="1"/>
+          <p:nvPr/>
+        </p:nvSpPr>
+        <p:spPr>
+          <a:xfrm>
+            <a:off x="6345936" y="3302376"/>
+            <a:ext cx="4765173" cy="646331"/>
+          </a:xfrm>
+          <a:prstGeom prst="rect">
+            <a:avLst/>
+          </a:prstGeom>
+          <a:solidFill>
+            <a:schemeClr val="accent1">
+              <a:lumMod val="40000"/>
+              <a:lumOff val="60000"/>
+            </a:schemeClr>
+          </a:solidFill>
+        </p:spPr>
+        <p:txBody>
+          <a:bodyPr wrap="square" rtlCol="0">
+            <a:spAutoFit/>
+          </a:bodyPr>
+          <a:lstStyle/>
+          <a:p>
+            <a:r>
+              <a:rPr lang="fr-FR" dirty="0" err="1"/>
+              <a:t>inte_f</a:t>
+            </a:r>
+            <a:r>
+              <a:rPr lang="fr-FR" dirty="0"/>
+              <a:t> </a:t>
+            </a:r>
+            <a:r>
+              <a:rPr lang="fr-FR" b="1" dirty="0"/>
+              <a:t>=</a:t>
+            </a:r>
+            <a:r>
+              <a:rPr lang="fr-FR" dirty="0"/>
+              <a:t> </a:t>
+            </a:r>
+            <a:r>
+              <a:rPr lang="fr-FR" i="1" dirty="0" err="1"/>
+              <a:t>sympy</a:t>
+            </a:r>
+            <a:r>
+              <a:rPr lang="fr-FR" dirty="0" err="1"/>
+              <a:t>.</a:t>
+            </a:r>
+            <a:r>
+              <a:rPr lang="fr-FR" b="1" dirty="0" err="1"/>
+              <a:t>integrate</a:t>
+            </a:r>
+            <a:r>
+              <a:rPr lang="fr-FR" dirty="0"/>
+              <a:t>(f, x)</a:t>
+            </a:r>
+          </a:p>
+          <a:p>
+            <a:r>
+              <a:rPr lang="fr-FR" dirty="0" err="1"/>
+              <a:t>inte_f</a:t>
+            </a:r>
+            <a:endParaRPr lang="fr-FR" dirty="0"/>
+          </a:p>
+        </p:txBody>
+      </p:sp>
+      <p:sp>
+        <p:nvSpPr>
+          <p:cNvPr id="18" name="ZoneTexte 17">
+            <a:extLst>
+              <a:ext uri="{FF2B5EF4-FFF2-40B4-BE49-F238E27FC236}">
+                <a16:creationId xmlns:a16="http://schemas.microsoft.com/office/drawing/2014/main" id="{3B8C2753-710A-CFCF-63D6-7A4D53A374F6}"/>
+              </a:ext>
+            </a:extLst>
+          </p:cNvPr>
+          <p:cNvSpPr txBox="1"/>
+          <p:nvPr/>
+        </p:nvSpPr>
+        <p:spPr>
+          <a:xfrm>
+            <a:off x="6345936" y="4091432"/>
+            <a:ext cx="4765173" cy="1754326"/>
+          </a:xfrm>
+          <a:prstGeom prst="rect">
+            <a:avLst/>
+          </a:prstGeom>
+          <a:solidFill>
+            <a:schemeClr val="accent1">
+              <a:lumMod val="40000"/>
+              <a:lumOff val="60000"/>
+            </a:schemeClr>
+          </a:solidFill>
+        </p:spPr>
+        <p:txBody>
+          <a:bodyPr wrap="square" rtlCol="0">
+            <a:spAutoFit/>
+          </a:bodyPr>
+          <a:lstStyle/>
+          <a:p>
+            <a:r>
+              <a:rPr lang="fr-FR" dirty="0"/>
+              <a:t>f </a:t>
+            </a:r>
+            <a:r>
+              <a:rPr lang="fr-FR" b="1" dirty="0"/>
+              <a:t>=</a:t>
+            </a:r>
+            <a:r>
+              <a:rPr lang="fr-FR" dirty="0"/>
+              <a:t> </a:t>
+            </a:r>
+            <a:r>
+              <a:rPr lang="fr-FR" i="1" dirty="0" err="1"/>
+              <a:t>sympy</a:t>
+            </a:r>
+            <a:r>
+              <a:rPr lang="fr-FR" dirty="0" err="1"/>
+              <a:t>.</a:t>
+            </a:r>
+            <a:r>
+              <a:rPr lang="fr-FR" b="1" dirty="0" err="1"/>
+              <a:t>exp</a:t>
+            </a:r>
+            <a:r>
+              <a:rPr lang="fr-FR" dirty="0"/>
+              <a:t>(x)/</a:t>
+            </a:r>
+            <a:br>
+              <a:rPr lang="fr-FR" dirty="0"/>
+            </a:br>
+            <a:r>
+              <a:rPr lang="fr-FR" dirty="0"/>
+              <a:t>(</a:t>
+            </a:r>
+            <a:r>
+              <a:rPr lang="fr-FR" i="1" dirty="0" err="1"/>
+              <a:t>sympy</a:t>
+            </a:r>
+            <a:r>
+              <a:rPr lang="fr-FR" dirty="0" err="1"/>
+              <a:t>.</a:t>
+            </a:r>
+            <a:r>
+              <a:rPr lang="fr-FR" b="1" dirty="0" err="1"/>
+              <a:t>sqrt</a:t>
+            </a:r>
+            <a:r>
+              <a:rPr lang="fr-FR" dirty="0"/>
+              <a:t>(</a:t>
+            </a:r>
+            <a:r>
+              <a:rPr lang="fr-FR" i="1" dirty="0" err="1"/>
+              <a:t>sympy</a:t>
+            </a:r>
+            <a:r>
+              <a:rPr lang="fr-FR" dirty="0" err="1"/>
+              <a:t>.</a:t>
+            </a:r>
+            <a:r>
+              <a:rPr lang="fr-FR" b="1" dirty="0" err="1"/>
+              <a:t>exp</a:t>
+            </a:r>
+            <a:r>
+              <a:rPr lang="fr-FR" dirty="0"/>
+              <a:t>(2*x)+9))</a:t>
+            </a:r>
+          </a:p>
+          <a:p>
+            <a:endParaRPr lang="fr-FR" dirty="0"/>
+          </a:p>
+          <a:p>
+            <a:r>
+              <a:rPr lang="fr-FR" dirty="0" err="1"/>
+              <a:t>inte_f</a:t>
+            </a:r>
+            <a:r>
+              <a:rPr lang="fr-FR" dirty="0"/>
+              <a:t> </a:t>
+            </a:r>
+            <a:r>
+              <a:rPr lang="fr-FR" b="1" dirty="0"/>
+              <a:t>=</a:t>
+            </a:r>
+            <a:r>
+              <a:rPr lang="fr-FR" dirty="0"/>
+              <a:t> </a:t>
+            </a:r>
+            <a:r>
+              <a:rPr lang="fr-FR" i="1" dirty="0" err="1"/>
+              <a:t>sympy</a:t>
+            </a:r>
+            <a:r>
+              <a:rPr lang="fr-FR" dirty="0" err="1"/>
+              <a:t>.</a:t>
+            </a:r>
+            <a:r>
+              <a:rPr lang="fr-FR" b="1" dirty="0" err="1"/>
+              <a:t>integrate</a:t>
+            </a:r>
+            <a:r>
+              <a:rPr lang="fr-FR" dirty="0"/>
+              <a:t>(f, (x, 0, </a:t>
+            </a:r>
+            <a:r>
+              <a:rPr lang="fr-FR" i="1" dirty="0"/>
+              <a:t>sympy</a:t>
+            </a:r>
+            <a:r>
+              <a:rPr lang="fr-FR" dirty="0"/>
+              <a:t>.</a:t>
+            </a:r>
+            <a:r>
+              <a:rPr lang="fr-FR" b="1" dirty="0"/>
+              <a:t>log</a:t>
+            </a:r>
+            <a:r>
+              <a:rPr lang="fr-FR" dirty="0"/>
+              <a:t>(4)))</a:t>
+            </a:r>
+          </a:p>
+          <a:p>
+            <a:r>
+              <a:rPr lang="fr-FR" dirty="0" err="1"/>
+              <a:t>inte_f</a:t>
+            </a:r>
+            <a:endParaRPr lang="fr-FR" dirty="0"/>
+          </a:p>
+        </p:txBody>
+      </p:sp>
+      <p:pic>
+        <p:nvPicPr>
+          <p:cNvPr id="6" name="Picture 8" descr="Résultat de recherche d'images pour &quot;spyder logo&quot;">
+            <a:extLst>
+              <a:ext uri="{FF2B5EF4-FFF2-40B4-BE49-F238E27FC236}">
+                <a16:creationId xmlns:a16="http://schemas.microsoft.com/office/drawing/2014/main" id="{15EF5648-F6C6-A818-2130-8F02900DDFE1}"/>
+              </a:ext>
+            </a:extLst>
+          </p:cNvPr>
+          <p:cNvPicPr>
+            <a:picLocks noChangeAspect="1" noChangeArrowheads="1"/>
+          </p:cNvPicPr>
+          <p:nvPr/>
+        </p:nvPicPr>
+        <p:blipFill>
+          <a:blip r:embed="rId5">
+            <a:extLst>
+              <a:ext uri="{28A0092B-C50C-407E-A947-70E740481C1C}">
+                <a14:useLocalDpi xmlns:a14="http://schemas.microsoft.com/office/drawing/2010/main" val="0"/>
+              </a:ext>
+            </a:extLst>
+          </a:blip>
+          <a:srcRect/>
+          <a:stretch>
+            <a:fillRect/>
+          </a:stretch>
+        </p:blipFill>
+        <p:spPr bwMode="auto">
+          <a:xfrm>
+            <a:off x="10162526" y="1757291"/>
+            <a:ext cx="947620" cy="473810"/>
+          </a:xfrm>
+          <a:prstGeom prst="rect">
+            <a:avLst/>
+          </a:prstGeom>
+          <a:noFill/>
+          <a:extLst>
+            <a:ext uri="{909E8E84-426E-40DD-AFC4-6F175D3DCCD1}">
+              <a14:hiddenFill xmlns:a14="http://schemas.microsoft.com/office/drawing/2010/main">
+                <a:solidFill>
+                  <a:srgbClr val="FFFFFF"/>
+                </a:solidFill>
+              </a14:hiddenFill>
+            </a:ext>
+          </a:extLst>
+        </p:spPr>
+      </p:pic>
+    </p:spTree>
+    <p:extLst>
+      <p:ext uri="{BB962C8B-B14F-4D97-AF65-F5344CB8AC3E}">
+        <p14:creationId xmlns:p14="http://schemas.microsoft.com/office/powerpoint/2010/main" val="115123252"/>
+      </p:ext>
+    </p:extLst>
+  </p:cSld>
+  <p:clrMapOvr>
+    <a:masterClrMapping/>
+  </p:clrMapOvr>
+</p:sld>
+</file>
+
+<file path=ppt/slides/slide16.xml><?xml version="1.0" encoding="utf-8"?>
+<p:sld xmlns:a="http://schemas.openxmlformats.org/drawingml/2006/main" xmlns:r="http://schemas.openxmlformats.org/officeDocument/2006/relationships" xmlns:p="http://schemas.openxmlformats.org/presentationml/2006/main">
+  <p:cSld>
+    <p:spTree>
+      <p:nvGrpSpPr>
+        <p:cNvPr id="1" name=""/>
+        <p:cNvGrpSpPr/>
+        <p:nvPr/>
+      </p:nvGrpSpPr>
+      <p:grpSpPr>
+        <a:xfrm>
+          <a:off x="0" y="0"/>
+          <a:ext cx="0" cy="0"/>
+          <a:chOff x="0" y="0"/>
+          <a:chExt cx="0" cy="0"/>
+        </a:xfrm>
+      </p:grpSpPr>
+      <p:sp>
+        <p:nvSpPr>
+          <p:cNvPr id="2" name="Titre 1">
+            <a:extLst>
+              <a:ext uri="{FF2B5EF4-FFF2-40B4-BE49-F238E27FC236}">
+                <a16:creationId xmlns:a16="http://schemas.microsoft.com/office/drawing/2014/main" id="{90162AE8-C1B0-5C56-8313-DEE494F38273}"/>
+              </a:ext>
+            </a:extLst>
+          </p:cNvPr>
+          <p:cNvSpPr>
+            <a:spLocks noGrp="1"/>
+          </p:cNvSpPr>
+          <p:nvPr>
+            <p:ph type="title"/>
+          </p:nvPr>
+        </p:nvSpPr>
+        <p:spPr/>
+        <p:txBody>
+          <a:bodyPr>
+            <a:normAutofit/>
+          </a:bodyPr>
+          <a:lstStyle/>
+          <a:p>
+            <a:r>
+              <a:rPr lang="fr-FR" dirty="0"/>
+              <a:t>Calcul symbolique (ou formel)</a:t>
+            </a:r>
+          </a:p>
+        </p:txBody>
+      </p:sp>
+      <p:sp>
+        <p:nvSpPr>
+          <p:cNvPr id="3" name="Espace réservé du contenu 2">
+            <a:extLst>
+              <a:ext uri="{FF2B5EF4-FFF2-40B4-BE49-F238E27FC236}">
+                <a16:creationId xmlns:a16="http://schemas.microsoft.com/office/drawing/2014/main" id="{E0BBB9DE-019C-C741-F224-494739D4B752}"/>
+              </a:ext>
+            </a:extLst>
+          </p:cNvPr>
+          <p:cNvSpPr>
+            <a:spLocks noGrp="1"/>
+          </p:cNvSpPr>
+          <p:nvPr>
+            <p:ph sz="half" idx="1"/>
+          </p:nvPr>
+        </p:nvSpPr>
+        <p:spPr/>
+        <p:txBody>
+          <a:bodyPr/>
+          <a:lstStyle/>
+          <a:p>
+            <a:r>
+              <a:rPr lang="fr-FR" dirty="0"/>
+              <a:t>Résolution formelle</a:t>
+            </a:r>
+          </a:p>
+        </p:txBody>
+      </p:sp>
+      <p:sp>
+        <p:nvSpPr>
+          <p:cNvPr id="4" name="Espace réservé du numéro de diapositive 3">
+            <a:extLst>
+              <a:ext uri="{FF2B5EF4-FFF2-40B4-BE49-F238E27FC236}">
+                <a16:creationId xmlns:a16="http://schemas.microsoft.com/office/drawing/2014/main" id="{F08CDEFC-50F0-4C47-46AC-D28A2807E4F8}"/>
+              </a:ext>
+            </a:extLst>
+          </p:cNvPr>
+          <p:cNvSpPr>
+            <a:spLocks noGrp="1"/>
+          </p:cNvSpPr>
+          <p:nvPr>
+            <p:ph type="sldNum" sz="quarter" idx="12"/>
+          </p:nvPr>
+        </p:nvSpPr>
+        <p:spPr/>
+        <p:txBody>
+          <a:bodyPr/>
+          <a:lstStyle/>
+          <a:p>
+            <a:fld id="{B2DC25EE-239B-4C5F-AAD1-255A7D5F1EE2}" type="slidenum">
+              <a:rPr lang="en-US" smtClean="0"/>
+              <a:t>16</a:t>
             </a:fld>
             <a:endParaRPr lang="en-US" dirty="0"/>
           </a:p>
@@ -11279,15 +12065,19 @@
             </a:r>
             <a:r>
               <a:rPr lang="fr-FR" sz="1800" dirty="0"/>
-              <a:t> = {vsµ.</a:t>
-            </a:r>
-            <a:r>
-              <a:rPr lang="fr-FR" sz="1800" dirty="0" err="1"/>
-              <a:t>subs</a:t>
+              <a:t> = {</a:t>
+            </a:r>
+            <a:r>
+              <a:rPr lang="fr-FR" sz="1800" smtClean="0"/>
+              <a:t>vs.subs</a:t>
+            </a:r>
+            <a:r>
+              <a:rPr lang="fr-FR" sz="1800" dirty="0" smtClean="0"/>
+              <a:t>(t,0</a:t>
             </a:r>
             <a:r>
               <a:rPr lang="fr-FR" sz="1800" dirty="0"/>
-              <a:t>(t,0): 5}</a:t>
+              <a:t>): 5}</a:t>
             </a:r>
             <a:endParaRPr lang="fr-FR" dirty="0"/>
           </a:p>
@@ -11308,13 +12098,13 @@
           <p:nvPr/>
         </p:nvPicPr>
         <p:blipFill>
-          <a:blip r:embed="rId6">
+          <a:blip r:embed="rId6" cstate="hqprint">
             <a:extLst>
               <a:ext uri="{28A0092B-C50C-407E-A947-70E740481C1C}">
                 <a14:useLocalDpi xmlns:a14="http://schemas.microsoft.com/office/drawing/2010/main" val="0"/>
               </a:ext>
               <a:ext uri="{96DAC541-7B7A-43D3-8B79-37D633B846F1}">
-                <asvg:svgBlip xmlns:asvg="http://schemas.microsoft.com/office/drawing/2016/SVG/main" r:embed="rId7"/>
+                <asvg:svgBlip xmlns:asvg="http://schemas.microsoft.com/office/drawing/2016/SVG/main" xmlns="" r:embed="rId7"/>
               </a:ext>
             </a:extLst>
           </a:blip>
@@ -11530,7 +12320,7 @@
 </p:sld>
 </file>
 
-<file path=ppt/slides/slide16.xml><?xml version="1.0" encoding="utf-8"?>
+<file path=ppt/slides/slide17.xml><?xml version="1.0" encoding="utf-8"?>
 <p:sld xmlns:a="http://schemas.openxmlformats.org/drawingml/2006/main" xmlns:r="http://schemas.openxmlformats.org/officeDocument/2006/relationships" xmlns:p="http://schemas.openxmlformats.org/presentationml/2006/main">
   <p:cSld>
     <p:spTree>
@@ -11664,7 +12454,7 @@
           <a:p>
             <a:fld id="{B2DC25EE-239B-4C5F-AAD1-255A7D5F1EE2}" type="slidenum">
               <a:rPr lang="en-US" smtClean="0"/>
-              <a:t>16</a:t>
+              <a:t>17</a:t>
             </a:fld>
             <a:endParaRPr lang="en-US"/>
           </a:p>
@@ -12643,7 +13433,7 @@
 </p:sld>
 </file>
 
-<file path=ppt/slides/slide17.xml><?xml version="1.0" encoding="utf-8"?>
+<file path=ppt/slides/slide18.xml><?xml version="1.0" encoding="utf-8"?>
 <p:sld xmlns:a="http://schemas.openxmlformats.org/drawingml/2006/main" xmlns:r="http://schemas.openxmlformats.org/officeDocument/2006/relationships" xmlns:p="http://schemas.openxmlformats.org/presentationml/2006/main">
   <p:cSld>
     <p:spTree>
@@ -13252,7 +14042,7 @@
           <a:p>
             <a:fld id="{B2DC25EE-239B-4C5F-AAD1-255A7D5F1EE2}" type="slidenum">
               <a:rPr lang="en-US" smtClean="0"/>
-              <a:t>17</a:t>
+              <a:t>18</a:t>
             </a:fld>
             <a:endParaRPr lang="en-US" dirty="0"/>
           </a:p>
@@ -13351,13 +14141,13 @@
           <p:nvPr/>
         </p:nvPicPr>
         <p:blipFill>
-          <a:blip r:embed="rId4">
+          <a:blip r:embed="rId4" cstate="hqprint">
             <a:extLst>
               <a:ext uri="{28A0092B-C50C-407E-A947-70E740481C1C}">
                 <a14:useLocalDpi xmlns:a14="http://schemas.microsoft.com/office/drawing/2010/main" val="0"/>
               </a:ext>
               <a:ext uri="{96DAC541-7B7A-43D3-8B79-37D633B846F1}">
-                <asvg:svgBlip xmlns:asvg="http://schemas.microsoft.com/office/drawing/2016/SVG/main" r:embed="rId5"/>
+                <asvg:svgBlip xmlns:asvg="http://schemas.microsoft.com/office/drawing/2016/SVG/main" xmlns="" r:embed="rId5"/>
               </a:ext>
             </a:extLst>
           </a:blip>
@@ -13575,7 +14365,7 @@
 </p:sld>
 </file>
 
-<file path=ppt/slides/slide18.xml><?xml version="1.0" encoding="utf-8"?>
+<file path=ppt/slides/slide19.xml><?xml version="1.0" encoding="utf-8"?>
 <p:sld xmlns:a="http://schemas.openxmlformats.org/drawingml/2006/main" xmlns:r="http://schemas.openxmlformats.org/officeDocument/2006/relationships" xmlns:p="http://schemas.openxmlformats.org/presentationml/2006/main">
   <p:cSld>
     <p:spTree>
@@ -13733,7 +14523,7 @@
           <a:p>
             <a:fld id="{B2DC25EE-239B-4C5F-AAD1-255A7D5F1EE2}" type="slidenum">
               <a:rPr lang="en-US" smtClean="0"/>
-              <a:t>18</a:t>
+              <a:t>19</a:t>
             </a:fld>
             <a:endParaRPr lang="en-US"/>
           </a:p>
@@ -14771,13 +15561,13 @@
           <p:nvPr/>
         </p:nvPicPr>
         <p:blipFill>
-          <a:blip r:embed="rId7">
+          <a:blip r:embed="rId7" cstate="hqprint">
             <a:extLst>
               <a:ext uri="{28A0092B-C50C-407E-A947-70E740481C1C}">
                 <a14:useLocalDpi xmlns:a14="http://schemas.microsoft.com/office/drawing/2010/main" val="0"/>
               </a:ext>
               <a:ext uri="{96DAC541-7B7A-43D3-8B79-37D633B846F1}">
-                <asvg:svgBlip xmlns:asvg="http://schemas.microsoft.com/office/drawing/2016/SVG/main" r:embed="rId8"/>
+                <asvg:svgBlip xmlns:asvg="http://schemas.microsoft.com/office/drawing/2016/SVG/main" xmlns="" r:embed="rId8"/>
               </a:ext>
             </a:extLst>
           </a:blip>
@@ -14951,462 +15741,6 @@
     <p:extLst>
       <p:ext uri="{BB962C8B-B14F-4D97-AF65-F5344CB8AC3E}">
         <p14:creationId xmlns:p14="http://schemas.microsoft.com/office/powerpoint/2010/main" val="3407578763"/>
-      </p:ext>
-    </p:extLst>
-  </p:cSld>
-  <p:clrMapOvr>
-    <a:masterClrMapping/>
-  </p:clrMapOvr>
-</p:sld>
-</file>
-
-<file path=ppt/slides/slide19.xml><?xml version="1.0" encoding="utf-8"?>
-<p:sld xmlns:a="http://schemas.openxmlformats.org/drawingml/2006/main" xmlns:r="http://schemas.openxmlformats.org/officeDocument/2006/relationships" xmlns:p="http://schemas.openxmlformats.org/presentationml/2006/main">
-  <p:cSld>
-    <p:bg>
-      <p:bgPr>
-        <a:solidFill>
-          <a:schemeClr val="accent4">
-            <a:lumMod val="60000"/>
-            <a:lumOff val="40000"/>
-          </a:schemeClr>
-        </a:solidFill>
-        <a:effectLst/>
-      </p:bgPr>
-    </p:bg>
-    <p:spTree>
-      <p:nvGrpSpPr>
-        <p:cNvPr id="1" name=""/>
-        <p:cNvGrpSpPr/>
-        <p:nvPr/>
-      </p:nvGrpSpPr>
-      <p:grpSpPr>
-        <a:xfrm>
-          <a:off x="0" y="0"/>
-          <a:ext cx="0" cy="0"/>
-          <a:chOff x="0" y="0"/>
-          <a:chExt cx="0" cy="0"/>
-        </a:xfrm>
-      </p:grpSpPr>
-      <p:sp>
-        <p:nvSpPr>
-          <p:cNvPr id="2" name="Titre 1">
-            <a:extLst>
-              <a:ext uri="{FF2B5EF4-FFF2-40B4-BE49-F238E27FC236}">
-                <a16:creationId xmlns:a16="http://schemas.microsoft.com/office/drawing/2014/main" id="{90162AE8-C1B0-5C56-8313-DEE494F38273}"/>
-              </a:ext>
-            </a:extLst>
-          </p:cNvPr>
-          <p:cNvSpPr>
-            <a:spLocks noGrp="1"/>
-          </p:cNvSpPr>
-          <p:nvPr>
-            <p:ph type="title"/>
-          </p:nvPr>
-        </p:nvSpPr>
-        <p:spPr/>
-        <p:txBody>
-          <a:bodyPr>
-            <a:normAutofit/>
-          </a:bodyPr>
-          <a:lstStyle/>
-          <a:p>
-            <a:r>
-              <a:rPr lang="fr-FR" dirty="0"/>
-              <a:t>Bibliographie</a:t>
-            </a:r>
-          </a:p>
-        </p:txBody>
-      </p:sp>
-      <p:sp>
-        <p:nvSpPr>
-          <p:cNvPr id="3" name="Espace réservé du contenu 2">
-            <a:extLst>
-              <a:ext uri="{FF2B5EF4-FFF2-40B4-BE49-F238E27FC236}">
-                <a16:creationId xmlns:a16="http://schemas.microsoft.com/office/drawing/2014/main" id="{E0BBB9DE-019C-C741-F224-494739D4B752}"/>
-              </a:ext>
-            </a:extLst>
-          </p:cNvPr>
-          <p:cNvSpPr>
-            <a:spLocks noGrp="1"/>
-          </p:cNvSpPr>
-          <p:nvPr>
-            <p:ph sz="half" idx="1"/>
-          </p:nvPr>
-        </p:nvSpPr>
-        <p:spPr>
-          <a:xfrm>
-            <a:off x="1115567" y="2478024"/>
-            <a:ext cx="10574987" cy="3694176"/>
-          </a:xfrm>
-        </p:spPr>
-        <p:txBody>
-          <a:bodyPr>
-            <a:normAutofit/>
-          </a:bodyPr>
-          <a:lstStyle/>
-          <a:p>
-            <a:r>
-              <a:rPr lang="fr-FR" sz="2000" b="1" i="1" dirty="0"/>
-              <a:t>Python pour le calcul symbolique</a:t>
-            </a:r>
-            <a:r>
-              <a:rPr lang="fr-FR" sz="2000" i="1" dirty="0"/>
-              <a:t>– </a:t>
-            </a:r>
-            <a:r>
-              <a:rPr lang="fr-FR" sz="2000" i="1" dirty="0" err="1"/>
-              <a:t>WikiBooks</a:t>
-            </a:r>
-            <a:br>
-              <a:rPr lang="fr-FR" sz="2000" dirty="0"/>
-            </a:br>
-            <a:r>
-              <a:rPr lang="fr-FR" sz="2000" dirty="0">
-                <a:hlinkClick r:id="rId2"/>
-              </a:rPr>
-              <a:t>https://fr.wikibooks.org/wiki/Python_pour_le_calcul_scientifique/Calcul_symbolique</a:t>
-            </a:r>
-            <a:r>
-              <a:rPr lang="fr-FR" sz="2000" dirty="0"/>
-              <a:t> </a:t>
-            </a:r>
-          </a:p>
-          <a:p>
-            <a:pPr marL="0" indent="0">
-              <a:buNone/>
-            </a:pPr>
-            <a:endParaRPr lang="fr-FR" sz="2000" dirty="0"/>
-          </a:p>
-          <a:p>
-            <a:r>
-              <a:rPr lang="en-US" sz="2000" b="1" i="1" dirty="0"/>
-              <a:t>Ordinary Differential Equations - </a:t>
-            </a:r>
-            <a:r>
-              <a:rPr lang="en-US" sz="2000" b="1" i="1" dirty="0" err="1"/>
-              <a:t>SymPy</a:t>
-            </a:r>
-            <a:r>
-              <a:rPr lang="en-US" sz="2000" b="1" i="1" dirty="0"/>
-              <a:t> Tutorial 10 </a:t>
-            </a:r>
-            <a:r>
-              <a:rPr lang="fr-FR" sz="2000" i="1" dirty="0"/>
-              <a:t>– TM </a:t>
-            </a:r>
-            <a:r>
-              <a:rPr lang="fr-FR" sz="2000" i="1" dirty="0" err="1"/>
-              <a:t>Quest</a:t>
-            </a:r>
-            <a:r>
-              <a:rPr lang="fr-FR" sz="2000" i="1" dirty="0"/>
-              <a:t> </a:t>
-            </a:r>
-            <a:r>
-              <a:rPr lang="fr-FR" sz="2000" dirty="0">
-                <a:hlinkClick r:id="rId3"/>
-              </a:rPr>
-              <a:t>https://www.youtube.com/watch?v=Z2havWsxa-E</a:t>
-            </a:r>
-            <a:r>
-              <a:rPr lang="fr-FR" sz="2000" dirty="0"/>
-              <a:t> </a:t>
-            </a:r>
-          </a:p>
-          <a:p>
-            <a:endParaRPr lang="fr-FR" sz="2000" dirty="0"/>
-          </a:p>
-          <a:p>
-            <a:r>
-              <a:rPr lang="fr-FR" sz="2000" b="1" i="1" dirty="0"/>
-              <a:t>Le calcul symbolique et ses principales applications </a:t>
-            </a:r>
-            <a:r>
-              <a:rPr lang="fr-FR" sz="2000" i="1" dirty="0"/>
-              <a:t>– Paul LEVY</a:t>
-            </a:r>
-            <a:br>
-              <a:rPr lang="fr-FR" sz="2000" dirty="0"/>
-            </a:br>
-            <a:r>
-              <a:rPr lang="fr-FR" sz="2000" dirty="0">
-                <a:hlinkClick r:id="rId4"/>
-              </a:rPr>
-              <a:t>http://www.numdam.org/article/AUG_1945__21__41_0</a:t>
-            </a:r>
-            <a:r>
-              <a:rPr lang="fr-FR" sz="2000">
-                <a:hlinkClick r:id="rId4"/>
-              </a:rPr>
-              <a:t>.pdf</a:t>
-            </a:r>
-            <a:r>
-              <a:rPr lang="fr-FR" sz="2000"/>
-              <a:t> </a:t>
-            </a:r>
-            <a:endParaRPr lang="fr-FR" sz="2000" dirty="0"/>
-          </a:p>
-        </p:txBody>
-      </p:sp>
-      <p:sp>
-        <p:nvSpPr>
-          <p:cNvPr id="4" name="Espace réservé du numéro de diapositive 3">
-            <a:extLst>
-              <a:ext uri="{FF2B5EF4-FFF2-40B4-BE49-F238E27FC236}">
-                <a16:creationId xmlns:a16="http://schemas.microsoft.com/office/drawing/2014/main" id="{F08CDEFC-50F0-4C47-46AC-D28A2807E4F8}"/>
-              </a:ext>
-            </a:extLst>
-          </p:cNvPr>
-          <p:cNvSpPr>
-            <a:spLocks noGrp="1"/>
-          </p:cNvSpPr>
-          <p:nvPr>
-            <p:ph type="sldNum" sz="quarter" idx="12"/>
-          </p:nvPr>
-        </p:nvSpPr>
-        <p:spPr/>
-        <p:txBody>
-          <a:bodyPr/>
-          <a:lstStyle/>
-          <a:p>
-            <a:fld id="{B2DC25EE-239B-4C5F-AAD1-255A7D5F1EE2}" type="slidenum">
-              <a:rPr lang="en-US" smtClean="0"/>
-              <a:t>19</a:t>
-            </a:fld>
-            <a:endParaRPr lang="en-US" dirty="0"/>
-          </a:p>
-        </p:txBody>
-      </p:sp>
-      <p:pic>
-        <p:nvPicPr>
-          <p:cNvPr id="5" name="Image 4" descr="Une image contenant texte&#10;&#10;Description générée automatiquement">
-            <a:extLst>
-              <a:ext uri="{FF2B5EF4-FFF2-40B4-BE49-F238E27FC236}">
-                <a16:creationId xmlns:a16="http://schemas.microsoft.com/office/drawing/2014/main" id="{66D2630B-81F4-A4EB-21BA-8B90CF30BD92}"/>
-              </a:ext>
-            </a:extLst>
-          </p:cNvPr>
-          <p:cNvPicPr>
-            <a:picLocks noChangeAspect="1"/>
-          </p:cNvPicPr>
-          <p:nvPr/>
-        </p:nvPicPr>
-        <p:blipFill>
-          <a:blip r:embed="rId5">
-            <a:extLst>
-              <a:ext uri="{28A0092B-C50C-407E-A947-70E740481C1C}">
-                <a14:useLocalDpi xmlns:a14="http://schemas.microsoft.com/office/drawing/2010/main" val="0"/>
-              </a:ext>
-            </a:extLst>
-          </a:blip>
-          <a:stretch>
-            <a:fillRect/>
-          </a:stretch>
-        </p:blipFill>
-        <p:spPr>
-          <a:xfrm>
-            <a:off x="202922" y="5934456"/>
-            <a:ext cx="1825291" cy="749808"/>
-          </a:xfrm>
-          <a:prstGeom prst="rect">
-            <a:avLst/>
-          </a:prstGeom>
-        </p:spPr>
-      </p:pic>
-      <p:sp>
-        <p:nvSpPr>
-          <p:cNvPr id="8" name="ZoneTexte 7">
-            <a:extLst>
-              <a:ext uri="{FF2B5EF4-FFF2-40B4-BE49-F238E27FC236}">
-                <a16:creationId xmlns:a16="http://schemas.microsoft.com/office/drawing/2014/main" id="{0C76D9A3-0317-D2DA-4063-0C82F10FBF82}"/>
-              </a:ext>
-            </a:extLst>
-          </p:cNvPr>
-          <p:cNvSpPr txBox="1"/>
-          <p:nvPr/>
-        </p:nvSpPr>
-        <p:spPr>
-          <a:xfrm>
-            <a:off x="7816516" y="216818"/>
-            <a:ext cx="3687548" cy="307777"/>
-          </a:xfrm>
-          <a:prstGeom prst="rect">
-            <a:avLst/>
-          </a:prstGeom>
-          <a:noFill/>
-        </p:spPr>
-        <p:txBody>
-          <a:bodyPr wrap="none" rtlCol="0">
-            <a:spAutoFit/>
-          </a:bodyPr>
-          <a:lstStyle/>
-          <a:p>
-            <a:r>
-              <a:rPr lang="fr-FR" sz="1400" dirty="0"/>
-              <a:t>Document rédigé par Julien VILLEMEJANE</a:t>
-            </a:r>
-          </a:p>
-        </p:txBody>
-      </p:sp>
-      <p:sp>
-        <p:nvSpPr>
-          <p:cNvPr id="9" name="ZoneTexte 8">
-            <a:extLst>
-              <a:ext uri="{FF2B5EF4-FFF2-40B4-BE49-F238E27FC236}">
-                <a16:creationId xmlns:a16="http://schemas.microsoft.com/office/drawing/2014/main" id="{D8EB7AA9-0549-7EC6-53DC-E54B71929AAA}"/>
-              </a:ext>
-            </a:extLst>
-          </p:cNvPr>
-          <p:cNvSpPr txBox="1"/>
-          <p:nvPr/>
-        </p:nvSpPr>
-        <p:spPr>
-          <a:xfrm>
-            <a:off x="8540496" y="495065"/>
-            <a:ext cx="2963568" cy="307777"/>
-          </a:xfrm>
-          <a:prstGeom prst="rect">
-            <a:avLst/>
-          </a:prstGeom>
-          <a:noFill/>
-        </p:spPr>
-        <p:txBody>
-          <a:bodyPr wrap="none" rtlCol="0">
-            <a:spAutoFit/>
-          </a:bodyPr>
-          <a:lstStyle/>
-          <a:p>
-            <a:r>
-              <a:rPr lang="fr-FR" sz="1400" dirty="0" err="1"/>
-              <a:t>LEnsE</a:t>
-            </a:r>
-            <a:r>
-              <a:rPr lang="fr-FR" sz="1400" dirty="0"/>
-              <a:t> / Institut d’Optique / France</a:t>
-            </a:r>
-          </a:p>
-        </p:txBody>
-      </p:sp>
-      <p:sp>
-        <p:nvSpPr>
-          <p:cNvPr id="10" name="ZoneTexte 9">
-            <a:extLst>
-              <a:ext uri="{FF2B5EF4-FFF2-40B4-BE49-F238E27FC236}">
-                <a16:creationId xmlns:a16="http://schemas.microsoft.com/office/drawing/2014/main" id="{DD63F07E-350C-98D6-74C9-5AF9CE8BF7A5}"/>
-              </a:ext>
-            </a:extLst>
-          </p:cNvPr>
-          <p:cNvSpPr txBox="1"/>
-          <p:nvPr/>
-        </p:nvSpPr>
-        <p:spPr>
-          <a:xfrm>
-            <a:off x="8904250" y="993522"/>
-            <a:ext cx="2599814" cy="307777"/>
-          </a:xfrm>
-          <a:prstGeom prst="rect">
-            <a:avLst/>
-          </a:prstGeom>
-          <a:noFill/>
-        </p:spPr>
-        <p:txBody>
-          <a:bodyPr wrap="none" rtlCol="0">
-            <a:spAutoFit/>
-          </a:bodyPr>
-          <a:lstStyle/>
-          <a:p>
-            <a:r>
-              <a:rPr lang="fr-FR" sz="1400" dirty="0">
-                <a:hlinkClick r:id="rId6"/>
-              </a:rPr>
-              <a:t>http://lense.institutoptique.fr/</a:t>
-            </a:r>
-            <a:endParaRPr lang="fr-FR" sz="1400" dirty="0"/>
-          </a:p>
-        </p:txBody>
-      </p:sp>
-      <p:cxnSp>
-        <p:nvCxnSpPr>
-          <p:cNvPr id="11" name="Connecteur droit 10">
-            <a:extLst>
-              <a:ext uri="{FF2B5EF4-FFF2-40B4-BE49-F238E27FC236}">
-                <a16:creationId xmlns:a16="http://schemas.microsoft.com/office/drawing/2014/main" id="{F4265E24-A10F-EE45-5E0C-6A87B4BC3196}"/>
-              </a:ext>
-            </a:extLst>
-          </p:cNvPr>
-          <p:cNvCxnSpPr/>
-          <p:nvPr/>
-        </p:nvCxnSpPr>
-        <p:spPr>
-          <a:xfrm>
-            <a:off x="6820524" y="126185"/>
-            <a:ext cx="0" cy="1850749"/>
-          </a:xfrm>
-          <a:prstGeom prst="line">
-            <a:avLst/>
-          </a:prstGeom>
-          <a:ln w="25400">
-            <a:solidFill>
-              <a:srgbClr val="C4CBB2"/>
-            </a:solidFill>
-            <a:prstDash val="dashDot"/>
-          </a:ln>
-        </p:spPr>
-        <p:style>
-          <a:lnRef idx="1">
-            <a:schemeClr val="accent1"/>
-          </a:lnRef>
-          <a:fillRef idx="0">
-            <a:schemeClr val="accent1"/>
-          </a:fillRef>
-          <a:effectRef idx="0">
-            <a:schemeClr val="accent1"/>
-          </a:effectRef>
-          <a:fontRef idx="minor">
-            <a:schemeClr val="tx1"/>
-          </a:fontRef>
-        </p:style>
-      </p:cxnSp>
-      <p:sp>
-        <p:nvSpPr>
-          <p:cNvPr id="13" name="ZoneTexte 12">
-            <a:extLst>
-              <a:ext uri="{FF2B5EF4-FFF2-40B4-BE49-F238E27FC236}">
-                <a16:creationId xmlns:a16="http://schemas.microsoft.com/office/drawing/2014/main" id="{839A3042-2313-5F87-02C8-628C3197E1D5}"/>
-              </a:ext>
-            </a:extLst>
-          </p:cNvPr>
-          <p:cNvSpPr txBox="1"/>
-          <p:nvPr/>
-        </p:nvSpPr>
-        <p:spPr>
-          <a:xfrm>
-            <a:off x="9660290" y="1633897"/>
-            <a:ext cx="1854290" cy="307777"/>
-          </a:xfrm>
-          <a:prstGeom prst="rect">
-            <a:avLst/>
-          </a:prstGeom>
-          <a:noFill/>
-        </p:spPr>
-        <p:txBody>
-          <a:bodyPr wrap="none" rtlCol="0">
-            <a:spAutoFit/>
-          </a:bodyPr>
-          <a:lstStyle/>
-          <a:p>
-            <a:r>
-              <a:rPr lang="fr-FR" sz="1400" dirty="0"/>
-              <a:t>Création : Avril 2023</a:t>
-            </a:r>
-          </a:p>
-        </p:txBody>
-      </p:sp>
-    </p:spTree>
-    <p:extLst>
-      <p:ext uri="{BB962C8B-B14F-4D97-AF65-F5344CB8AC3E}">
-        <p14:creationId xmlns:p14="http://schemas.microsoft.com/office/powerpoint/2010/main" val="699773079"/>
       </p:ext>
     </p:extLst>
   </p:cSld>
@@ -15884,6 +16218,470 @@
 </p:sld>
 </file>
 
+<file path=ppt/slides/slide20.xml><?xml version="1.0" encoding="utf-8"?>
+<p:sld xmlns:a="http://schemas.openxmlformats.org/drawingml/2006/main" xmlns:r="http://schemas.openxmlformats.org/officeDocument/2006/relationships" xmlns:p="http://schemas.openxmlformats.org/presentationml/2006/main">
+  <p:cSld>
+    <p:bg>
+      <p:bgPr>
+        <a:solidFill>
+          <a:schemeClr val="accent4">
+            <a:lumMod val="60000"/>
+            <a:lumOff val="40000"/>
+          </a:schemeClr>
+        </a:solidFill>
+        <a:effectLst/>
+      </p:bgPr>
+    </p:bg>
+    <p:spTree>
+      <p:nvGrpSpPr>
+        <p:cNvPr id="1" name=""/>
+        <p:cNvGrpSpPr/>
+        <p:nvPr/>
+      </p:nvGrpSpPr>
+      <p:grpSpPr>
+        <a:xfrm>
+          <a:off x="0" y="0"/>
+          <a:ext cx="0" cy="0"/>
+          <a:chOff x="0" y="0"/>
+          <a:chExt cx="0" cy="0"/>
+        </a:xfrm>
+      </p:grpSpPr>
+      <p:sp>
+        <p:nvSpPr>
+          <p:cNvPr id="2" name="Titre 1">
+            <a:extLst>
+              <a:ext uri="{FF2B5EF4-FFF2-40B4-BE49-F238E27FC236}">
+                <a16:creationId xmlns:a16="http://schemas.microsoft.com/office/drawing/2014/main" id="{90162AE8-C1B0-5C56-8313-DEE494F38273}"/>
+              </a:ext>
+            </a:extLst>
+          </p:cNvPr>
+          <p:cNvSpPr>
+            <a:spLocks noGrp="1"/>
+          </p:cNvSpPr>
+          <p:nvPr>
+            <p:ph type="title"/>
+          </p:nvPr>
+        </p:nvSpPr>
+        <p:spPr/>
+        <p:txBody>
+          <a:bodyPr>
+            <a:normAutofit/>
+          </a:bodyPr>
+          <a:lstStyle/>
+          <a:p>
+            <a:r>
+              <a:rPr lang="fr-FR" dirty="0"/>
+              <a:t>Bibliographie</a:t>
+            </a:r>
+          </a:p>
+        </p:txBody>
+      </p:sp>
+      <p:sp>
+        <p:nvSpPr>
+          <p:cNvPr id="3" name="Espace réservé du contenu 2">
+            <a:extLst>
+              <a:ext uri="{FF2B5EF4-FFF2-40B4-BE49-F238E27FC236}">
+                <a16:creationId xmlns:a16="http://schemas.microsoft.com/office/drawing/2014/main" id="{E0BBB9DE-019C-C741-F224-494739D4B752}"/>
+              </a:ext>
+            </a:extLst>
+          </p:cNvPr>
+          <p:cNvSpPr>
+            <a:spLocks noGrp="1"/>
+          </p:cNvSpPr>
+          <p:nvPr>
+            <p:ph sz="half" idx="1"/>
+          </p:nvPr>
+        </p:nvSpPr>
+        <p:spPr>
+          <a:xfrm>
+            <a:off x="1115567" y="2478024"/>
+            <a:ext cx="10574987" cy="3694176"/>
+          </a:xfrm>
+        </p:spPr>
+        <p:txBody>
+          <a:bodyPr>
+            <a:normAutofit/>
+          </a:bodyPr>
+          <a:lstStyle/>
+          <a:p>
+            <a:r>
+              <a:rPr lang="fr-FR" sz="2000" b="1" i="1" dirty="0"/>
+              <a:t>Python pour le calcul symbolique</a:t>
+            </a:r>
+            <a:r>
+              <a:rPr lang="fr-FR" sz="2000" i="1" dirty="0"/>
+              <a:t>– </a:t>
+            </a:r>
+            <a:r>
+              <a:rPr lang="fr-FR" sz="2000" i="1" dirty="0" err="1"/>
+              <a:t>WikiBooks</a:t>
+            </a:r>
+            <a:r>
+              <a:rPr lang="fr-FR" sz="2000" dirty="0"/>
+              <a:t/>
+            </a:r>
+            <a:br>
+              <a:rPr lang="fr-FR" sz="2000" dirty="0"/>
+            </a:br>
+            <a:r>
+              <a:rPr lang="fr-FR" sz="2000" dirty="0">
+                <a:hlinkClick r:id="rId2"/>
+              </a:rPr>
+              <a:t>https://fr.wikibooks.org/wiki/Python_pour_le_calcul_scientifique/Calcul_symbolique</a:t>
+            </a:r>
+            <a:r>
+              <a:rPr lang="fr-FR" sz="2000" dirty="0"/>
+              <a:t> </a:t>
+            </a:r>
+          </a:p>
+          <a:p>
+            <a:pPr marL="0" indent="0">
+              <a:buNone/>
+            </a:pPr>
+            <a:endParaRPr lang="fr-FR" sz="2000" dirty="0"/>
+          </a:p>
+          <a:p>
+            <a:r>
+              <a:rPr lang="en-US" sz="2000" b="1" i="1" dirty="0"/>
+              <a:t>Ordinary Differential Equations - </a:t>
+            </a:r>
+            <a:r>
+              <a:rPr lang="en-US" sz="2000" b="1" i="1" dirty="0" err="1"/>
+              <a:t>SymPy</a:t>
+            </a:r>
+            <a:r>
+              <a:rPr lang="en-US" sz="2000" b="1" i="1" dirty="0"/>
+              <a:t> Tutorial 10 </a:t>
+            </a:r>
+            <a:r>
+              <a:rPr lang="fr-FR" sz="2000" i="1" dirty="0"/>
+              <a:t>– TM </a:t>
+            </a:r>
+            <a:r>
+              <a:rPr lang="fr-FR" sz="2000" i="1" dirty="0" err="1"/>
+              <a:t>Quest</a:t>
+            </a:r>
+            <a:r>
+              <a:rPr lang="fr-FR" sz="2000" i="1" dirty="0"/>
+              <a:t> </a:t>
+            </a:r>
+            <a:r>
+              <a:rPr lang="fr-FR" sz="2000" dirty="0">
+                <a:hlinkClick r:id="rId3"/>
+              </a:rPr>
+              <a:t>https://www.youtube.com/watch?v=Z2havWsxa-E</a:t>
+            </a:r>
+            <a:r>
+              <a:rPr lang="fr-FR" sz="2000" dirty="0"/>
+              <a:t> </a:t>
+            </a:r>
+          </a:p>
+          <a:p>
+            <a:endParaRPr lang="fr-FR" sz="2000" dirty="0"/>
+          </a:p>
+          <a:p>
+            <a:r>
+              <a:rPr lang="fr-FR" sz="2000" b="1" i="1" dirty="0"/>
+              <a:t>Le calcul symbolique et ses principales applications </a:t>
+            </a:r>
+            <a:r>
+              <a:rPr lang="fr-FR" sz="2000" i="1" dirty="0"/>
+              <a:t>– Paul LEVY</a:t>
+            </a:r>
+            <a:r>
+              <a:rPr lang="fr-FR" sz="2000" dirty="0"/>
+              <a:t/>
+            </a:r>
+            <a:br>
+              <a:rPr lang="fr-FR" sz="2000" dirty="0"/>
+            </a:br>
+            <a:r>
+              <a:rPr lang="fr-FR" sz="2000" dirty="0">
+                <a:hlinkClick r:id="rId4"/>
+              </a:rPr>
+              <a:t>http://www.numdam.org/article/AUG_1945__21__41_0</a:t>
+            </a:r>
+            <a:r>
+              <a:rPr lang="fr-FR" sz="2000">
+                <a:hlinkClick r:id="rId4"/>
+              </a:rPr>
+              <a:t>.pdf</a:t>
+            </a:r>
+            <a:r>
+              <a:rPr lang="fr-FR" sz="2000"/>
+              <a:t> </a:t>
+            </a:r>
+            <a:endParaRPr lang="fr-FR" sz="2000" dirty="0"/>
+          </a:p>
+        </p:txBody>
+      </p:sp>
+      <p:sp>
+        <p:nvSpPr>
+          <p:cNvPr id="4" name="Espace réservé du numéro de diapositive 3">
+            <a:extLst>
+              <a:ext uri="{FF2B5EF4-FFF2-40B4-BE49-F238E27FC236}">
+                <a16:creationId xmlns:a16="http://schemas.microsoft.com/office/drawing/2014/main" id="{F08CDEFC-50F0-4C47-46AC-D28A2807E4F8}"/>
+              </a:ext>
+            </a:extLst>
+          </p:cNvPr>
+          <p:cNvSpPr>
+            <a:spLocks noGrp="1"/>
+          </p:cNvSpPr>
+          <p:nvPr>
+            <p:ph type="sldNum" sz="quarter" idx="12"/>
+          </p:nvPr>
+        </p:nvSpPr>
+        <p:spPr/>
+        <p:txBody>
+          <a:bodyPr/>
+          <a:lstStyle/>
+          <a:p>
+            <a:fld id="{B2DC25EE-239B-4C5F-AAD1-255A7D5F1EE2}" type="slidenum">
+              <a:rPr lang="en-US" smtClean="0"/>
+              <a:t>20</a:t>
+            </a:fld>
+            <a:endParaRPr lang="en-US" dirty="0"/>
+          </a:p>
+        </p:txBody>
+      </p:sp>
+      <p:pic>
+        <p:nvPicPr>
+          <p:cNvPr id="5" name="Image 4" descr="Une image contenant texte&#10;&#10;Description générée automatiquement">
+            <a:extLst>
+              <a:ext uri="{FF2B5EF4-FFF2-40B4-BE49-F238E27FC236}">
+                <a16:creationId xmlns:a16="http://schemas.microsoft.com/office/drawing/2014/main" id="{66D2630B-81F4-A4EB-21BA-8B90CF30BD92}"/>
+              </a:ext>
+            </a:extLst>
+          </p:cNvPr>
+          <p:cNvPicPr>
+            <a:picLocks noChangeAspect="1"/>
+          </p:cNvPicPr>
+          <p:nvPr/>
+        </p:nvPicPr>
+        <p:blipFill>
+          <a:blip r:embed="rId5">
+            <a:extLst>
+              <a:ext uri="{28A0092B-C50C-407E-A947-70E740481C1C}">
+                <a14:useLocalDpi xmlns:a14="http://schemas.microsoft.com/office/drawing/2010/main" val="0"/>
+              </a:ext>
+            </a:extLst>
+          </a:blip>
+          <a:stretch>
+            <a:fillRect/>
+          </a:stretch>
+        </p:blipFill>
+        <p:spPr>
+          <a:xfrm>
+            <a:off x="202922" y="5934456"/>
+            <a:ext cx="1825291" cy="749808"/>
+          </a:xfrm>
+          <a:prstGeom prst="rect">
+            <a:avLst/>
+          </a:prstGeom>
+        </p:spPr>
+      </p:pic>
+      <p:sp>
+        <p:nvSpPr>
+          <p:cNvPr id="8" name="ZoneTexte 7">
+            <a:extLst>
+              <a:ext uri="{FF2B5EF4-FFF2-40B4-BE49-F238E27FC236}">
+                <a16:creationId xmlns:a16="http://schemas.microsoft.com/office/drawing/2014/main" id="{0C76D9A3-0317-D2DA-4063-0C82F10FBF82}"/>
+              </a:ext>
+            </a:extLst>
+          </p:cNvPr>
+          <p:cNvSpPr txBox="1"/>
+          <p:nvPr/>
+        </p:nvSpPr>
+        <p:spPr>
+          <a:xfrm>
+            <a:off x="7816516" y="216818"/>
+            <a:ext cx="3687548" cy="307777"/>
+          </a:xfrm>
+          <a:prstGeom prst="rect">
+            <a:avLst/>
+          </a:prstGeom>
+          <a:noFill/>
+        </p:spPr>
+        <p:txBody>
+          <a:bodyPr wrap="none" rtlCol="0">
+            <a:spAutoFit/>
+          </a:bodyPr>
+          <a:lstStyle/>
+          <a:p>
+            <a:r>
+              <a:rPr lang="fr-FR" sz="1400" dirty="0"/>
+              <a:t>Document rédigé par Julien VILLEMEJANE</a:t>
+            </a:r>
+          </a:p>
+        </p:txBody>
+      </p:sp>
+      <p:sp>
+        <p:nvSpPr>
+          <p:cNvPr id="9" name="ZoneTexte 8">
+            <a:extLst>
+              <a:ext uri="{FF2B5EF4-FFF2-40B4-BE49-F238E27FC236}">
+                <a16:creationId xmlns:a16="http://schemas.microsoft.com/office/drawing/2014/main" id="{D8EB7AA9-0549-7EC6-53DC-E54B71929AAA}"/>
+              </a:ext>
+            </a:extLst>
+          </p:cNvPr>
+          <p:cNvSpPr txBox="1"/>
+          <p:nvPr/>
+        </p:nvSpPr>
+        <p:spPr>
+          <a:xfrm>
+            <a:off x="8540496" y="495065"/>
+            <a:ext cx="2963568" cy="307777"/>
+          </a:xfrm>
+          <a:prstGeom prst="rect">
+            <a:avLst/>
+          </a:prstGeom>
+          <a:noFill/>
+        </p:spPr>
+        <p:txBody>
+          <a:bodyPr wrap="none" rtlCol="0">
+            <a:spAutoFit/>
+          </a:bodyPr>
+          <a:lstStyle/>
+          <a:p>
+            <a:r>
+              <a:rPr lang="fr-FR" sz="1400" dirty="0" err="1"/>
+              <a:t>LEnsE</a:t>
+            </a:r>
+            <a:r>
+              <a:rPr lang="fr-FR" sz="1400" dirty="0"/>
+              <a:t> / Institut d’Optique / France</a:t>
+            </a:r>
+          </a:p>
+        </p:txBody>
+      </p:sp>
+      <p:sp>
+        <p:nvSpPr>
+          <p:cNvPr id="10" name="ZoneTexte 9">
+            <a:extLst>
+              <a:ext uri="{FF2B5EF4-FFF2-40B4-BE49-F238E27FC236}">
+                <a16:creationId xmlns:a16="http://schemas.microsoft.com/office/drawing/2014/main" id="{DD63F07E-350C-98D6-74C9-5AF9CE8BF7A5}"/>
+              </a:ext>
+            </a:extLst>
+          </p:cNvPr>
+          <p:cNvSpPr txBox="1"/>
+          <p:nvPr/>
+        </p:nvSpPr>
+        <p:spPr>
+          <a:xfrm>
+            <a:off x="8904250" y="993522"/>
+            <a:ext cx="2599814" cy="307777"/>
+          </a:xfrm>
+          <a:prstGeom prst="rect">
+            <a:avLst/>
+          </a:prstGeom>
+          <a:noFill/>
+        </p:spPr>
+        <p:txBody>
+          <a:bodyPr wrap="none" rtlCol="0">
+            <a:spAutoFit/>
+          </a:bodyPr>
+          <a:lstStyle/>
+          <a:p>
+            <a:r>
+              <a:rPr lang="fr-FR" sz="1400" dirty="0">
+                <a:hlinkClick r:id="rId6"/>
+              </a:rPr>
+              <a:t>http://lense.institutoptique.fr/</a:t>
+            </a:r>
+            <a:endParaRPr lang="fr-FR" sz="1400" dirty="0"/>
+          </a:p>
+        </p:txBody>
+      </p:sp>
+      <p:cxnSp>
+        <p:nvCxnSpPr>
+          <p:cNvPr id="11" name="Connecteur droit 10">
+            <a:extLst>
+              <a:ext uri="{FF2B5EF4-FFF2-40B4-BE49-F238E27FC236}">
+                <a16:creationId xmlns:a16="http://schemas.microsoft.com/office/drawing/2014/main" id="{F4265E24-A10F-EE45-5E0C-6A87B4BC3196}"/>
+              </a:ext>
+            </a:extLst>
+          </p:cNvPr>
+          <p:cNvCxnSpPr/>
+          <p:nvPr/>
+        </p:nvCxnSpPr>
+        <p:spPr>
+          <a:xfrm>
+            <a:off x="6820524" y="126185"/>
+            <a:ext cx="0" cy="1850749"/>
+          </a:xfrm>
+          <a:prstGeom prst="line">
+            <a:avLst/>
+          </a:prstGeom>
+          <a:ln w="25400">
+            <a:solidFill>
+              <a:srgbClr val="C4CBB2"/>
+            </a:solidFill>
+            <a:prstDash val="dashDot"/>
+          </a:ln>
+        </p:spPr>
+        <p:style>
+          <a:lnRef idx="1">
+            <a:schemeClr val="accent1"/>
+          </a:lnRef>
+          <a:fillRef idx="0">
+            <a:schemeClr val="accent1"/>
+          </a:fillRef>
+          <a:effectRef idx="0">
+            <a:schemeClr val="accent1"/>
+          </a:effectRef>
+          <a:fontRef idx="minor">
+            <a:schemeClr val="tx1"/>
+          </a:fontRef>
+        </p:style>
+      </p:cxnSp>
+      <p:sp>
+        <p:nvSpPr>
+          <p:cNvPr id="13" name="ZoneTexte 12">
+            <a:extLst>
+              <a:ext uri="{FF2B5EF4-FFF2-40B4-BE49-F238E27FC236}">
+                <a16:creationId xmlns:a16="http://schemas.microsoft.com/office/drawing/2014/main" id="{839A3042-2313-5F87-02C8-628C3197E1D5}"/>
+              </a:ext>
+            </a:extLst>
+          </p:cNvPr>
+          <p:cNvSpPr txBox="1"/>
+          <p:nvPr/>
+        </p:nvSpPr>
+        <p:spPr>
+          <a:xfrm>
+            <a:off x="9660290" y="1633897"/>
+            <a:ext cx="1854290" cy="307777"/>
+          </a:xfrm>
+          <a:prstGeom prst="rect">
+            <a:avLst/>
+          </a:prstGeom>
+          <a:noFill/>
+        </p:spPr>
+        <p:txBody>
+          <a:bodyPr wrap="none" rtlCol="0">
+            <a:spAutoFit/>
+          </a:bodyPr>
+          <a:lstStyle/>
+          <a:p>
+            <a:r>
+              <a:rPr lang="fr-FR" sz="1400" dirty="0"/>
+              <a:t>Création : Avril 2023</a:t>
+            </a:r>
+          </a:p>
+        </p:txBody>
+      </p:sp>
+    </p:spTree>
+    <p:extLst>
+      <p:ext uri="{BB962C8B-B14F-4D97-AF65-F5344CB8AC3E}">
+        <p14:creationId xmlns:p14="http://schemas.microsoft.com/office/powerpoint/2010/main" val="699773079"/>
+      </p:ext>
+    </p:extLst>
+  </p:cSld>
+  <p:clrMapOvr>
+    <a:masterClrMapping/>
+  </p:clrMapOvr>
+</p:sld>
+</file>
+
 <file path=ppt/slides/slide3.xml><?xml version="1.0" encoding="utf-8"?>
 <p:sld xmlns:a="http://schemas.openxmlformats.org/drawingml/2006/main" xmlns:r="http://schemas.openxmlformats.org/officeDocument/2006/relationships" xmlns:p="http://schemas.openxmlformats.org/presentationml/2006/main">
   <p:cSld>
@@ -16204,13 +17002,13 @@
           <p:nvPr/>
         </p:nvPicPr>
         <p:blipFill>
-          <a:blip r:embed="rId3">
+          <a:blip r:embed="rId3" cstate="hqprint">
             <a:extLst>
               <a:ext uri="{28A0092B-C50C-407E-A947-70E740481C1C}">
                 <a14:useLocalDpi xmlns:a14="http://schemas.microsoft.com/office/drawing/2010/main" val="0"/>
               </a:ext>
               <a:ext uri="{96DAC541-7B7A-43D3-8B79-37D633B846F1}">
-                <asvg:svgBlip xmlns:asvg="http://schemas.microsoft.com/office/drawing/2016/SVG/main" r:embed="rId4"/>
+                <asvg:svgBlip xmlns:asvg="http://schemas.microsoft.com/office/drawing/2016/SVG/main" xmlns="" r:embed="rId4"/>
               </a:ext>
             </a:extLst>
           </a:blip>

--- a/outils_numeriques/b1_methodes_numeriques/seance2_equation_diff/B1_s2_1_Approche_Symbolique.pptx
+++ b/outils_numeriques/b1_methodes_numeriques/seance2_equation_diff/B1_s2_1_Approche_Symbolique.pptx
@@ -5548,7 +5548,7 @@
                 <a16:creationId xmlns:a16="http://schemas.microsoft.com/office/drawing/2014/main" id="{526E0BFB-CDF1-4990-8C11-AC849311E0A8}"/>
               </a:ext>
               <a:ext uri="{C183D7F6-B498-43B3-948B-1728B52AA6E4}">
-                <adec:decorative xmlns:adec="http://schemas.microsoft.com/office/drawing/2017/decorative" xmlns="" val="1"/>
+                <adec:decorative xmlns="" xmlns:adec="http://schemas.microsoft.com/office/drawing/2017/decorative" val="1"/>
               </a:ext>
             </a:extLst>
           </p:cNvPr>
@@ -5637,7 +5637,7 @@
                 <a16:creationId xmlns:a16="http://schemas.microsoft.com/office/drawing/2014/main" id="{6069A1F8-9BEB-4786-9694-FC48B2D75D21}"/>
               </a:ext>
               <a:ext uri="{C183D7F6-B498-43B3-948B-1728B52AA6E4}">
-                <adec:decorative xmlns:adec="http://schemas.microsoft.com/office/drawing/2017/decorative" xmlns="" val="1"/>
+                <adec:decorative xmlns="" xmlns:adec="http://schemas.microsoft.com/office/drawing/2017/decorative" val="1"/>
               </a:ext>
             </a:extLst>
           </p:cNvPr>
@@ -5810,7 +5810,7 @@
                 <a16:creationId xmlns:a16="http://schemas.microsoft.com/office/drawing/2014/main" id="{AF2F604E-43BE-4DC3-B983-E071523364F8}"/>
               </a:ext>
               <a:ext uri="{C183D7F6-B498-43B3-948B-1728B52AA6E4}">
-                <adec:decorative xmlns:adec="http://schemas.microsoft.com/office/drawing/2017/decorative" xmlns="" val="1"/>
+                <adec:decorative xmlns="" xmlns:adec="http://schemas.microsoft.com/office/drawing/2017/decorative" val="1"/>
               </a:ext>
             </a:extLst>
           </p:cNvPr>
@@ -5902,7 +5902,7 @@
                 <a16:creationId xmlns:a16="http://schemas.microsoft.com/office/drawing/2014/main" id="{08C9B587-E65E-4B52-B37C-ABEBB6E87928}"/>
               </a:ext>
               <a:ext uri="{C183D7F6-B498-43B3-948B-1728B52AA6E4}">
-                <adec:decorative xmlns:adec="http://schemas.microsoft.com/office/drawing/2017/decorative" xmlns="" val="1"/>
+                <adec:decorative xmlns="" xmlns:adec="http://schemas.microsoft.com/office/drawing/2017/decorative" val="1"/>
               </a:ext>
             </a:extLst>
           </p:cNvPr>
@@ -11981,12 +11981,24 @@
               <a:t>, fonction, </a:t>
             </a:r>
             <a:r>
-              <a:rPr lang="fr-FR" sz="2400" dirty="0" err="1"/>
+              <a:rPr lang="fr-FR" sz="2400" dirty="0" err="1" smtClean="0"/>
+              <a:t>ics</a:t>
+            </a:r>
+            <a:r>
+              <a:rPr lang="fr-FR" sz="2400"/>
+              <a:t>=</a:t>
+            </a:r>
+            <a:r>
+              <a:rPr lang="fr-FR" sz="2400" smtClean="0"/>
               <a:t>cond_init</a:t>
             </a:r>
             <a:r>
+              <a:rPr lang="fr-FR" sz="2400" dirty="0" smtClean="0"/>
+              <a:t> </a:t>
+            </a:r>
+            <a:r>
               <a:rPr lang="fr-FR" sz="2400" dirty="0"/>
-              <a:t> )</a:t>
+              <a:t>)</a:t>
             </a:r>
           </a:p>
         </p:txBody>
@@ -12104,7 +12116,7 @@
                 <a14:useLocalDpi xmlns:a14="http://schemas.microsoft.com/office/drawing/2010/main" val="0"/>
               </a:ext>
               <a:ext uri="{96DAC541-7B7A-43D3-8B79-37D633B846F1}">
-                <asvg:svgBlip xmlns:asvg="http://schemas.microsoft.com/office/drawing/2016/SVG/main" xmlns="" r:embed="rId7"/>
+                <asvg:svgBlip xmlns="" xmlns:asvg="http://schemas.microsoft.com/office/drawing/2016/SVG/main" r:embed="rId7"/>
               </a:ext>
             </a:extLst>
           </a:blip>
@@ -14147,7 +14159,7 @@
                 <a14:useLocalDpi xmlns:a14="http://schemas.microsoft.com/office/drawing/2010/main" val="0"/>
               </a:ext>
               <a:ext uri="{96DAC541-7B7A-43D3-8B79-37D633B846F1}">
-                <asvg:svgBlip xmlns:asvg="http://schemas.microsoft.com/office/drawing/2016/SVG/main" xmlns="" r:embed="rId5"/>
+                <asvg:svgBlip xmlns="" xmlns:asvg="http://schemas.microsoft.com/office/drawing/2016/SVG/main" r:embed="rId5"/>
               </a:ext>
             </a:extLst>
           </a:blip>
@@ -15567,7 +15579,7 @@
                 <a14:useLocalDpi xmlns:a14="http://schemas.microsoft.com/office/drawing/2010/main" val="0"/>
               </a:ext>
               <a:ext uri="{96DAC541-7B7A-43D3-8B79-37D633B846F1}">
-                <asvg:svgBlip xmlns:asvg="http://schemas.microsoft.com/office/drawing/2016/SVG/main" xmlns="" r:embed="rId8"/>
+                <asvg:svgBlip xmlns="" xmlns:asvg="http://schemas.microsoft.com/office/drawing/2016/SVG/main" r:embed="rId8"/>
               </a:ext>
             </a:extLst>
           </a:blip>
@@ -17008,7 +17020,7 @@
                 <a14:useLocalDpi xmlns:a14="http://schemas.microsoft.com/office/drawing/2010/main" val="0"/>
               </a:ext>
               <a:ext uri="{96DAC541-7B7A-43D3-8B79-37D633B846F1}">
-                <asvg:svgBlip xmlns:asvg="http://schemas.microsoft.com/office/drawing/2016/SVG/main" xmlns="" r:embed="rId4"/>
+                <asvg:svgBlip xmlns="" xmlns:asvg="http://schemas.microsoft.com/office/drawing/2016/SVG/main" r:embed="rId4"/>
               </a:ext>
             </a:extLst>
           </a:blip>

--- a/outils_numeriques/b1_methodes_numeriques/seance2_equation_diff/B1_s2_1_Approche_Symbolique.pptx
+++ b/outils_numeriques/b1_methodes_numeriques/seance2_equation_diff/B1_s2_1_Approche_Symbolique.pptx
@@ -5,7 +5,7 @@
     <p:sldMasterId id="2147483711" r:id="rId1"/>
   </p:sldMasterIdLst>
   <p:notesMasterIdLst>
-    <p:notesMasterId r:id="rId22"/>
+    <p:notesMasterId r:id="rId24"/>
   </p:notesMasterIdLst>
   <p:sldIdLst>
     <p:sldId id="261" r:id="rId2"/>
@@ -20,14 +20,16 @@
     <p:sldId id="269" r:id="rId11"/>
     <p:sldId id="270" r:id="rId12"/>
     <p:sldId id="271" r:id="rId13"/>
-    <p:sldId id="272" r:id="rId14"/>
-    <p:sldId id="273" r:id="rId15"/>
+    <p:sldId id="294" r:id="rId14"/>
+    <p:sldId id="295" r:id="rId15"/>
     <p:sldId id="292" r:id="rId16"/>
-    <p:sldId id="274" r:id="rId17"/>
-    <p:sldId id="291" r:id="rId18"/>
-    <p:sldId id="277" r:id="rId19"/>
-    <p:sldId id="275" r:id="rId20"/>
-    <p:sldId id="287" r:id="rId21"/>
+    <p:sldId id="272" r:id="rId17"/>
+    <p:sldId id="273" r:id="rId18"/>
+    <p:sldId id="274" r:id="rId19"/>
+    <p:sldId id="291" r:id="rId20"/>
+    <p:sldId id="277" r:id="rId21"/>
+    <p:sldId id="275" r:id="rId22"/>
+    <p:sldId id="287" r:id="rId23"/>
   </p:sldIdLst>
   <p:sldSz cx="12192000" cy="6858000"/>
   <p:notesSz cx="6858000" cy="9144000"/>
@@ -216,7 +218,7 @@
           <a:p>
             <a:fld id="{95F60532-AC81-4152-B45E-E054A978F780}" type="datetimeFigureOut">
               <a:rPr lang="fr-FR" smtClean="0"/>
-              <a:t>12/05/2023</a:t>
+              <a:t>13/05/2023</a:t>
             </a:fld>
             <a:endParaRPr lang="fr-FR"/>
           </a:p>
@@ -548,7 +550,7 @@
           <a:p>
             <a:fld id="{ED1A4448-0F40-450F-9A3E-C9B9A6927FAC}" type="slidenum">
               <a:rPr lang="fr-FR" smtClean="0"/>
-              <a:t>19</a:t>
+              <a:t>21</a:t>
             </a:fld>
             <a:endParaRPr lang="fr-FR"/>
           </a:p>
@@ -723,7 +725,7 @@
           <a:p>
             <a:fld id="{785B9D93-2D6F-4658-911E-89FF557AACEE}" type="datetime1">
               <a:rPr lang="en-US" smtClean="0"/>
-              <a:t>5/12/2023</a:t>
+              <a:t>5/13/2023</a:t>
             </a:fld>
             <a:endParaRPr lang="en-US" dirty="0"/>
           </a:p>
@@ -1093,7 +1095,7 @@
           <a:p>
             <a:fld id="{4709A133-4251-46D0-8E1C-3DC2CCEEC594}" type="datetime1">
               <a:rPr lang="en-US" smtClean="0"/>
-              <a:t>5/12/2023</a:t>
+              <a:t>5/13/2023</a:t>
             </a:fld>
             <a:endParaRPr lang="en-US"/>
           </a:p>
@@ -1302,7 +1304,7 @@
           <a:p>
             <a:fld id="{757C9D7A-C246-41BC-AB36-CBBE03C4FC3D}" type="datetime1">
               <a:rPr lang="en-US" smtClean="0"/>
-              <a:t>5/12/2023</a:t>
+              <a:t>5/13/2023</a:t>
             </a:fld>
             <a:endParaRPr lang="en-US"/>
           </a:p>
@@ -1772,7 +1774,7 @@
           <a:p>
             <a:fld id="{DD23859D-5799-4C59-B29C-0D397C1B3B07}" type="datetime1">
               <a:rPr lang="en-US" smtClean="0"/>
-              <a:t>5/12/2023</a:t>
+              <a:t>5/13/2023</a:t>
             </a:fld>
             <a:endParaRPr lang="en-US"/>
           </a:p>
@@ -2226,7 +2228,7 @@
           <a:p>
             <a:fld id="{B36A9650-6794-4EE4-9500-0C43A7CB6B4A}" type="datetime1">
               <a:rPr lang="en-US" smtClean="0"/>
-              <a:t>5/12/2023</a:t>
+              <a:t>5/13/2023</a:t>
             </a:fld>
             <a:endParaRPr lang="en-US"/>
           </a:p>
@@ -2758,7 +2760,7 @@
           <a:p>
             <a:fld id="{1792256C-3121-4D72-8DFF-855B713C834E}" type="datetime1">
               <a:rPr lang="en-US" smtClean="0"/>
-              <a:t>5/12/2023</a:t>
+              <a:t>5/13/2023</a:t>
             </a:fld>
             <a:endParaRPr lang="en-US"/>
           </a:p>
@@ -3457,7 +3459,7 @@
           <a:p>
             <a:fld id="{580DF3A2-C727-46A5-9AC9-16B2E63C7D3A}" type="datetime1">
               <a:rPr lang="en-US" smtClean="0"/>
-              <a:t>5/12/2023</a:t>
+              <a:t>5/13/2023</a:t>
             </a:fld>
             <a:endParaRPr lang="en-US"/>
           </a:p>
@@ -3786,7 +3788,7 @@
           <a:p>
             <a:fld id="{9D23748C-796D-4F23-89AF-A2738DF446EE}" type="datetime1">
               <a:rPr lang="en-US" smtClean="0"/>
-              <a:t>5/12/2023</a:t>
+              <a:t>5/13/2023</a:t>
             </a:fld>
             <a:endParaRPr lang="en-US"/>
           </a:p>
@@ -3899,7 +3901,7 @@
           <a:p>
             <a:fld id="{B3AFB1A7-BA76-4344-B812-B8E53F62AA62}" type="datetime1">
               <a:rPr lang="en-US" smtClean="0"/>
-              <a:t>5/12/2023</a:t>
+              <a:t>5/13/2023</a:t>
             </a:fld>
             <a:endParaRPr lang="en-US"/>
           </a:p>
@@ -4394,7 +4396,7 @@
           <a:p>
             <a:fld id="{D2DB139E-AA5F-415E-A7EE-D6EE1B304D34}" type="datetime1">
               <a:rPr lang="en-US" smtClean="0"/>
-              <a:t>5/12/2023</a:t>
+              <a:t>5/13/2023</a:t>
             </a:fld>
             <a:endParaRPr lang="en-US" dirty="0"/>
           </a:p>
@@ -4871,7 +4873,7 @@
           <a:p>
             <a:fld id="{B0611B75-8EAE-4E82-AD4E-BC980BBD0DF6}" type="datetime1">
               <a:rPr lang="en-US" smtClean="0"/>
-              <a:t>5/12/2023</a:t>
+              <a:t>5/13/2023</a:t>
             </a:fld>
             <a:endParaRPr lang="en-US"/>
           </a:p>
@@ -5114,7 +5116,7 @@
           <a:p>
             <a:fld id="{5A39691B-EC2E-4EEE-9557-97A59C128178}" type="datetime1">
               <a:rPr lang="en-US" smtClean="0"/>
-              <a:t>5/12/2023</a:t>
+              <a:t>5/13/2023</a:t>
             </a:fld>
             <a:endParaRPr lang="en-US"/>
           </a:p>
@@ -5548,7 +5550,7 @@
                 <a16:creationId xmlns:a16="http://schemas.microsoft.com/office/drawing/2014/main" id="{526E0BFB-CDF1-4990-8C11-AC849311E0A8}"/>
               </a:ext>
               <a:ext uri="{C183D7F6-B498-43B3-948B-1728B52AA6E4}">
-                <adec:decorative xmlns="" xmlns:adec="http://schemas.microsoft.com/office/drawing/2017/decorative" val="1"/>
+                <adec:decorative xmlns:adec="http://schemas.microsoft.com/office/drawing/2017/decorative" val="1"/>
               </a:ext>
             </a:extLst>
           </p:cNvPr>
@@ -5637,7 +5639,7 @@
                 <a16:creationId xmlns:a16="http://schemas.microsoft.com/office/drawing/2014/main" id="{6069A1F8-9BEB-4786-9694-FC48B2D75D21}"/>
               </a:ext>
               <a:ext uri="{C183D7F6-B498-43B3-948B-1728B52AA6E4}">
-                <adec:decorative xmlns="" xmlns:adec="http://schemas.microsoft.com/office/drawing/2017/decorative" val="1"/>
+                <adec:decorative xmlns:adec="http://schemas.microsoft.com/office/drawing/2017/decorative" val="1"/>
               </a:ext>
             </a:extLst>
           </p:cNvPr>
@@ -5745,10 +5747,6 @@
             <a:br>
               <a:rPr lang="fr-FR" sz="4800" dirty="0"/>
             </a:br>
-            <a:r>
-              <a:rPr lang="fr-FR" sz="4800" dirty="0"/>
-              <a:t/>
-            </a:r>
             <a:br>
               <a:rPr lang="fr-FR" sz="4800" dirty="0"/>
             </a:br>
@@ -5810,7 +5808,7 @@
                 <a16:creationId xmlns:a16="http://schemas.microsoft.com/office/drawing/2014/main" id="{AF2F604E-43BE-4DC3-B983-E071523364F8}"/>
               </a:ext>
               <a:ext uri="{C183D7F6-B498-43B3-948B-1728B52AA6E4}">
-                <adec:decorative xmlns="" xmlns:adec="http://schemas.microsoft.com/office/drawing/2017/decorative" val="1"/>
+                <adec:decorative xmlns:adec="http://schemas.microsoft.com/office/drawing/2017/decorative" val="1"/>
               </a:ext>
             </a:extLst>
           </p:cNvPr>
@@ -5902,7 +5900,7 @@
                 <a16:creationId xmlns:a16="http://schemas.microsoft.com/office/drawing/2014/main" id="{08C9B587-E65E-4B52-B37C-ABEBB6E87928}"/>
               </a:ext>
               <a:ext uri="{C183D7F6-B498-43B3-948B-1728B52AA6E4}">
-                <adec:decorative xmlns="" xmlns:adec="http://schemas.microsoft.com/office/drawing/2017/decorative" val="1"/>
+                <adec:decorative xmlns:adec="http://schemas.microsoft.com/office/drawing/2017/decorative" val="1"/>
               </a:ext>
             </a:extLst>
           </p:cNvPr>
@@ -6842,10 +6840,10 @@
       </p:sp>
       <p:pic>
         <p:nvPicPr>
-          <p:cNvPr id="6" name="Picture 3">
-            <a:extLst>
-              <a:ext uri="{FF2B5EF4-FFF2-40B4-BE49-F238E27FC236}">
-                <a16:creationId xmlns:a16="http://schemas.microsoft.com/office/drawing/2014/main" id="{2A9FD1CB-F0F4-5F7B-C96B-DCEB79596788}"/>
+          <p:cNvPr id="9" name="Picture 8" descr="Résultat de recherche d'images pour &quot;spyder logo&quot;">
+            <a:extLst>
+              <a:ext uri="{FF2B5EF4-FFF2-40B4-BE49-F238E27FC236}">
+                <a16:creationId xmlns:a16="http://schemas.microsoft.com/office/drawing/2014/main" id="{FFA1B716-DE4B-352B-0B9E-C20A02CC520D}"/>
               </a:ext>
             </a:extLst>
           </p:cNvPr>
@@ -6869,8 +6867,8 @@
         </p:blipFill>
         <p:spPr bwMode="auto">
           <a:xfrm>
-            <a:off x="11422935" y="1728216"/>
-            <a:ext cx="449659" cy="523240"/>
+            <a:off x="10162526" y="1757291"/>
+            <a:ext cx="947620" cy="473810"/>
           </a:xfrm>
           <a:prstGeom prst="rect">
             <a:avLst/>
@@ -6889,10 +6887,10 @@
       </p:pic>
       <p:pic>
         <p:nvPicPr>
-          <p:cNvPr id="9" name="Picture 8" descr="Résultat de recherche d'images pour &quot;spyder logo&quot;">
-            <a:extLst>
-              <a:ext uri="{FF2B5EF4-FFF2-40B4-BE49-F238E27FC236}">
-                <a16:creationId xmlns:a16="http://schemas.microsoft.com/office/drawing/2014/main" id="{FFA1B716-DE4B-352B-0B9E-C20A02CC520D}"/>
+          <p:cNvPr id="10" name="Picture 3">
+            <a:extLst>
+              <a:ext uri="{FF2B5EF4-FFF2-40B4-BE49-F238E27FC236}">
+                <a16:creationId xmlns:a16="http://schemas.microsoft.com/office/drawing/2014/main" id="{15176FDE-1E04-A502-86F5-DD9F3E918EE3}"/>
               </a:ext>
             </a:extLst>
           </p:cNvPr>
@@ -6916,8 +6914,8 @@
         </p:blipFill>
         <p:spPr bwMode="auto">
           <a:xfrm>
-            <a:off x="10162526" y="1757291"/>
-            <a:ext cx="947620" cy="473810"/>
+            <a:off x="11422935" y="1728216"/>
+            <a:ext cx="449659" cy="523240"/>
           </a:xfrm>
           <a:prstGeom prst="rect">
             <a:avLst/>
@@ -8019,10 +8017,10 @@
       </p:sp>
       <p:pic>
         <p:nvPicPr>
-          <p:cNvPr id="6" name="Picture 3">
-            <a:extLst>
-              <a:ext uri="{FF2B5EF4-FFF2-40B4-BE49-F238E27FC236}">
-                <a16:creationId xmlns:a16="http://schemas.microsoft.com/office/drawing/2014/main" id="{4DCD3163-477E-221E-C2CA-3391235D5003}"/>
+          <p:cNvPr id="9" name="Picture 8" descr="Résultat de recherche d'images pour &quot;spyder logo&quot;">
+            <a:extLst>
+              <a:ext uri="{FF2B5EF4-FFF2-40B4-BE49-F238E27FC236}">
+                <a16:creationId xmlns:a16="http://schemas.microsoft.com/office/drawing/2014/main" id="{E162C117-E223-322D-EAE4-F9E79A825CF8}"/>
               </a:ext>
             </a:extLst>
           </p:cNvPr>
@@ -8046,8 +8044,8 @@
         </p:blipFill>
         <p:spPr bwMode="auto">
           <a:xfrm>
-            <a:off x="11422935" y="1728216"/>
-            <a:ext cx="449659" cy="523240"/>
+            <a:off x="10162526" y="1757291"/>
+            <a:ext cx="947620" cy="473810"/>
           </a:xfrm>
           <a:prstGeom prst="rect">
             <a:avLst/>
@@ -8066,10 +8064,10 @@
       </p:pic>
       <p:pic>
         <p:nvPicPr>
-          <p:cNvPr id="9" name="Picture 8" descr="Résultat de recherche d'images pour &quot;spyder logo&quot;">
-            <a:extLst>
-              <a:ext uri="{FF2B5EF4-FFF2-40B4-BE49-F238E27FC236}">
-                <a16:creationId xmlns:a16="http://schemas.microsoft.com/office/drawing/2014/main" id="{E162C117-E223-322D-EAE4-F9E79A825CF8}"/>
+          <p:cNvPr id="10" name="Picture 3">
+            <a:extLst>
+              <a:ext uri="{FF2B5EF4-FFF2-40B4-BE49-F238E27FC236}">
+                <a16:creationId xmlns:a16="http://schemas.microsoft.com/office/drawing/2014/main" id="{3EC42E70-7040-D54C-E75E-AC0BA02A133D}"/>
               </a:ext>
             </a:extLst>
           </p:cNvPr>
@@ -8093,8 +8091,8 @@
         </p:blipFill>
         <p:spPr bwMode="auto">
           <a:xfrm>
-            <a:off x="10162526" y="1757291"/>
-            <a:ext cx="947620" cy="473810"/>
+            <a:off x="11422935" y="1728216"/>
+            <a:ext cx="449659" cy="523240"/>
           </a:xfrm>
           <a:prstGeom prst="rect">
             <a:avLst/>
@@ -8191,14 +8189,19 @@
             <p:ph sz="half" idx="1"/>
           </p:nvPr>
         </p:nvSpPr>
-        <p:spPr/>
+        <p:spPr>
+          <a:xfrm>
+            <a:off x="1115568" y="2478024"/>
+            <a:ext cx="10476664" cy="3694176"/>
+          </a:xfrm>
+        </p:spPr>
         <p:txBody>
           <a:bodyPr/>
           <a:lstStyle/>
           <a:p>
             <a:r>
               <a:rPr lang="fr-FR" dirty="0"/>
-              <a:t>Fonctions</a:t>
+              <a:t>Déclarer des fonctions (au sens mathématique)</a:t>
             </a:r>
           </a:p>
         </p:txBody>
@@ -8896,7 +8899,7 @@
           <a:p>
             <a:r>
               <a:rPr lang="fr-FR" dirty="0"/>
-              <a:t>Limites</a:t>
+              <a:t>Vectoriser une fonction</a:t>
             </a:r>
           </a:p>
         </p:txBody>
@@ -9028,7 +9031,7 @@
         <p:spPr>
           <a:xfrm>
             <a:off x="822960" y="3302376"/>
-            <a:ext cx="4765173" cy="923330"/>
+            <a:ext cx="4765173" cy="646331"/>
           </a:xfrm>
           <a:prstGeom prst="rect">
             <a:avLst/>
@@ -9059,12 +9062,8 @@
               <a:t> </a:t>
             </a:r>
             <a:r>
-              <a:rPr lang="fr-FR" i="1" dirty="0" err="1"/>
-              <a:t>sympy</a:t>
-            </a:r>
-            <a:r>
               <a:rPr lang="fr-FR" dirty="0" err="1"/>
-              <a:t>.</a:t>
+              <a:t>sympy.</a:t>
             </a:r>
             <a:r>
               <a:rPr lang="fr-FR" b="1" dirty="0" err="1"/>
@@ -9072,7 +9071,7 @@
             </a:r>
             <a:r>
               <a:rPr lang="fr-FR" dirty="0"/>
-              <a:t>('g’)(x)</a:t>
+              <a:t>('g')</a:t>
             </a:r>
           </a:p>
           <a:p>
@@ -9089,12 +9088,8 @@
               <a:t> </a:t>
             </a:r>
             <a:r>
-              <a:rPr lang="fr-FR" i="1" dirty="0" err="1"/>
-              <a:t>sympy</a:t>
-            </a:r>
-            <a:r>
               <a:rPr lang="fr-FR" dirty="0" err="1"/>
-              <a:t>.</a:t>
+              <a:t>sympy.</a:t>
             </a:r>
             <a:r>
               <a:rPr lang="fr-FR" b="1" dirty="0" err="1"/>
@@ -9105,12 +9100,8 @@
               <a:t>(x/2 + </a:t>
             </a:r>
             <a:r>
-              <a:rPr lang="fr-FR" i="1" dirty="0" err="1"/>
-              <a:t>sympy</a:t>
-            </a:r>
-            <a:r>
               <a:rPr lang="fr-FR" dirty="0" err="1"/>
-              <a:t>.</a:t>
+              <a:t>sympy.</a:t>
             </a:r>
             <a:r>
               <a:rPr lang="fr-FR" b="1" dirty="0" err="1"/>
@@ -9119,12 +9110,6 @@
             <a:r>
               <a:rPr lang="fr-FR" dirty="0"/>
               <a:t>(x))</a:t>
-            </a:r>
-          </a:p>
-          <a:p>
-            <a:r>
-              <a:rPr lang="fr-FR" dirty="0"/>
-              <a:t>g</a:t>
             </a:r>
           </a:p>
         </p:txBody>
@@ -9176,375 +9161,12 @@
           </a:extLst>
         </p:spPr>
       </p:pic>
-      <p:sp>
-        <p:nvSpPr>
-          <p:cNvPr id="6" name="ZoneTexte 5">
-            <a:extLst>
-              <a:ext uri="{FF2B5EF4-FFF2-40B4-BE49-F238E27FC236}">
-                <a16:creationId xmlns:a16="http://schemas.microsoft.com/office/drawing/2014/main" id="{AEFD5A99-E3CF-2C1C-8E83-C187FF550E65}"/>
-              </a:ext>
-            </a:extLst>
-          </p:cNvPr>
-          <p:cNvSpPr txBox="1"/>
-          <p:nvPr/>
-        </p:nvSpPr>
-        <p:spPr>
-          <a:xfrm>
-            <a:off x="822959" y="4372625"/>
-            <a:ext cx="4765173" cy="646331"/>
-          </a:xfrm>
-          <a:prstGeom prst="rect">
-            <a:avLst/>
-          </a:prstGeom>
-          <a:solidFill>
-            <a:schemeClr val="accent1">
-              <a:lumMod val="40000"/>
-              <a:lumOff val="60000"/>
-            </a:schemeClr>
-          </a:solidFill>
-        </p:spPr>
-        <p:txBody>
-          <a:bodyPr wrap="square" rtlCol="0">
-            <a:spAutoFit/>
-          </a:bodyPr>
-          <a:lstStyle/>
-          <a:p>
-            <a:r>
-              <a:rPr lang="fr-FR" dirty="0"/>
-              <a:t>lg </a:t>
-            </a:r>
-            <a:r>
-              <a:rPr lang="fr-FR" b="1" dirty="0"/>
-              <a:t>=</a:t>
-            </a:r>
-            <a:r>
-              <a:rPr lang="fr-FR" dirty="0"/>
-              <a:t> </a:t>
-            </a:r>
-            <a:r>
-              <a:rPr lang="fr-FR" i="1" dirty="0" err="1"/>
-              <a:t>sympy</a:t>
-            </a:r>
-            <a:r>
-              <a:rPr lang="fr-FR" dirty="0" err="1"/>
-              <a:t>.</a:t>
-            </a:r>
-            <a:r>
-              <a:rPr lang="fr-FR" b="1" dirty="0" err="1"/>
-              <a:t>limit</a:t>
-            </a:r>
-            <a:r>
-              <a:rPr lang="fr-FR" dirty="0"/>
-              <a:t>(g, x, </a:t>
-            </a:r>
-            <a:r>
-              <a:rPr lang="fr-FR" i="1" dirty="0" err="1"/>
-              <a:t>sympy</a:t>
-            </a:r>
-            <a:r>
-              <a:rPr lang="fr-FR" dirty="0" err="1"/>
-              <a:t>.</a:t>
-            </a:r>
-            <a:r>
-              <a:rPr lang="fr-FR" b="1" dirty="0" err="1"/>
-              <a:t>pi</a:t>
-            </a:r>
-            <a:r>
-              <a:rPr lang="fr-FR" dirty="0"/>
-              <a:t>)</a:t>
-            </a:r>
-          </a:p>
-          <a:p>
-            <a:r>
-              <a:rPr lang="fr-FR" dirty="0"/>
-              <a:t>lg</a:t>
-            </a:r>
-          </a:p>
-        </p:txBody>
-      </p:sp>
-      <p:sp>
-        <p:nvSpPr>
-          <p:cNvPr id="11" name="ZoneTexte 10">
-            <a:extLst>
-              <a:ext uri="{FF2B5EF4-FFF2-40B4-BE49-F238E27FC236}">
-                <a16:creationId xmlns:a16="http://schemas.microsoft.com/office/drawing/2014/main" id="{749C4619-CBA7-331E-98D1-87CB9CB976E1}"/>
-              </a:ext>
-            </a:extLst>
-          </p:cNvPr>
-          <p:cNvSpPr txBox="1"/>
-          <p:nvPr/>
-        </p:nvSpPr>
-        <p:spPr>
-          <a:xfrm>
-            <a:off x="6345936" y="3302376"/>
-            <a:ext cx="4765173" cy="1200329"/>
-          </a:xfrm>
-          <a:prstGeom prst="rect">
-            <a:avLst/>
-          </a:prstGeom>
-          <a:solidFill>
-            <a:schemeClr val="accent1">
-              <a:lumMod val="40000"/>
-              <a:lumOff val="60000"/>
-            </a:schemeClr>
-          </a:solidFill>
-        </p:spPr>
-        <p:txBody>
-          <a:bodyPr wrap="square" rtlCol="0">
-            <a:spAutoFit/>
-          </a:bodyPr>
-          <a:lstStyle/>
-          <a:p>
-            <a:r>
-              <a:rPr lang="fr-FR" dirty="0"/>
-              <a:t>h </a:t>
-            </a:r>
-            <a:r>
-              <a:rPr lang="fr-FR" b="1" dirty="0"/>
-              <a:t>=</a:t>
-            </a:r>
-            <a:r>
-              <a:rPr lang="fr-FR" dirty="0"/>
-              <a:t> 2*</a:t>
-            </a:r>
-            <a:r>
-              <a:rPr lang="fr-FR" i="1" dirty="0" err="1"/>
-              <a:t>sympy</a:t>
-            </a:r>
-            <a:r>
-              <a:rPr lang="fr-FR" dirty="0" err="1"/>
-              <a:t>.</a:t>
-            </a:r>
-            <a:r>
-              <a:rPr lang="fr-FR" b="1" dirty="0" err="1"/>
-              <a:t>exp</a:t>
-            </a:r>
-            <a:r>
-              <a:rPr lang="fr-FR" dirty="0"/>
-              <a:t>(1/x)/(</a:t>
-            </a:r>
-            <a:r>
-              <a:rPr lang="fr-FR" i="1" dirty="0" err="1"/>
-              <a:t>sympy</a:t>
-            </a:r>
-            <a:r>
-              <a:rPr lang="fr-FR" dirty="0" err="1"/>
-              <a:t>.</a:t>
-            </a:r>
-            <a:r>
-              <a:rPr lang="fr-FR" b="1" dirty="0" err="1"/>
-              <a:t>exp</a:t>
-            </a:r>
-            <a:r>
-              <a:rPr lang="fr-FR" dirty="0"/>
-              <a:t>(1/x)+1)</a:t>
-            </a:r>
-          </a:p>
-          <a:p>
-            <a:r>
-              <a:rPr lang="fr-FR" dirty="0"/>
-              <a:t>h</a:t>
-            </a:r>
-          </a:p>
-          <a:p>
-            <a:r>
-              <a:rPr lang="fr-FR" dirty="0" err="1"/>
-              <a:t>lhplus</a:t>
-            </a:r>
-            <a:r>
-              <a:rPr lang="fr-FR" dirty="0"/>
-              <a:t> </a:t>
-            </a:r>
-            <a:r>
-              <a:rPr lang="fr-FR" b="1" dirty="0"/>
-              <a:t>=</a:t>
-            </a:r>
-            <a:r>
-              <a:rPr lang="fr-FR" dirty="0"/>
-              <a:t> </a:t>
-            </a:r>
-            <a:r>
-              <a:rPr lang="fr-FR" i="1" dirty="0" err="1"/>
-              <a:t>sympy</a:t>
-            </a:r>
-            <a:r>
-              <a:rPr lang="fr-FR" dirty="0" err="1"/>
-              <a:t>.</a:t>
-            </a:r>
-            <a:r>
-              <a:rPr lang="fr-FR" b="1" dirty="0" err="1"/>
-              <a:t>limit</a:t>
-            </a:r>
-            <a:r>
-              <a:rPr lang="fr-FR" dirty="0"/>
-              <a:t>(h, x, 0, </a:t>
-            </a:r>
-            <a:r>
-              <a:rPr lang="fr-FR" dirty="0" err="1"/>
-              <a:t>dir</a:t>
-            </a:r>
-            <a:r>
-              <a:rPr lang="fr-FR" dirty="0"/>
-              <a:t>='+')</a:t>
-            </a:r>
-          </a:p>
-          <a:p>
-            <a:r>
-              <a:rPr lang="fr-FR" dirty="0" err="1"/>
-              <a:t>lhplus</a:t>
-            </a:r>
-            <a:endParaRPr lang="fr-FR" dirty="0"/>
-          </a:p>
-        </p:txBody>
-      </p:sp>
-      <p:sp>
-        <p:nvSpPr>
-          <p:cNvPr id="13" name="ZoneTexte 12">
-            <a:extLst>
-              <a:ext uri="{FF2B5EF4-FFF2-40B4-BE49-F238E27FC236}">
-                <a16:creationId xmlns:a16="http://schemas.microsoft.com/office/drawing/2014/main" id="{71A637E6-BA41-CCC6-E0C2-4D39E40B9096}"/>
-              </a:ext>
-            </a:extLst>
-          </p:cNvPr>
-          <p:cNvSpPr txBox="1"/>
-          <p:nvPr/>
-        </p:nvSpPr>
-        <p:spPr>
-          <a:xfrm>
-            <a:off x="6345936" y="4613016"/>
-            <a:ext cx="4765173" cy="1200329"/>
-          </a:xfrm>
-          <a:prstGeom prst="rect">
-            <a:avLst/>
-          </a:prstGeom>
-          <a:solidFill>
-            <a:schemeClr val="accent1">
-              <a:lumMod val="40000"/>
-              <a:lumOff val="60000"/>
-            </a:schemeClr>
-          </a:solidFill>
-        </p:spPr>
-        <p:txBody>
-          <a:bodyPr wrap="square" rtlCol="0">
-            <a:spAutoFit/>
-          </a:bodyPr>
-          <a:lstStyle/>
-          <a:p>
-            <a:r>
-              <a:rPr lang="fr-FR" dirty="0"/>
-              <a:t>m </a:t>
-            </a:r>
-            <a:r>
-              <a:rPr lang="fr-FR" b="1" dirty="0"/>
-              <a:t>=</a:t>
-            </a:r>
-            <a:r>
-              <a:rPr lang="fr-FR" dirty="0"/>
-              <a:t> (</a:t>
-            </a:r>
-            <a:r>
-              <a:rPr lang="fr-FR" i="1" dirty="0" err="1"/>
-              <a:t>sympy</a:t>
-            </a:r>
-            <a:r>
-              <a:rPr lang="fr-FR" dirty="0" err="1"/>
-              <a:t>.</a:t>
-            </a:r>
-            <a:r>
-              <a:rPr lang="fr-FR" b="1" dirty="0" err="1"/>
-              <a:t>cos</a:t>
-            </a:r>
-            <a:r>
-              <a:rPr lang="fr-FR" dirty="0"/>
-              <a:t>(x)-1)/x</a:t>
-            </a:r>
-          </a:p>
-          <a:p>
-            <a:r>
-              <a:rPr lang="fr-FR" dirty="0"/>
-              <a:t>m</a:t>
-            </a:r>
-          </a:p>
-          <a:p>
-            <a:r>
-              <a:rPr lang="fr-FR" dirty="0"/>
-              <a:t>lm </a:t>
-            </a:r>
-            <a:r>
-              <a:rPr lang="fr-FR" b="1" dirty="0"/>
-              <a:t>=</a:t>
-            </a:r>
-            <a:r>
-              <a:rPr lang="fr-FR" dirty="0"/>
-              <a:t> </a:t>
-            </a:r>
-            <a:r>
-              <a:rPr lang="fr-FR" i="1" dirty="0" err="1"/>
-              <a:t>sympy</a:t>
-            </a:r>
-            <a:r>
-              <a:rPr lang="fr-FR" dirty="0" err="1"/>
-              <a:t>.</a:t>
-            </a:r>
-            <a:r>
-              <a:rPr lang="fr-FR" b="1" dirty="0" err="1"/>
-              <a:t>limit</a:t>
-            </a:r>
-            <a:r>
-              <a:rPr lang="fr-FR" dirty="0"/>
-              <a:t>(m, x, </a:t>
-            </a:r>
-            <a:r>
-              <a:rPr lang="fr-FR" i="1" dirty="0" err="1"/>
-              <a:t>sympy</a:t>
-            </a:r>
-            <a:r>
-              <a:rPr lang="fr-FR" dirty="0" err="1"/>
-              <a:t>.</a:t>
-            </a:r>
-            <a:r>
-              <a:rPr lang="fr-FR" b="1" dirty="0" err="1"/>
-              <a:t>oo</a:t>
-            </a:r>
-            <a:r>
-              <a:rPr lang="fr-FR" dirty="0"/>
-              <a:t>)</a:t>
-            </a:r>
-          </a:p>
-          <a:p>
-            <a:r>
-              <a:rPr lang="fr-FR" dirty="0" err="1"/>
-              <a:t>print</a:t>
-            </a:r>
-            <a:r>
-              <a:rPr lang="fr-FR" dirty="0"/>
-              <a:t>(</a:t>
-            </a:r>
-            <a:r>
-              <a:rPr lang="fr-FR" dirty="0" err="1"/>
-              <a:t>f'Limit</a:t>
-            </a:r>
-            <a:r>
-              <a:rPr lang="fr-FR" dirty="0"/>
-              <a:t> in +</a:t>
-            </a:r>
-            <a:r>
-              <a:rPr lang="fr-FR" dirty="0" err="1"/>
-              <a:t>inf</a:t>
-            </a:r>
-            <a:r>
-              <a:rPr lang="fr-FR" dirty="0"/>
-              <a:t> = {lm}')</a:t>
-            </a:r>
-          </a:p>
-        </p:txBody>
-      </p:sp>
       <p:pic>
         <p:nvPicPr>
-          <p:cNvPr id="8" name="Picture 8" descr="Résultat de recherche d'images pour &quot;spyder logo&quot;">
-            <a:extLst>
-              <a:ext uri="{FF2B5EF4-FFF2-40B4-BE49-F238E27FC236}">
-                <a16:creationId xmlns:a16="http://schemas.microsoft.com/office/drawing/2014/main" id="{BCFD813A-057B-CC90-5277-E9DE2A6AFF11}"/>
+          <p:cNvPr id="9" name="Picture 8" descr="Résultat de recherche d'images pour &quot;spyder logo&quot;">
+            <a:extLst>
+              <a:ext uri="{FF2B5EF4-FFF2-40B4-BE49-F238E27FC236}">
+                <a16:creationId xmlns:a16="http://schemas.microsoft.com/office/drawing/2014/main" id="{187FEACF-67EE-A272-3578-9298FD1503B1}"/>
               </a:ext>
             </a:extLst>
           </p:cNvPr>
@@ -9586,10 +9208,197 @@
           </a:extLst>
         </p:spPr>
       </p:pic>
+      <p:sp>
+        <p:nvSpPr>
+          <p:cNvPr id="12" name="ZoneTexte 11">
+            <a:extLst>
+              <a:ext uri="{FF2B5EF4-FFF2-40B4-BE49-F238E27FC236}">
+                <a16:creationId xmlns:a16="http://schemas.microsoft.com/office/drawing/2014/main" id="{82BBDB35-4A80-870B-62F7-B2E5829B4FC3}"/>
+              </a:ext>
+            </a:extLst>
+          </p:cNvPr>
+          <p:cNvSpPr txBox="1"/>
+          <p:nvPr/>
+        </p:nvSpPr>
+        <p:spPr>
+          <a:xfrm>
+            <a:off x="822959" y="4083679"/>
+            <a:ext cx="4765173" cy="1200329"/>
+          </a:xfrm>
+          <a:prstGeom prst="rect">
+            <a:avLst/>
+          </a:prstGeom>
+          <a:solidFill>
+            <a:schemeClr val="accent1">
+              <a:lumMod val="40000"/>
+              <a:lumOff val="60000"/>
+            </a:schemeClr>
+          </a:solidFill>
+        </p:spPr>
+        <p:txBody>
+          <a:bodyPr wrap="square" rtlCol="0">
+            <a:spAutoFit/>
+          </a:bodyPr>
+          <a:lstStyle/>
+          <a:p>
+            <a:r>
+              <a:rPr lang="fr-FR" dirty="0" err="1"/>
+              <a:t>xlin</a:t>
+            </a:r>
+            <a:r>
+              <a:rPr lang="fr-FR" dirty="0"/>
+              <a:t> </a:t>
+            </a:r>
+            <a:r>
+              <a:rPr lang="fr-FR" b="1" dirty="0"/>
+              <a:t>=</a:t>
+            </a:r>
+            <a:r>
+              <a:rPr lang="fr-FR" dirty="0"/>
+              <a:t> </a:t>
+            </a:r>
+            <a:r>
+              <a:rPr lang="fr-FR" dirty="0" err="1"/>
+              <a:t>np.</a:t>
+            </a:r>
+            <a:r>
+              <a:rPr lang="fr-FR" b="1" dirty="0" err="1"/>
+              <a:t>linspace</a:t>
+            </a:r>
+            <a:r>
+              <a:rPr lang="fr-FR" dirty="0"/>
+              <a:t>(-</a:t>
+            </a:r>
+            <a:r>
+              <a:rPr lang="fr-FR" dirty="0" err="1"/>
+              <a:t>np.</a:t>
+            </a:r>
+            <a:r>
+              <a:rPr lang="fr-FR" b="1" dirty="0" err="1"/>
+              <a:t>pi</a:t>
+            </a:r>
+            <a:r>
+              <a:rPr lang="fr-FR" dirty="0"/>
+              <a:t>, </a:t>
+            </a:r>
+            <a:r>
+              <a:rPr lang="fr-FR" dirty="0" err="1"/>
+              <a:t>np.</a:t>
+            </a:r>
+            <a:r>
+              <a:rPr lang="fr-FR" b="1" dirty="0" err="1"/>
+              <a:t>pi</a:t>
+            </a:r>
+            <a:r>
+              <a:rPr lang="fr-FR" dirty="0"/>
+              <a:t>, 21)</a:t>
+            </a:r>
+          </a:p>
+          <a:p>
+            <a:endParaRPr lang="fr-FR" dirty="0"/>
+          </a:p>
+          <a:p>
+            <a:r>
+              <a:rPr lang="fr-FR" dirty="0" err="1"/>
+              <a:t>result</a:t>
+            </a:r>
+            <a:r>
+              <a:rPr lang="fr-FR" dirty="0"/>
+              <a:t> </a:t>
+            </a:r>
+            <a:r>
+              <a:rPr lang="fr-FR" b="1" dirty="0"/>
+              <a:t>=</a:t>
+            </a:r>
+            <a:r>
+              <a:rPr lang="fr-FR" dirty="0"/>
+              <a:t> </a:t>
+            </a:r>
+            <a:r>
+              <a:rPr lang="fr-FR" dirty="0" err="1"/>
+              <a:t>g.</a:t>
+            </a:r>
+            <a:r>
+              <a:rPr lang="fr-FR" b="1" dirty="0" err="1"/>
+              <a:t>subs</a:t>
+            </a:r>
+            <a:r>
+              <a:rPr lang="fr-FR" dirty="0"/>
+              <a:t>(x, </a:t>
+            </a:r>
+            <a:r>
+              <a:rPr lang="fr-FR" dirty="0" err="1"/>
+              <a:t>xlin</a:t>
+            </a:r>
+            <a:r>
+              <a:rPr lang="fr-FR" dirty="0"/>
+              <a:t>)</a:t>
+            </a:r>
+          </a:p>
+          <a:p>
+            <a:r>
+              <a:rPr lang="fr-FR" b="1" dirty="0"/>
+              <a:t>display</a:t>
+            </a:r>
+            <a:r>
+              <a:rPr lang="fr-FR" dirty="0"/>
+              <a:t>(</a:t>
+            </a:r>
+            <a:r>
+              <a:rPr lang="fr-FR" dirty="0" err="1"/>
+              <a:t>result</a:t>
+            </a:r>
+            <a:r>
+              <a:rPr lang="fr-FR" dirty="0"/>
+              <a:t>)</a:t>
+            </a:r>
+          </a:p>
+        </p:txBody>
+      </p:sp>
+      <p:sp>
+        <p:nvSpPr>
+          <p:cNvPr id="13" name="ZoneTexte 12">
+            <a:extLst>
+              <a:ext uri="{FF2B5EF4-FFF2-40B4-BE49-F238E27FC236}">
+                <a16:creationId xmlns:a16="http://schemas.microsoft.com/office/drawing/2014/main" id="{DAAB29C5-E0CF-8AD3-567C-F70809069A9F}"/>
+              </a:ext>
+            </a:extLst>
+          </p:cNvPr>
+          <p:cNvSpPr txBox="1"/>
+          <p:nvPr/>
+        </p:nvSpPr>
+        <p:spPr>
+          <a:xfrm>
+            <a:off x="1391036" y="5418980"/>
+            <a:ext cx="4197096" cy="369332"/>
+          </a:xfrm>
+          <a:prstGeom prst="rect">
+            <a:avLst/>
+          </a:prstGeom>
+          <a:solidFill>
+            <a:schemeClr val="accent4">
+              <a:lumMod val="40000"/>
+              <a:lumOff val="60000"/>
+            </a:schemeClr>
+          </a:solidFill>
+        </p:spPr>
+        <p:txBody>
+          <a:bodyPr wrap="square" rtlCol="0">
+            <a:spAutoFit/>
+          </a:bodyPr>
+          <a:lstStyle/>
+          <a:p>
+            <a:r>
+              <a:rPr lang="fr-FR" dirty="0"/>
+              <a:t>???</a:t>
+            </a:r>
+          </a:p>
+        </p:txBody>
+      </p:sp>
     </p:spTree>
     <p:extLst>
       <p:ext uri="{BB962C8B-B14F-4D97-AF65-F5344CB8AC3E}">
-        <p14:creationId xmlns:p14="http://schemas.microsoft.com/office/powerpoint/2010/main" val="403736579"/>
+        <p14:creationId xmlns:p14="http://schemas.microsoft.com/office/powerpoint/2010/main" val="1361826688"/>
       </p:ext>
     </p:extLst>
   </p:cSld>
@@ -9673,7 +9482,7 @@
           <a:p>
             <a:r>
               <a:rPr lang="fr-FR" dirty="0"/>
-              <a:t>Dérivées</a:t>
+              <a:t>Vectoriser une fonction</a:t>
             </a:r>
           </a:p>
         </p:txBody>
@@ -9738,6 +9547,2053 @@
             <a:fld id="{B2DC25EE-239B-4C5F-AAD1-255A7D5F1EE2}" type="slidenum">
               <a:rPr lang="en-US" smtClean="0"/>
               <a:t>14</a:t>
+            </a:fld>
+            <a:endParaRPr lang="en-US" dirty="0"/>
+          </a:p>
+        </p:txBody>
+      </p:sp>
+      <p:pic>
+        <p:nvPicPr>
+          <p:cNvPr id="1026" name="Picture 2" descr="SymPy Logo">
+            <a:extLst>
+              <a:ext uri="{FF2B5EF4-FFF2-40B4-BE49-F238E27FC236}">
+                <a16:creationId xmlns:a16="http://schemas.microsoft.com/office/drawing/2014/main" id="{6F826F4C-FC0E-452A-4FE2-7AD4240C9A6B}"/>
+              </a:ext>
+            </a:extLst>
+          </p:cNvPr>
+          <p:cNvPicPr>
+            <a:picLocks noChangeAspect="1" noChangeArrowheads="1"/>
+          </p:cNvPicPr>
+          <p:nvPr/>
+        </p:nvPicPr>
+        <p:blipFill>
+          <a:blip r:embed="rId3">
+            <a:extLst>
+              <a:ext uri="{28A0092B-C50C-407E-A947-70E740481C1C}">
+                <a14:useLocalDpi xmlns:a14="http://schemas.microsoft.com/office/drawing/2010/main" val="0"/>
+              </a:ext>
+            </a:extLst>
+          </a:blip>
+          <a:srcRect/>
+          <a:stretch>
+            <a:fillRect/>
+          </a:stretch>
+        </p:blipFill>
+        <p:spPr bwMode="auto">
+          <a:xfrm>
+            <a:off x="9915213" y="655319"/>
+            <a:ext cx="915348" cy="613283"/>
+          </a:xfrm>
+          <a:prstGeom prst="rect">
+            <a:avLst/>
+          </a:prstGeom>
+          <a:noFill/>
+          <a:extLst>
+            <a:ext uri="{909E8E84-426E-40DD-AFC4-6F175D3DCCD1}">
+              <a14:hiddenFill xmlns:a14="http://schemas.microsoft.com/office/drawing/2010/main">
+                <a:solidFill>
+                  <a:srgbClr val="FFFFFF"/>
+                </a:solidFill>
+              </a14:hiddenFill>
+            </a:ext>
+          </a:extLst>
+        </p:spPr>
+      </p:pic>
+      <p:sp>
+        <p:nvSpPr>
+          <p:cNvPr id="7" name="ZoneTexte 6">
+            <a:extLst>
+              <a:ext uri="{FF2B5EF4-FFF2-40B4-BE49-F238E27FC236}">
+                <a16:creationId xmlns:a16="http://schemas.microsoft.com/office/drawing/2014/main" id="{F0FBF19C-22B5-76E5-0F93-DF8BB4A2F385}"/>
+              </a:ext>
+            </a:extLst>
+          </p:cNvPr>
+          <p:cNvSpPr txBox="1"/>
+          <p:nvPr/>
+        </p:nvSpPr>
+        <p:spPr>
+          <a:xfrm>
+            <a:off x="822960" y="3302376"/>
+            <a:ext cx="4765173" cy="646331"/>
+          </a:xfrm>
+          <a:prstGeom prst="rect">
+            <a:avLst/>
+          </a:prstGeom>
+          <a:solidFill>
+            <a:schemeClr val="accent1">
+              <a:lumMod val="40000"/>
+              <a:lumOff val="60000"/>
+            </a:schemeClr>
+          </a:solidFill>
+        </p:spPr>
+        <p:txBody>
+          <a:bodyPr wrap="square" rtlCol="0">
+            <a:spAutoFit/>
+          </a:bodyPr>
+          <a:lstStyle/>
+          <a:p>
+            <a:r>
+              <a:rPr lang="fr-FR" dirty="0"/>
+              <a:t>g </a:t>
+            </a:r>
+            <a:r>
+              <a:rPr lang="fr-FR" b="1" dirty="0"/>
+              <a:t>=</a:t>
+            </a:r>
+            <a:r>
+              <a:rPr lang="fr-FR" dirty="0"/>
+              <a:t> </a:t>
+            </a:r>
+            <a:r>
+              <a:rPr lang="fr-FR" dirty="0" err="1"/>
+              <a:t>sympy.</a:t>
+            </a:r>
+            <a:r>
+              <a:rPr lang="fr-FR" b="1" dirty="0" err="1"/>
+              <a:t>Function</a:t>
+            </a:r>
+            <a:r>
+              <a:rPr lang="fr-FR" dirty="0"/>
+              <a:t>('g')</a:t>
+            </a:r>
+          </a:p>
+          <a:p>
+            <a:r>
+              <a:rPr lang="fr-FR" dirty="0"/>
+              <a:t>g </a:t>
+            </a:r>
+            <a:r>
+              <a:rPr lang="fr-FR" b="1" dirty="0"/>
+              <a:t>=</a:t>
+            </a:r>
+            <a:r>
+              <a:rPr lang="fr-FR" dirty="0"/>
+              <a:t> </a:t>
+            </a:r>
+            <a:r>
+              <a:rPr lang="fr-FR" dirty="0" err="1"/>
+              <a:t>sympy.</a:t>
+            </a:r>
+            <a:r>
+              <a:rPr lang="fr-FR" b="1" dirty="0" err="1"/>
+              <a:t>sin</a:t>
+            </a:r>
+            <a:r>
+              <a:rPr lang="fr-FR" dirty="0"/>
+              <a:t>(x/2 + </a:t>
+            </a:r>
+            <a:r>
+              <a:rPr lang="fr-FR" dirty="0" err="1"/>
+              <a:t>sympy.</a:t>
+            </a:r>
+            <a:r>
+              <a:rPr lang="fr-FR" b="1" dirty="0" err="1"/>
+              <a:t>sin</a:t>
+            </a:r>
+            <a:r>
+              <a:rPr lang="fr-FR" dirty="0"/>
+              <a:t>(x))</a:t>
+            </a:r>
+          </a:p>
+        </p:txBody>
+      </p:sp>
+      <p:pic>
+        <p:nvPicPr>
+          <p:cNvPr id="2051" name="Picture 3">
+            <a:extLst>
+              <a:ext uri="{FF2B5EF4-FFF2-40B4-BE49-F238E27FC236}">
+                <a16:creationId xmlns:a16="http://schemas.microsoft.com/office/drawing/2014/main" id="{3BB5514F-6568-D4F1-89C4-C79629C862E1}"/>
+              </a:ext>
+            </a:extLst>
+          </p:cNvPr>
+          <p:cNvPicPr>
+            <a:picLocks noChangeAspect="1" noChangeArrowheads="1"/>
+          </p:cNvPicPr>
+          <p:nvPr/>
+        </p:nvPicPr>
+        <p:blipFill>
+          <a:blip r:embed="rId4">
+            <a:extLst>
+              <a:ext uri="{28A0092B-C50C-407E-A947-70E740481C1C}">
+                <a14:useLocalDpi xmlns:a14="http://schemas.microsoft.com/office/drawing/2010/main" val="0"/>
+              </a:ext>
+            </a:extLst>
+          </a:blip>
+          <a:srcRect/>
+          <a:stretch>
+            <a:fillRect/>
+          </a:stretch>
+        </p:blipFill>
+        <p:spPr bwMode="auto">
+          <a:xfrm>
+            <a:off x="11422935" y="1728216"/>
+            <a:ext cx="449659" cy="523240"/>
+          </a:xfrm>
+          <a:prstGeom prst="rect">
+            <a:avLst/>
+          </a:prstGeom>
+          <a:noFill/>
+          <a:extLst>
+            <a:ext uri="{909E8E84-426E-40DD-AFC4-6F175D3DCCD1}">
+              <a14:hiddenFill xmlns:a14="http://schemas.microsoft.com/office/drawing/2010/main">
+                <a:solidFill>
+                  <a:srgbClr val="FFFFFF"/>
+                </a:solidFill>
+              </a14:hiddenFill>
+            </a:ext>
+          </a:extLst>
+        </p:spPr>
+      </p:pic>
+      <p:pic>
+        <p:nvPicPr>
+          <p:cNvPr id="9" name="Picture 8" descr="Résultat de recherche d'images pour &quot;spyder logo&quot;">
+            <a:extLst>
+              <a:ext uri="{FF2B5EF4-FFF2-40B4-BE49-F238E27FC236}">
+                <a16:creationId xmlns:a16="http://schemas.microsoft.com/office/drawing/2014/main" id="{187FEACF-67EE-A272-3578-9298FD1503B1}"/>
+              </a:ext>
+            </a:extLst>
+          </p:cNvPr>
+          <p:cNvPicPr>
+            <a:picLocks noChangeAspect="1" noChangeArrowheads="1"/>
+          </p:cNvPicPr>
+          <p:nvPr/>
+        </p:nvPicPr>
+        <p:blipFill>
+          <a:blip r:embed="rId5">
+            <a:extLst>
+              <a:ext uri="{28A0092B-C50C-407E-A947-70E740481C1C}">
+                <a14:useLocalDpi xmlns:a14="http://schemas.microsoft.com/office/drawing/2010/main" val="0"/>
+              </a:ext>
+            </a:extLst>
+          </a:blip>
+          <a:srcRect/>
+          <a:stretch>
+            <a:fillRect/>
+          </a:stretch>
+        </p:blipFill>
+        <p:spPr bwMode="auto">
+          <a:xfrm>
+            <a:off x="10162526" y="1757291"/>
+            <a:ext cx="947620" cy="473810"/>
+          </a:xfrm>
+          <a:prstGeom prst="rect">
+            <a:avLst/>
+          </a:prstGeom>
+          <a:noFill/>
+          <a:extLst>
+            <a:ext uri="{909E8E84-426E-40DD-AFC4-6F175D3DCCD1}">
+              <a14:hiddenFill xmlns:a14="http://schemas.microsoft.com/office/drawing/2010/main">
+                <a:solidFill>
+                  <a:srgbClr val="FFFFFF"/>
+                </a:solidFill>
+              </a14:hiddenFill>
+            </a:ext>
+          </a:extLst>
+        </p:spPr>
+      </p:pic>
+      <p:sp>
+        <p:nvSpPr>
+          <p:cNvPr id="12" name="ZoneTexte 11">
+            <a:extLst>
+              <a:ext uri="{FF2B5EF4-FFF2-40B4-BE49-F238E27FC236}">
+                <a16:creationId xmlns:a16="http://schemas.microsoft.com/office/drawing/2014/main" id="{82BBDB35-4A80-870B-62F7-B2E5829B4FC3}"/>
+              </a:ext>
+            </a:extLst>
+          </p:cNvPr>
+          <p:cNvSpPr txBox="1"/>
+          <p:nvPr/>
+        </p:nvSpPr>
+        <p:spPr>
+          <a:xfrm>
+            <a:off x="822959" y="4083679"/>
+            <a:ext cx="4765173" cy="1200329"/>
+          </a:xfrm>
+          <a:prstGeom prst="rect">
+            <a:avLst/>
+          </a:prstGeom>
+          <a:solidFill>
+            <a:schemeClr val="accent1">
+              <a:lumMod val="40000"/>
+              <a:lumOff val="60000"/>
+            </a:schemeClr>
+          </a:solidFill>
+        </p:spPr>
+        <p:txBody>
+          <a:bodyPr wrap="square" rtlCol="0">
+            <a:spAutoFit/>
+          </a:bodyPr>
+          <a:lstStyle/>
+          <a:p>
+            <a:r>
+              <a:rPr lang="fr-FR" dirty="0" err="1"/>
+              <a:t>xlin</a:t>
+            </a:r>
+            <a:r>
+              <a:rPr lang="fr-FR" dirty="0"/>
+              <a:t> </a:t>
+            </a:r>
+            <a:r>
+              <a:rPr lang="fr-FR" b="1" dirty="0"/>
+              <a:t>=</a:t>
+            </a:r>
+            <a:r>
+              <a:rPr lang="fr-FR" dirty="0"/>
+              <a:t> </a:t>
+            </a:r>
+            <a:r>
+              <a:rPr lang="fr-FR" dirty="0" err="1"/>
+              <a:t>np.</a:t>
+            </a:r>
+            <a:r>
+              <a:rPr lang="fr-FR" b="1" dirty="0" err="1"/>
+              <a:t>linspace</a:t>
+            </a:r>
+            <a:r>
+              <a:rPr lang="fr-FR" dirty="0"/>
+              <a:t>(-</a:t>
+            </a:r>
+            <a:r>
+              <a:rPr lang="fr-FR" dirty="0" err="1"/>
+              <a:t>np.</a:t>
+            </a:r>
+            <a:r>
+              <a:rPr lang="fr-FR" b="1" dirty="0" err="1"/>
+              <a:t>pi</a:t>
+            </a:r>
+            <a:r>
+              <a:rPr lang="fr-FR" dirty="0"/>
+              <a:t>, </a:t>
+            </a:r>
+            <a:r>
+              <a:rPr lang="fr-FR" dirty="0" err="1"/>
+              <a:t>np.</a:t>
+            </a:r>
+            <a:r>
+              <a:rPr lang="fr-FR" b="1" dirty="0" err="1"/>
+              <a:t>pi</a:t>
+            </a:r>
+            <a:r>
+              <a:rPr lang="fr-FR" dirty="0"/>
+              <a:t>, 21)</a:t>
+            </a:r>
+          </a:p>
+          <a:p>
+            <a:endParaRPr lang="fr-FR" dirty="0"/>
+          </a:p>
+          <a:p>
+            <a:r>
+              <a:rPr lang="fr-FR" dirty="0" err="1"/>
+              <a:t>result</a:t>
+            </a:r>
+            <a:r>
+              <a:rPr lang="fr-FR" dirty="0"/>
+              <a:t> </a:t>
+            </a:r>
+            <a:r>
+              <a:rPr lang="fr-FR" b="1" dirty="0"/>
+              <a:t>=</a:t>
+            </a:r>
+            <a:r>
+              <a:rPr lang="fr-FR" dirty="0"/>
+              <a:t> </a:t>
+            </a:r>
+            <a:r>
+              <a:rPr lang="fr-FR" dirty="0" err="1"/>
+              <a:t>g.</a:t>
+            </a:r>
+            <a:r>
+              <a:rPr lang="fr-FR" b="1" dirty="0" err="1"/>
+              <a:t>subs</a:t>
+            </a:r>
+            <a:r>
+              <a:rPr lang="fr-FR" dirty="0"/>
+              <a:t>(x, </a:t>
+            </a:r>
+            <a:r>
+              <a:rPr lang="fr-FR" dirty="0" err="1"/>
+              <a:t>xlin</a:t>
+            </a:r>
+            <a:r>
+              <a:rPr lang="fr-FR" dirty="0"/>
+              <a:t>)</a:t>
+            </a:r>
+          </a:p>
+          <a:p>
+            <a:r>
+              <a:rPr lang="fr-FR" b="1" dirty="0"/>
+              <a:t>display</a:t>
+            </a:r>
+            <a:r>
+              <a:rPr lang="fr-FR" dirty="0"/>
+              <a:t>(</a:t>
+            </a:r>
+            <a:r>
+              <a:rPr lang="fr-FR" dirty="0" err="1"/>
+              <a:t>result</a:t>
+            </a:r>
+            <a:r>
+              <a:rPr lang="fr-FR" dirty="0"/>
+              <a:t>)</a:t>
+            </a:r>
+          </a:p>
+        </p:txBody>
+      </p:sp>
+      <p:sp>
+        <p:nvSpPr>
+          <p:cNvPr id="13" name="ZoneTexte 12">
+            <a:extLst>
+              <a:ext uri="{FF2B5EF4-FFF2-40B4-BE49-F238E27FC236}">
+                <a16:creationId xmlns:a16="http://schemas.microsoft.com/office/drawing/2014/main" id="{DAAB29C5-E0CF-8AD3-567C-F70809069A9F}"/>
+              </a:ext>
+            </a:extLst>
+          </p:cNvPr>
+          <p:cNvSpPr txBox="1"/>
+          <p:nvPr/>
+        </p:nvSpPr>
+        <p:spPr>
+          <a:xfrm>
+            <a:off x="1391036" y="5418980"/>
+            <a:ext cx="4197096" cy="369332"/>
+          </a:xfrm>
+          <a:prstGeom prst="rect">
+            <a:avLst/>
+          </a:prstGeom>
+          <a:solidFill>
+            <a:schemeClr val="accent4">
+              <a:lumMod val="40000"/>
+              <a:lumOff val="60000"/>
+            </a:schemeClr>
+          </a:solidFill>
+        </p:spPr>
+        <p:txBody>
+          <a:bodyPr wrap="square" rtlCol="0">
+            <a:spAutoFit/>
+          </a:bodyPr>
+          <a:lstStyle/>
+          <a:p>
+            <a:r>
+              <a:rPr lang="fr-FR" dirty="0"/>
+              <a:t>???</a:t>
+            </a:r>
+          </a:p>
+        </p:txBody>
+      </p:sp>
+      <p:sp>
+        <p:nvSpPr>
+          <p:cNvPr id="14" name="ZoneTexte 13">
+            <a:extLst>
+              <a:ext uri="{FF2B5EF4-FFF2-40B4-BE49-F238E27FC236}">
+                <a16:creationId xmlns:a16="http://schemas.microsoft.com/office/drawing/2014/main" id="{5715271A-C19C-F9EC-328A-494EF011B9DE}"/>
+              </a:ext>
+            </a:extLst>
+          </p:cNvPr>
+          <p:cNvSpPr txBox="1"/>
+          <p:nvPr/>
+        </p:nvSpPr>
+        <p:spPr>
+          <a:xfrm>
+            <a:off x="6344973" y="3584949"/>
+            <a:ext cx="4765173" cy="1477328"/>
+          </a:xfrm>
+          <a:prstGeom prst="rect">
+            <a:avLst/>
+          </a:prstGeom>
+          <a:solidFill>
+            <a:schemeClr val="accent1">
+              <a:lumMod val="40000"/>
+              <a:lumOff val="60000"/>
+            </a:schemeClr>
+          </a:solidFill>
+        </p:spPr>
+        <p:txBody>
+          <a:bodyPr wrap="square" rtlCol="0">
+            <a:spAutoFit/>
+          </a:bodyPr>
+          <a:lstStyle/>
+          <a:p>
+            <a:r>
+              <a:rPr lang="en-US" b="1" dirty="0"/>
+              <a:t>from</a:t>
+            </a:r>
+            <a:r>
+              <a:rPr lang="en-US" dirty="0"/>
+              <a:t> </a:t>
+            </a:r>
+            <a:r>
+              <a:rPr lang="en-US" dirty="0" err="1"/>
+              <a:t>sympy.utilities.lambdify</a:t>
+            </a:r>
+            <a:r>
+              <a:rPr lang="en-US" dirty="0"/>
+              <a:t> </a:t>
+            </a:r>
+            <a:r>
+              <a:rPr lang="en-US" b="1" dirty="0"/>
+              <a:t>import</a:t>
+            </a:r>
+            <a:r>
+              <a:rPr lang="en-US" dirty="0"/>
+              <a:t> </a:t>
+            </a:r>
+            <a:r>
+              <a:rPr lang="en-US" dirty="0" err="1"/>
+              <a:t>lambdify</a:t>
+            </a:r>
+            <a:endParaRPr lang="en-US" dirty="0"/>
+          </a:p>
+          <a:p>
+            <a:r>
+              <a:rPr lang="en-US" dirty="0" err="1"/>
+              <a:t>func</a:t>
+            </a:r>
+            <a:r>
+              <a:rPr lang="en-US" dirty="0"/>
+              <a:t> </a:t>
+            </a:r>
+            <a:r>
+              <a:rPr lang="en-US" b="1" dirty="0"/>
+              <a:t>=</a:t>
+            </a:r>
+            <a:r>
+              <a:rPr lang="en-US" dirty="0"/>
+              <a:t> </a:t>
+            </a:r>
+            <a:r>
+              <a:rPr lang="en-US" b="1" dirty="0" err="1"/>
+              <a:t>lambdify</a:t>
+            </a:r>
+            <a:r>
+              <a:rPr lang="en-US" dirty="0"/>
+              <a:t>( [x] , g)</a:t>
+            </a:r>
+          </a:p>
+          <a:p>
+            <a:endParaRPr lang="en-US" dirty="0"/>
+          </a:p>
+          <a:p>
+            <a:r>
+              <a:rPr lang="en-US" dirty="0" err="1"/>
+              <a:t>yres</a:t>
+            </a:r>
+            <a:r>
+              <a:rPr lang="en-US" dirty="0"/>
+              <a:t> </a:t>
+            </a:r>
+            <a:r>
+              <a:rPr lang="en-US" b="1" dirty="0"/>
+              <a:t>= </a:t>
+            </a:r>
+            <a:r>
+              <a:rPr lang="en-US" dirty="0" err="1"/>
+              <a:t>func</a:t>
+            </a:r>
+            <a:r>
+              <a:rPr lang="en-US" dirty="0"/>
+              <a:t>( </a:t>
+            </a:r>
+            <a:r>
+              <a:rPr lang="en-US" dirty="0" err="1"/>
+              <a:t>xlin</a:t>
+            </a:r>
+            <a:r>
+              <a:rPr lang="en-US" dirty="0"/>
+              <a:t> )</a:t>
+            </a:r>
+            <a:endParaRPr lang="fr-FR" dirty="0"/>
+          </a:p>
+        </p:txBody>
+      </p:sp>
+      <p:sp>
+        <p:nvSpPr>
+          <p:cNvPr id="8" name="ZoneTexte 7">
+            <a:extLst>
+              <a:ext uri="{FF2B5EF4-FFF2-40B4-BE49-F238E27FC236}">
+                <a16:creationId xmlns:a16="http://schemas.microsoft.com/office/drawing/2014/main" id="{F2AC3B8B-C127-A91B-9EEB-6E7DC4574F66}"/>
+              </a:ext>
+            </a:extLst>
+          </p:cNvPr>
+          <p:cNvSpPr txBox="1"/>
+          <p:nvPr/>
+        </p:nvSpPr>
+        <p:spPr>
+          <a:xfrm>
+            <a:off x="6913050" y="5166226"/>
+            <a:ext cx="4197096" cy="369332"/>
+          </a:xfrm>
+          <a:prstGeom prst="rect">
+            <a:avLst/>
+          </a:prstGeom>
+          <a:solidFill>
+            <a:schemeClr val="accent4">
+              <a:lumMod val="40000"/>
+              <a:lumOff val="60000"/>
+            </a:schemeClr>
+          </a:solidFill>
+        </p:spPr>
+        <p:txBody>
+          <a:bodyPr wrap="square" rtlCol="0">
+            <a:spAutoFit/>
+          </a:bodyPr>
+          <a:lstStyle/>
+          <a:p>
+            <a:r>
+              <a:rPr lang="fr-FR" dirty="0"/>
+              <a:t>???</a:t>
+            </a:r>
+          </a:p>
+        </p:txBody>
+      </p:sp>
+    </p:spTree>
+    <p:extLst>
+      <p:ext uri="{BB962C8B-B14F-4D97-AF65-F5344CB8AC3E}">
+        <p14:creationId xmlns:p14="http://schemas.microsoft.com/office/powerpoint/2010/main" val="4226087511"/>
+      </p:ext>
+    </p:extLst>
+  </p:cSld>
+  <p:clrMapOvr>
+    <a:masterClrMapping/>
+  </p:clrMapOvr>
+</p:sld>
+</file>
+
+<file path=ppt/slides/slide15.xml><?xml version="1.0" encoding="utf-8"?>
+<p:sld xmlns:a="http://schemas.openxmlformats.org/drawingml/2006/main" xmlns:r="http://schemas.openxmlformats.org/officeDocument/2006/relationships" xmlns:p="http://schemas.openxmlformats.org/presentationml/2006/main">
+  <p:cSld>
+    <p:spTree>
+      <p:nvGrpSpPr>
+        <p:cNvPr id="1" name=""/>
+        <p:cNvGrpSpPr/>
+        <p:nvPr/>
+      </p:nvGrpSpPr>
+      <p:grpSpPr>
+        <a:xfrm>
+          <a:off x="0" y="0"/>
+          <a:ext cx="0" cy="0"/>
+          <a:chOff x="0" y="0"/>
+          <a:chExt cx="0" cy="0"/>
+        </a:xfrm>
+      </p:grpSpPr>
+      <p:sp>
+        <p:nvSpPr>
+          <p:cNvPr id="2" name="Titre 1">
+            <a:extLst>
+              <a:ext uri="{FF2B5EF4-FFF2-40B4-BE49-F238E27FC236}">
+                <a16:creationId xmlns:a16="http://schemas.microsoft.com/office/drawing/2014/main" id="{90162AE8-C1B0-5C56-8313-DEE494F38273}"/>
+              </a:ext>
+            </a:extLst>
+          </p:cNvPr>
+          <p:cNvSpPr>
+            <a:spLocks noGrp="1"/>
+          </p:cNvSpPr>
+          <p:nvPr>
+            <p:ph type="title"/>
+          </p:nvPr>
+        </p:nvSpPr>
+        <p:spPr/>
+        <p:txBody>
+          <a:bodyPr>
+            <a:normAutofit/>
+          </a:bodyPr>
+          <a:lstStyle/>
+          <a:p>
+            <a:r>
+              <a:rPr lang="fr-FR" dirty="0" err="1"/>
+              <a:t>SymPy</a:t>
+            </a:r>
+            <a:r>
+              <a:rPr lang="fr-FR" dirty="0"/>
+              <a:t> pour le calcul formel</a:t>
+            </a:r>
+          </a:p>
+        </p:txBody>
+      </p:sp>
+      <p:sp>
+        <p:nvSpPr>
+          <p:cNvPr id="3" name="Espace réservé du contenu 2">
+            <a:extLst>
+              <a:ext uri="{FF2B5EF4-FFF2-40B4-BE49-F238E27FC236}">
+                <a16:creationId xmlns:a16="http://schemas.microsoft.com/office/drawing/2014/main" id="{E0BBB9DE-019C-C741-F224-494739D4B752}"/>
+              </a:ext>
+            </a:extLst>
+          </p:cNvPr>
+          <p:cNvSpPr>
+            <a:spLocks noGrp="1"/>
+          </p:cNvSpPr>
+          <p:nvPr>
+            <p:ph sz="half" idx="1"/>
+          </p:nvPr>
+        </p:nvSpPr>
+        <p:spPr>
+          <a:xfrm>
+            <a:off x="1115568" y="2478024"/>
+            <a:ext cx="10460736" cy="3694176"/>
+          </a:xfrm>
+        </p:spPr>
+        <p:txBody>
+          <a:bodyPr/>
+          <a:lstStyle/>
+          <a:p>
+            <a:r>
+              <a:rPr lang="fr-FR" dirty="0"/>
+              <a:t>Déclarer une expression avec des dérivées</a:t>
+            </a:r>
+          </a:p>
+        </p:txBody>
+      </p:sp>
+      <p:pic>
+        <p:nvPicPr>
+          <p:cNvPr id="5" name="Image 4" descr="Une image contenant texte&#10;&#10;Description générée automatiquement">
+            <a:extLst>
+              <a:ext uri="{FF2B5EF4-FFF2-40B4-BE49-F238E27FC236}">
+                <a16:creationId xmlns:a16="http://schemas.microsoft.com/office/drawing/2014/main" id="{66D2630B-81F4-A4EB-21BA-8B90CF30BD92}"/>
+              </a:ext>
+            </a:extLst>
+          </p:cNvPr>
+          <p:cNvPicPr>
+            <a:picLocks noChangeAspect="1"/>
+          </p:cNvPicPr>
+          <p:nvPr/>
+        </p:nvPicPr>
+        <p:blipFill>
+          <a:blip r:embed="rId2">
+            <a:extLst>
+              <a:ext uri="{28A0092B-C50C-407E-A947-70E740481C1C}">
+                <a14:useLocalDpi xmlns:a14="http://schemas.microsoft.com/office/drawing/2010/main" val="0"/>
+              </a:ext>
+            </a:extLst>
+          </a:blip>
+          <a:stretch>
+            <a:fillRect/>
+          </a:stretch>
+        </p:blipFill>
+        <p:spPr>
+          <a:xfrm>
+            <a:off x="202922" y="5934456"/>
+            <a:ext cx="1825291" cy="749808"/>
+          </a:xfrm>
+          <a:prstGeom prst="rect">
+            <a:avLst/>
+          </a:prstGeom>
+        </p:spPr>
+      </p:pic>
+      <p:sp>
+        <p:nvSpPr>
+          <p:cNvPr id="4" name="Espace réservé du numéro de diapositive 3">
+            <a:extLst>
+              <a:ext uri="{FF2B5EF4-FFF2-40B4-BE49-F238E27FC236}">
+                <a16:creationId xmlns:a16="http://schemas.microsoft.com/office/drawing/2014/main" id="{F08CDEFC-50F0-4C47-46AC-D28A2807E4F8}"/>
+              </a:ext>
+            </a:extLst>
+          </p:cNvPr>
+          <p:cNvSpPr>
+            <a:spLocks noGrp="1"/>
+          </p:cNvSpPr>
+          <p:nvPr>
+            <p:ph type="sldNum" sz="quarter" idx="12"/>
+          </p:nvPr>
+        </p:nvSpPr>
+        <p:spPr/>
+        <p:txBody>
+          <a:bodyPr/>
+          <a:lstStyle/>
+          <a:p>
+            <a:fld id="{B2DC25EE-239B-4C5F-AAD1-255A7D5F1EE2}" type="slidenum">
+              <a:rPr lang="en-US" smtClean="0"/>
+              <a:t>15</a:t>
+            </a:fld>
+            <a:endParaRPr lang="en-US" dirty="0"/>
+          </a:p>
+        </p:txBody>
+      </p:sp>
+      <p:pic>
+        <p:nvPicPr>
+          <p:cNvPr id="1026" name="Picture 2" descr="SymPy Logo">
+            <a:extLst>
+              <a:ext uri="{FF2B5EF4-FFF2-40B4-BE49-F238E27FC236}">
+                <a16:creationId xmlns:a16="http://schemas.microsoft.com/office/drawing/2014/main" id="{6F826F4C-FC0E-452A-4FE2-7AD4240C9A6B}"/>
+              </a:ext>
+            </a:extLst>
+          </p:cNvPr>
+          <p:cNvPicPr>
+            <a:picLocks noChangeAspect="1" noChangeArrowheads="1"/>
+          </p:cNvPicPr>
+          <p:nvPr/>
+        </p:nvPicPr>
+        <p:blipFill>
+          <a:blip r:embed="rId3">
+            <a:extLst>
+              <a:ext uri="{28A0092B-C50C-407E-A947-70E740481C1C}">
+                <a14:useLocalDpi xmlns:a14="http://schemas.microsoft.com/office/drawing/2010/main" val="0"/>
+              </a:ext>
+            </a:extLst>
+          </a:blip>
+          <a:srcRect/>
+          <a:stretch>
+            <a:fillRect/>
+          </a:stretch>
+        </p:blipFill>
+        <p:spPr bwMode="auto">
+          <a:xfrm>
+            <a:off x="9915213" y="655319"/>
+            <a:ext cx="915348" cy="613283"/>
+          </a:xfrm>
+          <a:prstGeom prst="rect">
+            <a:avLst/>
+          </a:prstGeom>
+          <a:noFill/>
+          <a:extLst>
+            <a:ext uri="{909E8E84-426E-40DD-AFC4-6F175D3DCCD1}">
+              <a14:hiddenFill xmlns:a14="http://schemas.microsoft.com/office/drawing/2010/main">
+                <a:solidFill>
+                  <a:srgbClr val="FFFFFF"/>
+                </a:solidFill>
+              </a14:hiddenFill>
+            </a:ext>
+          </a:extLst>
+        </p:spPr>
+      </p:pic>
+      <p:sp>
+        <p:nvSpPr>
+          <p:cNvPr id="7" name="ZoneTexte 6">
+            <a:extLst>
+              <a:ext uri="{FF2B5EF4-FFF2-40B4-BE49-F238E27FC236}">
+                <a16:creationId xmlns:a16="http://schemas.microsoft.com/office/drawing/2014/main" id="{F0FBF19C-22B5-76E5-0F93-DF8BB4A2F385}"/>
+              </a:ext>
+            </a:extLst>
+          </p:cNvPr>
+          <p:cNvSpPr txBox="1"/>
+          <p:nvPr/>
+        </p:nvSpPr>
+        <p:spPr>
+          <a:xfrm>
+            <a:off x="822960" y="3302376"/>
+            <a:ext cx="4765173" cy="646331"/>
+          </a:xfrm>
+          <a:prstGeom prst="rect">
+            <a:avLst/>
+          </a:prstGeom>
+          <a:solidFill>
+            <a:schemeClr val="accent1">
+              <a:lumMod val="40000"/>
+              <a:lumOff val="60000"/>
+            </a:schemeClr>
+          </a:solidFill>
+        </p:spPr>
+        <p:txBody>
+          <a:bodyPr wrap="square" rtlCol="0">
+            <a:spAutoFit/>
+          </a:bodyPr>
+          <a:lstStyle/>
+          <a:p>
+            <a:r>
+              <a:rPr lang="fr-FR" dirty="0"/>
+              <a:t>t, tau = </a:t>
+            </a:r>
+            <a:r>
+              <a:rPr lang="fr-FR" dirty="0" err="1"/>
+              <a:t>sympy.symbols</a:t>
+            </a:r>
+            <a:r>
+              <a:rPr lang="fr-FR" dirty="0"/>
+              <a:t>('t tau')</a:t>
+            </a:r>
+          </a:p>
+          <a:p>
+            <a:r>
+              <a:rPr lang="fr-FR" dirty="0"/>
+              <a:t>vs = </a:t>
+            </a:r>
+            <a:r>
+              <a:rPr lang="fr-FR" dirty="0" err="1"/>
+              <a:t>sympy.Function</a:t>
+            </a:r>
+            <a:r>
+              <a:rPr lang="fr-FR" dirty="0"/>
+              <a:t>('</a:t>
+            </a:r>
+            <a:r>
+              <a:rPr lang="fr-FR" dirty="0" err="1"/>
+              <a:t>V_s</a:t>
+            </a:r>
+            <a:r>
+              <a:rPr lang="fr-FR" dirty="0"/>
+              <a:t>')(t)</a:t>
+            </a:r>
+          </a:p>
+        </p:txBody>
+      </p:sp>
+      <p:pic>
+        <p:nvPicPr>
+          <p:cNvPr id="2051" name="Picture 3">
+            <a:extLst>
+              <a:ext uri="{FF2B5EF4-FFF2-40B4-BE49-F238E27FC236}">
+                <a16:creationId xmlns:a16="http://schemas.microsoft.com/office/drawing/2014/main" id="{3BB5514F-6568-D4F1-89C4-C79629C862E1}"/>
+              </a:ext>
+            </a:extLst>
+          </p:cNvPr>
+          <p:cNvPicPr>
+            <a:picLocks noChangeAspect="1" noChangeArrowheads="1"/>
+          </p:cNvPicPr>
+          <p:nvPr/>
+        </p:nvPicPr>
+        <p:blipFill>
+          <a:blip r:embed="rId4">
+            <a:extLst>
+              <a:ext uri="{28A0092B-C50C-407E-A947-70E740481C1C}">
+                <a14:useLocalDpi xmlns:a14="http://schemas.microsoft.com/office/drawing/2010/main" val="0"/>
+              </a:ext>
+            </a:extLst>
+          </a:blip>
+          <a:srcRect/>
+          <a:stretch>
+            <a:fillRect/>
+          </a:stretch>
+        </p:blipFill>
+        <p:spPr bwMode="auto">
+          <a:xfrm>
+            <a:off x="11422935" y="1728216"/>
+            <a:ext cx="449659" cy="523240"/>
+          </a:xfrm>
+          <a:prstGeom prst="rect">
+            <a:avLst/>
+          </a:prstGeom>
+          <a:noFill/>
+          <a:extLst>
+            <a:ext uri="{909E8E84-426E-40DD-AFC4-6F175D3DCCD1}">
+              <a14:hiddenFill xmlns:a14="http://schemas.microsoft.com/office/drawing/2010/main">
+                <a:solidFill>
+                  <a:srgbClr val="FFFFFF"/>
+                </a:solidFill>
+              </a14:hiddenFill>
+            </a:ext>
+          </a:extLst>
+        </p:spPr>
+      </p:pic>
+      <p:pic>
+        <p:nvPicPr>
+          <p:cNvPr id="6" name="Picture 8" descr="Résultat de recherche d'images pour &quot;spyder logo&quot;">
+            <a:extLst>
+              <a:ext uri="{FF2B5EF4-FFF2-40B4-BE49-F238E27FC236}">
+                <a16:creationId xmlns:a16="http://schemas.microsoft.com/office/drawing/2014/main" id="{15EF5648-F6C6-A818-2130-8F02900DDFE1}"/>
+              </a:ext>
+            </a:extLst>
+          </p:cNvPr>
+          <p:cNvPicPr>
+            <a:picLocks noChangeAspect="1" noChangeArrowheads="1"/>
+          </p:cNvPicPr>
+          <p:nvPr/>
+        </p:nvPicPr>
+        <p:blipFill>
+          <a:blip r:embed="rId5">
+            <a:extLst>
+              <a:ext uri="{28A0092B-C50C-407E-A947-70E740481C1C}">
+                <a14:useLocalDpi xmlns:a14="http://schemas.microsoft.com/office/drawing/2010/main" val="0"/>
+              </a:ext>
+            </a:extLst>
+          </a:blip>
+          <a:srcRect/>
+          <a:stretch>
+            <a:fillRect/>
+          </a:stretch>
+        </p:blipFill>
+        <p:spPr bwMode="auto">
+          <a:xfrm>
+            <a:off x="10162526" y="1757291"/>
+            <a:ext cx="947620" cy="473810"/>
+          </a:xfrm>
+          <a:prstGeom prst="rect">
+            <a:avLst/>
+          </a:prstGeom>
+          <a:noFill/>
+          <a:extLst>
+            <a:ext uri="{909E8E84-426E-40DD-AFC4-6F175D3DCCD1}">
+              <a14:hiddenFill xmlns:a14="http://schemas.microsoft.com/office/drawing/2010/main">
+                <a:solidFill>
+                  <a:srgbClr val="FFFFFF"/>
+                </a:solidFill>
+              </a14:hiddenFill>
+            </a:ext>
+          </a:extLst>
+        </p:spPr>
+      </p:pic>
+      <p:sp>
+        <p:nvSpPr>
+          <p:cNvPr id="8" name="ZoneTexte 7">
+            <a:extLst>
+              <a:ext uri="{FF2B5EF4-FFF2-40B4-BE49-F238E27FC236}">
+                <a16:creationId xmlns:a16="http://schemas.microsoft.com/office/drawing/2014/main" id="{0C31541C-7059-E77F-45EF-8D090E3CF106}"/>
+              </a:ext>
+            </a:extLst>
+          </p:cNvPr>
+          <p:cNvSpPr txBox="1"/>
+          <p:nvPr/>
+        </p:nvSpPr>
+        <p:spPr>
+          <a:xfrm>
+            <a:off x="822959" y="4083679"/>
+            <a:ext cx="4765173" cy="923330"/>
+          </a:xfrm>
+          <a:prstGeom prst="rect">
+            <a:avLst/>
+          </a:prstGeom>
+          <a:solidFill>
+            <a:schemeClr val="accent1">
+              <a:lumMod val="40000"/>
+              <a:lumOff val="60000"/>
+            </a:schemeClr>
+          </a:solidFill>
+        </p:spPr>
+        <p:txBody>
+          <a:bodyPr wrap="square" rtlCol="0">
+            <a:spAutoFit/>
+          </a:bodyPr>
+          <a:lstStyle/>
+          <a:p>
+            <a:r>
+              <a:rPr lang="fr-FR" dirty="0" err="1"/>
+              <a:t>dvs</a:t>
+            </a:r>
+            <a:r>
+              <a:rPr lang="fr-FR" dirty="0"/>
+              <a:t> </a:t>
+            </a:r>
+            <a:r>
+              <a:rPr lang="fr-FR" b="1" dirty="0"/>
+              <a:t>=</a:t>
+            </a:r>
+            <a:r>
+              <a:rPr lang="fr-FR" dirty="0"/>
+              <a:t> </a:t>
+            </a:r>
+            <a:r>
+              <a:rPr lang="fr-FR" dirty="0" err="1"/>
+              <a:t>sympy.</a:t>
+            </a:r>
+            <a:r>
+              <a:rPr lang="fr-FR" b="1" dirty="0" err="1"/>
+              <a:t>Derivative</a:t>
+            </a:r>
+            <a:r>
+              <a:rPr lang="fr-FR" dirty="0"/>
+              <a:t>( vs , t ) </a:t>
+            </a:r>
+          </a:p>
+          <a:p>
+            <a:r>
+              <a:rPr lang="fr-FR" dirty="0" err="1"/>
+              <a:t>exp</a:t>
+            </a:r>
+            <a:r>
+              <a:rPr lang="fr-FR" dirty="0"/>
+              <a:t> </a:t>
+            </a:r>
+            <a:r>
+              <a:rPr lang="fr-FR" b="1" dirty="0"/>
+              <a:t>=</a:t>
+            </a:r>
+            <a:r>
+              <a:rPr lang="fr-FR" dirty="0"/>
+              <a:t> vs + tau * </a:t>
+            </a:r>
+            <a:r>
+              <a:rPr lang="fr-FR" dirty="0" err="1"/>
+              <a:t>dvs</a:t>
+            </a:r>
+            <a:endParaRPr lang="fr-FR" dirty="0"/>
+          </a:p>
+          <a:p>
+            <a:r>
+              <a:rPr lang="fr-FR" b="1" dirty="0"/>
+              <a:t>display</a:t>
+            </a:r>
+            <a:r>
+              <a:rPr lang="fr-FR" dirty="0"/>
+              <a:t>( </a:t>
+            </a:r>
+            <a:r>
+              <a:rPr lang="fr-FR" dirty="0" err="1"/>
+              <a:t>exp</a:t>
+            </a:r>
+            <a:r>
+              <a:rPr lang="fr-FR" dirty="0"/>
+              <a:t> )</a:t>
+            </a:r>
+          </a:p>
+        </p:txBody>
+      </p:sp>
+      <p:sp>
+        <p:nvSpPr>
+          <p:cNvPr id="9" name="ZoneTexte 8">
+            <a:extLst>
+              <a:ext uri="{FF2B5EF4-FFF2-40B4-BE49-F238E27FC236}">
+                <a16:creationId xmlns:a16="http://schemas.microsoft.com/office/drawing/2014/main" id="{17A91F7C-A8E1-773C-9ED3-B6A99AE652F7}"/>
+              </a:ext>
+            </a:extLst>
+          </p:cNvPr>
+          <p:cNvSpPr txBox="1"/>
+          <p:nvPr/>
+        </p:nvSpPr>
+        <p:spPr>
+          <a:xfrm>
+            <a:off x="1391036" y="5101400"/>
+            <a:ext cx="4197096" cy="369332"/>
+          </a:xfrm>
+          <a:prstGeom prst="rect">
+            <a:avLst/>
+          </a:prstGeom>
+          <a:solidFill>
+            <a:schemeClr val="accent4">
+              <a:lumMod val="40000"/>
+              <a:lumOff val="60000"/>
+            </a:schemeClr>
+          </a:solidFill>
+        </p:spPr>
+        <p:txBody>
+          <a:bodyPr wrap="square" rtlCol="0">
+            <a:spAutoFit/>
+          </a:bodyPr>
+          <a:lstStyle/>
+          <a:p>
+            <a:r>
+              <a:rPr lang="fr-FR" dirty="0"/>
+              <a:t>???</a:t>
+            </a:r>
+          </a:p>
+        </p:txBody>
+      </p:sp>
+    </p:spTree>
+    <p:extLst>
+      <p:ext uri="{BB962C8B-B14F-4D97-AF65-F5344CB8AC3E}">
+        <p14:creationId xmlns:p14="http://schemas.microsoft.com/office/powerpoint/2010/main" val="115123252"/>
+      </p:ext>
+    </p:extLst>
+  </p:cSld>
+  <p:clrMapOvr>
+    <a:masterClrMapping/>
+  </p:clrMapOvr>
+</p:sld>
+</file>
+
+<file path=ppt/slides/slide16.xml><?xml version="1.0" encoding="utf-8"?>
+<p:sld xmlns:a="http://schemas.openxmlformats.org/drawingml/2006/main" xmlns:r="http://schemas.openxmlformats.org/officeDocument/2006/relationships" xmlns:p="http://schemas.openxmlformats.org/presentationml/2006/main">
+  <p:cSld>
+    <p:spTree>
+      <p:nvGrpSpPr>
+        <p:cNvPr id="1" name=""/>
+        <p:cNvGrpSpPr/>
+        <p:nvPr/>
+      </p:nvGrpSpPr>
+      <p:grpSpPr>
+        <a:xfrm>
+          <a:off x="0" y="0"/>
+          <a:ext cx="0" cy="0"/>
+          <a:chOff x="0" y="0"/>
+          <a:chExt cx="0" cy="0"/>
+        </a:xfrm>
+      </p:grpSpPr>
+      <p:sp>
+        <p:nvSpPr>
+          <p:cNvPr id="2" name="Titre 1">
+            <a:extLst>
+              <a:ext uri="{FF2B5EF4-FFF2-40B4-BE49-F238E27FC236}">
+                <a16:creationId xmlns:a16="http://schemas.microsoft.com/office/drawing/2014/main" id="{90162AE8-C1B0-5C56-8313-DEE494F38273}"/>
+              </a:ext>
+            </a:extLst>
+          </p:cNvPr>
+          <p:cNvSpPr>
+            <a:spLocks noGrp="1"/>
+          </p:cNvSpPr>
+          <p:nvPr>
+            <p:ph type="title"/>
+          </p:nvPr>
+        </p:nvSpPr>
+        <p:spPr/>
+        <p:txBody>
+          <a:bodyPr>
+            <a:normAutofit/>
+          </a:bodyPr>
+          <a:lstStyle/>
+          <a:p>
+            <a:r>
+              <a:rPr lang="fr-FR" dirty="0" err="1"/>
+              <a:t>SymPy</a:t>
+            </a:r>
+            <a:r>
+              <a:rPr lang="fr-FR" dirty="0"/>
+              <a:t> pour le calcul formel</a:t>
+            </a:r>
+          </a:p>
+        </p:txBody>
+      </p:sp>
+      <p:sp>
+        <p:nvSpPr>
+          <p:cNvPr id="3" name="Espace réservé du contenu 2">
+            <a:extLst>
+              <a:ext uri="{FF2B5EF4-FFF2-40B4-BE49-F238E27FC236}">
+                <a16:creationId xmlns:a16="http://schemas.microsoft.com/office/drawing/2014/main" id="{E0BBB9DE-019C-C741-F224-494739D4B752}"/>
+              </a:ext>
+            </a:extLst>
+          </p:cNvPr>
+          <p:cNvSpPr>
+            <a:spLocks noGrp="1"/>
+          </p:cNvSpPr>
+          <p:nvPr>
+            <p:ph sz="half" idx="1"/>
+          </p:nvPr>
+        </p:nvSpPr>
+        <p:spPr/>
+        <p:txBody>
+          <a:bodyPr/>
+          <a:lstStyle/>
+          <a:p>
+            <a:r>
+              <a:rPr lang="fr-FR" dirty="0"/>
+              <a:t>Calculer des limites</a:t>
+            </a:r>
+          </a:p>
+        </p:txBody>
+      </p:sp>
+      <p:pic>
+        <p:nvPicPr>
+          <p:cNvPr id="5" name="Image 4" descr="Une image contenant texte&#10;&#10;Description générée automatiquement">
+            <a:extLst>
+              <a:ext uri="{FF2B5EF4-FFF2-40B4-BE49-F238E27FC236}">
+                <a16:creationId xmlns:a16="http://schemas.microsoft.com/office/drawing/2014/main" id="{66D2630B-81F4-A4EB-21BA-8B90CF30BD92}"/>
+              </a:ext>
+            </a:extLst>
+          </p:cNvPr>
+          <p:cNvPicPr>
+            <a:picLocks noChangeAspect="1"/>
+          </p:cNvPicPr>
+          <p:nvPr/>
+        </p:nvPicPr>
+        <p:blipFill>
+          <a:blip r:embed="rId2">
+            <a:extLst>
+              <a:ext uri="{28A0092B-C50C-407E-A947-70E740481C1C}">
+                <a14:useLocalDpi xmlns:a14="http://schemas.microsoft.com/office/drawing/2010/main" val="0"/>
+              </a:ext>
+            </a:extLst>
+          </a:blip>
+          <a:stretch>
+            <a:fillRect/>
+          </a:stretch>
+        </p:blipFill>
+        <p:spPr>
+          <a:xfrm>
+            <a:off x="202922" y="5934456"/>
+            <a:ext cx="1825291" cy="749808"/>
+          </a:xfrm>
+          <a:prstGeom prst="rect">
+            <a:avLst/>
+          </a:prstGeom>
+        </p:spPr>
+      </p:pic>
+      <p:sp>
+        <p:nvSpPr>
+          <p:cNvPr id="4" name="Espace réservé du numéro de diapositive 3">
+            <a:extLst>
+              <a:ext uri="{FF2B5EF4-FFF2-40B4-BE49-F238E27FC236}">
+                <a16:creationId xmlns:a16="http://schemas.microsoft.com/office/drawing/2014/main" id="{F08CDEFC-50F0-4C47-46AC-D28A2807E4F8}"/>
+              </a:ext>
+            </a:extLst>
+          </p:cNvPr>
+          <p:cNvSpPr>
+            <a:spLocks noGrp="1"/>
+          </p:cNvSpPr>
+          <p:nvPr>
+            <p:ph type="sldNum" sz="quarter" idx="12"/>
+          </p:nvPr>
+        </p:nvSpPr>
+        <p:spPr/>
+        <p:txBody>
+          <a:bodyPr/>
+          <a:lstStyle/>
+          <a:p>
+            <a:fld id="{B2DC25EE-239B-4C5F-AAD1-255A7D5F1EE2}" type="slidenum">
+              <a:rPr lang="en-US" smtClean="0"/>
+              <a:t>16</a:t>
+            </a:fld>
+            <a:endParaRPr lang="en-US" dirty="0"/>
+          </a:p>
+        </p:txBody>
+      </p:sp>
+      <p:pic>
+        <p:nvPicPr>
+          <p:cNvPr id="1026" name="Picture 2" descr="SymPy Logo">
+            <a:extLst>
+              <a:ext uri="{FF2B5EF4-FFF2-40B4-BE49-F238E27FC236}">
+                <a16:creationId xmlns:a16="http://schemas.microsoft.com/office/drawing/2014/main" id="{6F826F4C-FC0E-452A-4FE2-7AD4240C9A6B}"/>
+              </a:ext>
+            </a:extLst>
+          </p:cNvPr>
+          <p:cNvPicPr>
+            <a:picLocks noChangeAspect="1" noChangeArrowheads="1"/>
+          </p:cNvPicPr>
+          <p:nvPr/>
+        </p:nvPicPr>
+        <p:blipFill>
+          <a:blip r:embed="rId3">
+            <a:extLst>
+              <a:ext uri="{28A0092B-C50C-407E-A947-70E740481C1C}">
+                <a14:useLocalDpi xmlns:a14="http://schemas.microsoft.com/office/drawing/2010/main" val="0"/>
+              </a:ext>
+            </a:extLst>
+          </a:blip>
+          <a:srcRect/>
+          <a:stretch>
+            <a:fillRect/>
+          </a:stretch>
+        </p:blipFill>
+        <p:spPr bwMode="auto">
+          <a:xfrm>
+            <a:off x="9915213" y="655319"/>
+            <a:ext cx="915348" cy="613283"/>
+          </a:xfrm>
+          <a:prstGeom prst="rect">
+            <a:avLst/>
+          </a:prstGeom>
+          <a:noFill/>
+          <a:extLst>
+            <a:ext uri="{909E8E84-426E-40DD-AFC4-6F175D3DCCD1}">
+              <a14:hiddenFill xmlns:a14="http://schemas.microsoft.com/office/drawing/2010/main">
+                <a:solidFill>
+                  <a:srgbClr val="FFFFFF"/>
+                </a:solidFill>
+              </a14:hiddenFill>
+            </a:ext>
+          </a:extLst>
+        </p:spPr>
+      </p:pic>
+      <p:sp>
+        <p:nvSpPr>
+          <p:cNvPr id="7" name="ZoneTexte 6">
+            <a:extLst>
+              <a:ext uri="{FF2B5EF4-FFF2-40B4-BE49-F238E27FC236}">
+                <a16:creationId xmlns:a16="http://schemas.microsoft.com/office/drawing/2014/main" id="{F0FBF19C-22B5-76E5-0F93-DF8BB4A2F385}"/>
+              </a:ext>
+            </a:extLst>
+          </p:cNvPr>
+          <p:cNvSpPr txBox="1"/>
+          <p:nvPr/>
+        </p:nvSpPr>
+        <p:spPr>
+          <a:xfrm>
+            <a:off x="822960" y="3302376"/>
+            <a:ext cx="4765173" cy="923330"/>
+          </a:xfrm>
+          <a:prstGeom prst="rect">
+            <a:avLst/>
+          </a:prstGeom>
+          <a:solidFill>
+            <a:schemeClr val="accent1">
+              <a:lumMod val="40000"/>
+              <a:lumOff val="60000"/>
+            </a:schemeClr>
+          </a:solidFill>
+        </p:spPr>
+        <p:txBody>
+          <a:bodyPr wrap="square" rtlCol="0">
+            <a:spAutoFit/>
+          </a:bodyPr>
+          <a:lstStyle/>
+          <a:p>
+            <a:r>
+              <a:rPr lang="fr-FR" dirty="0"/>
+              <a:t>g </a:t>
+            </a:r>
+            <a:r>
+              <a:rPr lang="fr-FR" b="1" dirty="0"/>
+              <a:t>=</a:t>
+            </a:r>
+            <a:r>
+              <a:rPr lang="fr-FR" dirty="0"/>
+              <a:t> </a:t>
+            </a:r>
+            <a:r>
+              <a:rPr lang="fr-FR" i="1" dirty="0" err="1"/>
+              <a:t>sympy</a:t>
+            </a:r>
+            <a:r>
+              <a:rPr lang="fr-FR" dirty="0" err="1"/>
+              <a:t>.</a:t>
+            </a:r>
+            <a:r>
+              <a:rPr lang="fr-FR" b="1" dirty="0" err="1"/>
+              <a:t>Function</a:t>
+            </a:r>
+            <a:r>
+              <a:rPr lang="fr-FR" dirty="0"/>
+              <a:t>('g’)(x)</a:t>
+            </a:r>
+          </a:p>
+          <a:p>
+            <a:r>
+              <a:rPr lang="fr-FR" dirty="0"/>
+              <a:t>g </a:t>
+            </a:r>
+            <a:r>
+              <a:rPr lang="fr-FR" b="1" dirty="0"/>
+              <a:t>=</a:t>
+            </a:r>
+            <a:r>
+              <a:rPr lang="fr-FR" dirty="0"/>
+              <a:t> </a:t>
+            </a:r>
+            <a:r>
+              <a:rPr lang="fr-FR" i="1" dirty="0" err="1"/>
+              <a:t>sympy</a:t>
+            </a:r>
+            <a:r>
+              <a:rPr lang="fr-FR" dirty="0" err="1"/>
+              <a:t>.</a:t>
+            </a:r>
+            <a:r>
+              <a:rPr lang="fr-FR" b="1" dirty="0" err="1"/>
+              <a:t>sin</a:t>
+            </a:r>
+            <a:r>
+              <a:rPr lang="fr-FR" dirty="0"/>
+              <a:t>(x/2 + </a:t>
+            </a:r>
+            <a:r>
+              <a:rPr lang="fr-FR" i="1" dirty="0" err="1"/>
+              <a:t>sympy</a:t>
+            </a:r>
+            <a:r>
+              <a:rPr lang="fr-FR" dirty="0" err="1"/>
+              <a:t>.</a:t>
+            </a:r>
+            <a:r>
+              <a:rPr lang="fr-FR" b="1" dirty="0" err="1"/>
+              <a:t>sin</a:t>
+            </a:r>
+            <a:r>
+              <a:rPr lang="fr-FR" dirty="0"/>
+              <a:t>(x))</a:t>
+            </a:r>
+          </a:p>
+          <a:p>
+            <a:r>
+              <a:rPr lang="fr-FR" dirty="0"/>
+              <a:t>g</a:t>
+            </a:r>
+          </a:p>
+        </p:txBody>
+      </p:sp>
+      <p:pic>
+        <p:nvPicPr>
+          <p:cNvPr id="2051" name="Picture 3">
+            <a:extLst>
+              <a:ext uri="{FF2B5EF4-FFF2-40B4-BE49-F238E27FC236}">
+                <a16:creationId xmlns:a16="http://schemas.microsoft.com/office/drawing/2014/main" id="{3BB5514F-6568-D4F1-89C4-C79629C862E1}"/>
+              </a:ext>
+            </a:extLst>
+          </p:cNvPr>
+          <p:cNvPicPr>
+            <a:picLocks noChangeAspect="1" noChangeArrowheads="1"/>
+          </p:cNvPicPr>
+          <p:nvPr/>
+        </p:nvPicPr>
+        <p:blipFill>
+          <a:blip r:embed="rId4">
+            <a:extLst>
+              <a:ext uri="{28A0092B-C50C-407E-A947-70E740481C1C}">
+                <a14:useLocalDpi xmlns:a14="http://schemas.microsoft.com/office/drawing/2010/main" val="0"/>
+              </a:ext>
+            </a:extLst>
+          </a:blip>
+          <a:srcRect/>
+          <a:stretch>
+            <a:fillRect/>
+          </a:stretch>
+        </p:blipFill>
+        <p:spPr bwMode="auto">
+          <a:xfrm>
+            <a:off x="11422935" y="1728216"/>
+            <a:ext cx="449659" cy="523240"/>
+          </a:xfrm>
+          <a:prstGeom prst="rect">
+            <a:avLst/>
+          </a:prstGeom>
+          <a:noFill/>
+          <a:extLst>
+            <a:ext uri="{909E8E84-426E-40DD-AFC4-6F175D3DCCD1}">
+              <a14:hiddenFill xmlns:a14="http://schemas.microsoft.com/office/drawing/2010/main">
+                <a:solidFill>
+                  <a:srgbClr val="FFFFFF"/>
+                </a:solidFill>
+              </a14:hiddenFill>
+            </a:ext>
+          </a:extLst>
+        </p:spPr>
+      </p:pic>
+      <p:sp>
+        <p:nvSpPr>
+          <p:cNvPr id="6" name="ZoneTexte 5">
+            <a:extLst>
+              <a:ext uri="{FF2B5EF4-FFF2-40B4-BE49-F238E27FC236}">
+                <a16:creationId xmlns:a16="http://schemas.microsoft.com/office/drawing/2014/main" id="{AEFD5A99-E3CF-2C1C-8E83-C187FF550E65}"/>
+              </a:ext>
+            </a:extLst>
+          </p:cNvPr>
+          <p:cNvSpPr txBox="1"/>
+          <p:nvPr/>
+        </p:nvSpPr>
+        <p:spPr>
+          <a:xfrm>
+            <a:off x="822959" y="4372625"/>
+            <a:ext cx="4765173" cy="646331"/>
+          </a:xfrm>
+          <a:prstGeom prst="rect">
+            <a:avLst/>
+          </a:prstGeom>
+          <a:solidFill>
+            <a:schemeClr val="accent1">
+              <a:lumMod val="40000"/>
+              <a:lumOff val="60000"/>
+            </a:schemeClr>
+          </a:solidFill>
+        </p:spPr>
+        <p:txBody>
+          <a:bodyPr wrap="square" rtlCol="0">
+            <a:spAutoFit/>
+          </a:bodyPr>
+          <a:lstStyle/>
+          <a:p>
+            <a:r>
+              <a:rPr lang="fr-FR" dirty="0"/>
+              <a:t>lg </a:t>
+            </a:r>
+            <a:r>
+              <a:rPr lang="fr-FR" b="1" dirty="0"/>
+              <a:t>=</a:t>
+            </a:r>
+            <a:r>
+              <a:rPr lang="fr-FR" dirty="0"/>
+              <a:t> </a:t>
+            </a:r>
+            <a:r>
+              <a:rPr lang="fr-FR" i="1" dirty="0" err="1"/>
+              <a:t>sympy</a:t>
+            </a:r>
+            <a:r>
+              <a:rPr lang="fr-FR" dirty="0" err="1"/>
+              <a:t>.</a:t>
+            </a:r>
+            <a:r>
+              <a:rPr lang="fr-FR" b="1" dirty="0" err="1"/>
+              <a:t>limit</a:t>
+            </a:r>
+            <a:r>
+              <a:rPr lang="fr-FR" dirty="0"/>
+              <a:t>(g, x, </a:t>
+            </a:r>
+            <a:r>
+              <a:rPr lang="fr-FR" i="1" dirty="0" err="1"/>
+              <a:t>sympy</a:t>
+            </a:r>
+            <a:r>
+              <a:rPr lang="fr-FR" dirty="0" err="1"/>
+              <a:t>.</a:t>
+            </a:r>
+            <a:r>
+              <a:rPr lang="fr-FR" b="1" dirty="0" err="1"/>
+              <a:t>pi</a:t>
+            </a:r>
+            <a:r>
+              <a:rPr lang="fr-FR" dirty="0"/>
+              <a:t>)</a:t>
+            </a:r>
+          </a:p>
+          <a:p>
+            <a:r>
+              <a:rPr lang="fr-FR" dirty="0"/>
+              <a:t>lg</a:t>
+            </a:r>
+          </a:p>
+        </p:txBody>
+      </p:sp>
+      <p:sp>
+        <p:nvSpPr>
+          <p:cNvPr id="11" name="ZoneTexte 10">
+            <a:extLst>
+              <a:ext uri="{FF2B5EF4-FFF2-40B4-BE49-F238E27FC236}">
+                <a16:creationId xmlns:a16="http://schemas.microsoft.com/office/drawing/2014/main" id="{749C4619-CBA7-331E-98D1-87CB9CB976E1}"/>
+              </a:ext>
+            </a:extLst>
+          </p:cNvPr>
+          <p:cNvSpPr txBox="1"/>
+          <p:nvPr/>
+        </p:nvSpPr>
+        <p:spPr>
+          <a:xfrm>
+            <a:off x="6345936" y="3302376"/>
+            <a:ext cx="4765173" cy="1200329"/>
+          </a:xfrm>
+          <a:prstGeom prst="rect">
+            <a:avLst/>
+          </a:prstGeom>
+          <a:solidFill>
+            <a:schemeClr val="accent1">
+              <a:lumMod val="40000"/>
+              <a:lumOff val="60000"/>
+            </a:schemeClr>
+          </a:solidFill>
+        </p:spPr>
+        <p:txBody>
+          <a:bodyPr wrap="square" rtlCol="0">
+            <a:spAutoFit/>
+          </a:bodyPr>
+          <a:lstStyle/>
+          <a:p>
+            <a:r>
+              <a:rPr lang="fr-FR" dirty="0"/>
+              <a:t>h </a:t>
+            </a:r>
+            <a:r>
+              <a:rPr lang="fr-FR" b="1" dirty="0"/>
+              <a:t>=</a:t>
+            </a:r>
+            <a:r>
+              <a:rPr lang="fr-FR" dirty="0"/>
+              <a:t> 2*</a:t>
+            </a:r>
+            <a:r>
+              <a:rPr lang="fr-FR" i="1" dirty="0" err="1"/>
+              <a:t>sympy</a:t>
+            </a:r>
+            <a:r>
+              <a:rPr lang="fr-FR" dirty="0" err="1"/>
+              <a:t>.</a:t>
+            </a:r>
+            <a:r>
+              <a:rPr lang="fr-FR" b="1" dirty="0" err="1"/>
+              <a:t>exp</a:t>
+            </a:r>
+            <a:r>
+              <a:rPr lang="fr-FR" dirty="0"/>
+              <a:t>(1/x)/(</a:t>
+            </a:r>
+            <a:r>
+              <a:rPr lang="fr-FR" i="1" dirty="0" err="1"/>
+              <a:t>sympy</a:t>
+            </a:r>
+            <a:r>
+              <a:rPr lang="fr-FR" dirty="0" err="1"/>
+              <a:t>.</a:t>
+            </a:r>
+            <a:r>
+              <a:rPr lang="fr-FR" b="1" dirty="0" err="1"/>
+              <a:t>exp</a:t>
+            </a:r>
+            <a:r>
+              <a:rPr lang="fr-FR" dirty="0"/>
+              <a:t>(1/x)+1)</a:t>
+            </a:r>
+          </a:p>
+          <a:p>
+            <a:r>
+              <a:rPr lang="fr-FR" dirty="0"/>
+              <a:t>h</a:t>
+            </a:r>
+          </a:p>
+          <a:p>
+            <a:r>
+              <a:rPr lang="fr-FR" dirty="0" err="1"/>
+              <a:t>lhplus</a:t>
+            </a:r>
+            <a:r>
+              <a:rPr lang="fr-FR" dirty="0"/>
+              <a:t> </a:t>
+            </a:r>
+            <a:r>
+              <a:rPr lang="fr-FR" b="1" dirty="0"/>
+              <a:t>=</a:t>
+            </a:r>
+            <a:r>
+              <a:rPr lang="fr-FR" dirty="0"/>
+              <a:t> </a:t>
+            </a:r>
+            <a:r>
+              <a:rPr lang="fr-FR" i="1" dirty="0" err="1"/>
+              <a:t>sympy</a:t>
+            </a:r>
+            <a:r>
+              <a:rPr lang="fr-FR" dirty="0" err="1"/>
+              <a:t>.</a:t>
+            </a:r>
+            <a:r>
+              <a:rPr lang="fr-FR" b="1" dirty="0" err="1"/>
+              <a:t>limit</a:t>
+            </a:r>
+            <a:r>
+              <a:rPr lang="fr-FR" dirty="0"/>
+              <a:t>(h, x, 0, </a:t>
+            </a:r>
+            <a:r>
+              <a:rPr lang="fr-FR" dirty="0" err="1"/>
+              <a:t>dir</a:t>
+            </a:r>
+            <a:r>
+              <a:rPr lang="fr-FR" dirty="0"/>
+              <a:t>='+')</a:t>
+            </a:r>
+          </a:p>
+          <a:p>
+            <a:r>
+              <a:rPr lang="fr-FR" dirty="0" err="1"/>
+              <a:t>lhplus</a:t>
+            </a:r>
+            <a:endParaRPr lang="fr-FR" dirty="0"/>
+          </a:p>
+        </p:txBody>
+      </p:sp>
+      <p:sp>
+        <p:nvSpPr>
+          <p:cNvPr id="13" name="ZoneTexte 12">
+            <a:extLst>
+              <a:ext uri="{FF2B5EF4-FFF2-40B4-BE49-F238E27FC236}">
+                <a16:creationId xmlns:a16="http://schemas.microsoft.com/office/drawing/2014/main" id="{71A637E6-BA41-CCC6-E0C2-4D39E40B9096}"/>
+              </a:ext>
+            </a:extLst>
+          </p:cNvPr>
+          <p:cNvSpPr txBox="1"/>
+          <p:nvPr/>
+        </p:nvSpPr>
+        <p:spPr>
+          <a:xfrm>
+            <a:off x="6345936" y="4613016"/>
+            <a:ext cx="4765173" cy="1200329"/>
+          </a:xfrm>
+          <a:prstGeom prst="rect">
+            <a:avLst/>
+          </a:prstGeom>
+          <a:solidFill>
+            <a:schemeClr val="accent1">
+              <a:lumMod val="40000"/>
+              <a:lumOff val="60000"/>
+            </a:schemeClr>
+          </a:solidFill>
+        </p:spPr>
+        <p:txBody>
+          <a:bodyPr wrap="square" rtlCol="0">
+            <a:spAutoFit/>
+          </a:bodyPr>
+          <a:lstStyle/>
+          <a:p>
+            <a:r>
+              <a:rPr lang="fr-FR" dirty="0"/>
+              <a:t>m </a:t>
+            </a:r>
+            <a:r>
+              <a:rPr lang="fr-FR" b="1" dirty="0"/>
+              <a:t>=</a:t>
+            </a:r>
+            <a:r>
+              <a:rPr lang="fr-FR" dirty="0"/>
+              <a:t> (</a:t>
+            </a:r>
+            <a:r>
+              <a:rPr lang="fr-FR" i="1" dirty="0" err="1"/>
+              <a:t>sympy</a:t>
+            </a:r>
+            <a:r>
+              <a:rPr lang="fr-FR" dirty="0" err="1"/>
+              <a:t>.</a:t>
+            </a:r>
+            <a:r>
+              <a:rPr lang="fr-FR" b="1" dirty="0" err="1"/>
+              <a:t>cos</a:t>
+            </a:r>
+            <a:r>
+              <a:rPr lang="fr-FR" dirty="0"/>
+              <a:t>(x)-1)/x</a:t>
+            </a:r>
+          </a:p>
+          <a:p>
+            <a:r>
+              <a:rPr lang="fr-FR" dirty="0"/>
+              <a:t>m</a:t>
+            </a:r>
+          </a:p>
+          <a:p>
+            <a:r>
+              <a:rPr lang="fr-FR" dirty="0"/>
+              <a:t>lm </a:t>
+            </a:r>
+            <a:r>
+              <a:rPr lang="fr-FR" b="1" dirty="0"/>
+              <a:t>=</a:t>
+            </a:r>
+            <a:r>
+              <a:rPr lang="fr-FR" dirty="0"/>
+              <a:t> </a:t>
+            </a:r>
+            <a:r>
+              <a:rPr lang="fr-FR" i="1" dirty="0" err="1"/>
+              <a:t>sympy</a:t>
+            </a:r>
+            <a:r>
+              <a:rPr lang="fr-FR" dirty="0" err="1"/>
+              <a:t>.</a:t>
+            </a:r>
+            <a:r>
+              <a:rPr lang="fr-FR" b="1" dirty="0" err="1"/>
+              <a:t>limit</a:t>
+            </a:r>
+            <a:r>
+              <a:rPr lang="fr-FR" dirty="0"/>
+              <a:t>(m, x, </a:t>
+            </a:r>
+            <a:r>
+              <a:rPr lang="fr-FR" i="1" dirty="0" err="1"/>
+              <a:t>sympy</a:t>
+            </a:r>
+            <a:r>
+              <a:rPr lang="fr-FR" dirty="0" err="1"/>
+              <a:t>.</a:t>
+            </a:r>
+            <a:r>
+              <a:rPr lang="fr-FR" b="1" dirty="0" err="1"/>
+              <a:t>oo</a:t>
+            </a:r>
+            <a:r>
+              <a:rPr lang="fr-FR" dirty="0"/>
+              <a:t>)</a:t>
+            </a:r>
+          </a:p>
+          <a:p>
+            <a:r>
+              <a:rPr lang="fr-FR" dirty="0" err="1"/>
+              <a:t>print</a:t>
+            </a:r>
+            <a:r>
+              <a:rPr lang="fr-FR" dirty="0"/>
+              <a:t>(</a:t>
+            </a:r>
+            <a:r>
+              <a:rPr lang="fr-FR" dirty="0" err="1"/>
+              <a:t>f'Limit</a:t>
+            </a:r>
+            <a:r>
+              <a:rPr lang="fr-FR" dirty="0"/>
+              <a:t> in +</a:t>
+            </a:r>
+            <a:r>
+              <a:rPr lang="fr-FR" dirty="0" err="1"/>
+              <a:t>inf</a:t>
+            </a:r>
+            <a:r>
+              <a:rPr lang="fr-FR" dirty="0"/>
+              <a:t> = {lm}')</a:t>
+            </a:r>
+          </a:p>
+        </p:txBody>
+      </p:sp>
+      <p:pic>
+        <p:nvPicPr>
+          <p:cNvPr id="8" name="Picture 8" descr="Résultat de recherche d'images pour &quot;spyder logo&quot;">
+            <a:extLst>
+              <a:ext uri="{FF2B5EF4-FFF2-40B4-BE49-F238E27FC236}">
+                <a16:creationId xmlns:a16="http://schemas.microsoft.com/office/drawing/2014/main" id="{BCFD813A-057B-CC90-5277-E9DE2A6AFF11}"/>
+              </a:ext>
+            </a:extLst>
+          </p:cNvPr>
+          <p:cNvPicPr>
+            <a:picLocks noChangeAspect="1" noChangeArrowheads="1"/>
+          </p:cNvPicPr>
+          <p:nvPr/>
+        </p:nvPicPr>
+        <p:blipFill>
+          <a:blip r:embed="rId5">
+            <a:extLst>
+              <a:ext uri="{28A0092B-C50C-407E-A947-70E740481C1C}">
+                <a14:useLocalDpi xmlns:a14="http://schemas.microsoft.com/office/drawing/2010/main" val="0"/>
+              </a:ext>
+            </a:extLst>
+          </a:blip>
+          <a:srcRect/>
+          <a:stretch>
+            <a:fillRect/>
+          </a:stretch>
+        </p:blipFill>
+        <p:spPr bwMode="auto">
+          <a:xfrm>
+            <a:off x="10162526" y="1757291"/>
+            <a:ext cx="947620" cy="473810"/>
+          </a:xfrm>
+          <a:prstGeom prst="rect">
+            <a:avLst/>
+          </a:prstGeom>
+          <a:noFill/>
+          <a:extLst>
+            <a:ext uri="{909E8E84-426E-40DD-AFC4-6F175D3DCCD1}">
+              <a14:hiddenFill xmlns:a14="http://schemas.microsoft.com/office/drawing/2010/main">
+                <a:solidFill>
+                  <a:srgbClr val="FFFFFF"/>
+                </a:solidFill>
+              </a14:hiddenFill>
+            </a:ext>
+          </a:extLst>
+        </p:spPr>
+      </p:pic>
+    </p:spTree>
+    <p:extLst>
+      <p:ext uri="{BB962C8B-B14F-4D97-AF65-F5344CB8AC3E}">
+        <p14:creationId xmlns:p14="http://schemas.microsoft.com/office/powerpoint/2010/main" val="403736579"/>
+      </p:ext>
+    </p:extLst>
+  </p:cSld>
+  <p:clrMapOvr>
+    <a:masterClrMapping/>
+  </p:clrMapOvr>
+</p:sld>
+</file>
+
+<file path=ppt/slides/slide17.xml><?xml version="1.0" encoding="utf-8"?>
+<p:sld xmlns:a="http://schemas.openxmlformats.org/drawingml/2006/main" xmlns:r="http://schemas.openxmlformats.org/officeDocument/2006/relationships" xmlns:p="http://schemas.openxmlformats.org/presentationml/2006/main">
+  <p:cSld>
+    <p:spTree>
+      <p:nvGrpSpPr>
+        <p:cNvPr id="1" name=""/>
+        <p:cNvGrpSpPr/>
+        <p:nvPr/>
+      </p:nvGrpSpPr>
+      <p:grpSpPr>
+        <a:xfrm>
+          <a:off x="0" y="0"/>
+          <a:ext cx="0" cy="0"/>
+          <a:chOff x="0" y="0"/>
+          <a:chExt cx="0" cy="0"/>
+        </a:xfrm>
+      </p:grpSpPr>
+      <p:sp>
+        <p:nvSpPr>
+          <p:cNvPr id="2" name="Titre 1">
+            <a:extLst>
+              <a:ext uri="{FF2B5EF4-FFF2-40B4-BE49-F238E27FC236}">
+                <a16:creationId xmlns:a16="http://schemas.microsoft.com/office/drawing/2014/main" id="{90162AE8-C1B0-5C56-8313-DEE494F38273}"/>
+              </a:ext>
+            </a:extLst>
+          </p:cNvPr>
+          <p:cNvSpPr>
+            <a:spLocks noGrp="1"/>
+          </p:cNvSpPr>
+          <p:nvPr>
+            <p:ph type="title"/>
+          </p:nvPr>
+        </p:nvSpPr>
+        <p:spPr/>
+        <p:txBody>
+          <a:bodyPr>
+            <a:normAutofit/>
+          </a:bodyPr>
+          <a:lstStyle/>
+          <a:p>
+            <a:r>
+              <a:rPr lang="fr-FR" dirty="0" err="1"/>
+              <a:t>SymPy</a:t>
+            </a:r>
+            <a:r>
+              <a:rPr lang="fr-FR" dirty="0"/>
+              <a:t> pour le calcul formel</a:t>
+            </a:r>
+          </a:p>
+        </p:txBody>
+      </p:sp>
+      <p:sp>
+        <p:nvSpPr>
+          <p:cNvPr id="3" name="Espace réservé du contenu 2">
+            <a:extLst>
+              <a:ext uri="{FF2B5EF4-FFF2-40B4-BE49-F238E27FC236}">
+                <a16:creationId xmlns:a16="http://schemas.microsoft.com/office/drawing/2014/main" id="{E0BBB9DE-019C-C741-F224-494739D4B752}"/>
+              </a:ext>
+            </a:extLst>
+          </p:cNvPr>
+          <p:cNvSpPr>
+            <a:spLocks noGrp="1"/>
+          </p:cNvSpPr>
+          <p:nvPr>
+            <p:ph sz="half" idx="1"/>
+          </p:nvPr>
+        </p:nvSpPr>
+        <p:spPr/>
+        <p:txBody>
+          <a:bodyPr/>
+          <a:lstStyle/>
+          <a:p>
+            <a:r>
+              <a:rPr lang="fr-FR" dirty="0" err="1"/>
+              <a:t>Caculer</a:t>
+            </a:r>
+            <a:r>
+              <a:rPr lang="fr-FR" dirty="0"/>
+              <a:t> des dérivées…</a:t>
+            </a:r>
+          </a:p>
+        </p:txBody>
+      </p:sp>
+      <p:pic>
+        <p:nvPicPr>
+          <p:cNvPr id="5" name="Image 4" descr="Une image contenant texte&#10;&#10;Description générée automatiquement">
+            <a:extLst>
+              <a:ext uri="{FF2B5EF4-FFF2-40B4-BE49-F238E27FC236}">
+                <a16:creationId xmlns:a16="http://schemas.microsoft.com/office/drawing/2014/main" id="{66D2630B-81F4-A4EB-21BA-8B90CF30BD92}"/>
+              </a:ext>
+            </a:extLst>
+          </p:cNvPr>
+          <p:cNvPicPr>
+            <a:picLocks noChangeAspect="1"/>
+          </p:cNvPicPr>
+          <p:nvPr/>
+        </p:nvPicPr>
+        <p:blipFill>
+          <a:blip r:embed="rId2">
+            <a:extLst>
+              <a:ext uri="{28A0092B-C50C-407E-A947-70E740481C1C}">
+                <a14:useLocalDpi xmlns:a14="http://schemas.microsoft.com/office/drawing/2010/main" val="0"/>
+              </a:ext>
+            </a:extLst>
+          </a:blip>
+          <a:stretch>
+            <a:fillRect/>
+          </a:stretch>
+        </p:blipFill>
+        <p:spPr>
+          <a:xfrm>
+            <a:off x="202922" y="5934456"/>
+            <a:ext cx="1825291" cy="749808"/>
+          </a:xfrm>
+          <a:prstGeom prst="rect">
+            <a:avLst/>
+          </a:prstGeom>
+        </p:spPr>
+      </p:pic>
+      <p:sp>
+        <p:nvSpPr>
+          <p:cNvPr id="4" name="Espace réservé du numéro de diapositive 3">
+            <a:extLst>
+              <a:ext uri="{FF2B5EF4-FFF2-40B4-BE49-F238E27FC236}">
+                <a16:creationId xmlns:a16="http://schemas.microsoft.com/office/drawing/2014/main" id="{F08CDEFC-50F0-4C47-46AC-D28A2807E4F8}"/>
+              </a:ext>
+            </a:extLst>
+          </p:cNvPr>
+          <p:cNvSpPr>
+            <a:spLocks noGrp="1"/>
+          </p:cNvSpPr>
+          <p:nvPr>
+            <p:ph type="sldNum" sz="quarter" idx="12"/>
+          </p:nvPr>
+        </p:nvSpPr>
+        <p:spPr/>
+        <p:txBody>
+          <a:bodyPr/>
+          <a:lstStyle/>
+          <a:p>
+            <a:fld id="{B2DC25EE-239B-4C5F-AAD1-255A7D5F1EE2}" type="slidenum">
+              <a:rPr lang="en-US" smtClean="0"/>
+              <a:t>17</a:t>
             </a:fld>
             <a:endParaRPr lang="en-US" dirty="0"/>
           </a:p>
@@ -10235,7 +12091,7 @@
           <a:p>
             <a:r>
               <a:rPr lang="fr-FR" dirty="0"/>
-              <a:t>Intégrales</a:t>
+              <a:t>…ou des intégrales</a:t>
             </a:r>
           </a:p>
         </p:txBody>
@@ -10538,7 +12394,7 @@
 </p:sld>
 </file>
 
-<file path=ppt/slides/slide15.xml><?xml version="1.0" encoding="utf-8"?>
+<file path=ppt/slides/slide18.xml><?xml version="1.0" encoding="utf-8"?>
 <p:sld xmlns:a="http://schemas.openxmlformats.org/drawingml/2006/main" xmlns:r="http://schemas.openxmlformats.org/officeDocument/2006/relationships" xmlns:p="http://schemas.openxmlformats.org/presentationml/2006/main">
   <p:cSld>
     <p:spTree>
@@ -10579,12 +12435,8 @@
           <a:lstStyle/>
           <a:p>
             <a:r>
-              <a:rPr lang="fr-FR" dirty="0" err="1"/>
-              <a:t>SymPy</a:t>
-            </a:r>
-            <a:r>
               <a:rPr lang="fr-FR" dirty="0"/>
-              <a:t> pour le calcul formel</a:t>
+              <a:t>Calcul symbolique (ou formel)</a:t>
             </a:r>
           </a:p>
         </p:txBody>
@@ -10611,49 +12463,12 @@
           <a:lstStyle/>
           <a:p>
             <a:r>
-              <a:rPr lang="fr-FR" dirty="0" smtClean="0"/>
-              <a:t>Dérivées (affichage)</a:t>
-            </a:r>
-            <a:endParaRPr lang="fr-FR" dirty="0"/>
-          </a:p>
-        </p:txBody>
-      </p:sp>
-      <p:pic>
-        <p:nvPicPr>
-          <p:cNvPr id="5" name="Image 4" descr="Une image contenant texte&#10;&#10;Description générée automatiquement">
-            <a:extLst>
-              <a:ext uri="{FF2B5EF4-FFF2-40B4-BE49-F238E27FC236}">
-                <a16:creationId xmlns:a16="http://schemas.microsoft.com/office/drawing/2014/main" id="{66D2630B-81F4-A4EB-21BA-8B90CF30BD92}"/>
-              </a:ext>
-            </a:extLst>
-          </p:cNvPr>
-          <p:cNvPicPr>
-            <a:picLocks noChangeAspect="1"/>
-          </p:cNvPicPr>
-          <p:nvPr/>
-        </p:nvPicPr>
-        <p:blipFill>
-          <a:blip r:embed="rId2">
-            <a:extLst>
-              <a:ext uri="{28A0092B-C50C-407E-A947-70E740481C1C}">
-                <a14:useLocalDpi xmlns:a14="http://schemas.microsoft.com/office/drawing/2010/main" val="0"/>
-              </a:ext>
-            </a:extLst>
-          </a:blip>
-          <a:stretch>
-            <a:fillRect/>
-          </a:stretch>
-        </p:blipFill>
-        <p:spPr>
-          <a:xfrm>
-            <a:off x="202922" y="5934456"/>
-            <a:ext cx="1825291" cy="749808"/>
-          </a:xfrm>
-          <a:prstGeom prst="rect">
-            <a:avLst/>
-          </a:prstGeom>
-        </p:spPr>
-      </p:pic>
+              <a:rPr lang="fr-FR" dirty="0"/>
+              <a:t>Résolution formelle</a:t>
+            </a:r>
+          </a:p>
+        </p:txBody>
+      </p:sp>
       <p:sp>
         <p:nvSpPr>
           <p:cNvPr id="4" name="Espace réservé du numéro de diapositive 3">
@@ -10677,747 +12492,7 @@
           <a:p>
             <a:fld id="{B2DC25EE-239B-4C5F-AAD1-255A7D5F1EE2}" type="slidenum">
               <a:rPr lang="en-US" smtClean="0"/>
-              <a:t>15</a:t>
-            </a:fld>
-            <a:endParaRPr lang="en-US" dirty="0"/>
-          </a:p>
-        </p:txBody>
-      </p:sp>
-      <p:pic>
-        <p:nvPicPr>
-          <p:cNvPr id="1026" name="Picture 2" descr="SymPy Logo">
-            <a:extLst>
-              <a:ext uri="{FF2B5EF4-FFF2-40B4-BE49-F238E27FC236}">
-                <a16:creationId xmlns:a16="http://schemas.microsoft.com/office/drawing/2014/main" id="{6F826F4C-FC0E-452A-4FE2-7AD4240C9A6B}"/>
-              </a:ext>
-            </a:extLst>
-          </p:cNvPr>
-          <p:cNvPicPr>
-            <a:picLocks noChangeAspect="1" noChangeArrowheads="1"/>
-          </p:cNvPicPr>
-          <p:nvPr/>
-        </p:nvPicPr>
-        <p:blipFill>
-          <a:blip r:embed="rId3">
-            <a:extLst>
-              <a:ext uri="{28A0092B-C50C-407E-A947-70E740481C1C}">
-                <a14:useLocalDpi xmlns:a14="http://schemas.microsoft.com/office/drawing/2010/main" val="0"/>
-              </a:ext>
-            </a:extLst>
-          </a:blip>
-          <a:srcRect/>
-          <a:stretch>
-            <a:fillRect/>
-          </a:stretch>
-        </p:blipFill>
-        <p:spPr bwMode="auto">
-          <a:xfrm>
-            <a:off x="9915213" y="655319"/>
-            <a:ext cx="915348" cy="613283"/>
-          </a:xfrm>
-          <a:prstGeom prst="rect">
-            <a:avLst/>
-          </a:prstGeom>
-          <a:noFill/>
-          <a:extLst>
-            <a:ext uri="{909E8E84-426E-40DD-AFC4-6F175D3DCCD1}">
-              <a14:hiddenFill xmlns:a14="http://schemas.microsoft.com/office/drawing/2010/main">
-                <a:solidFill>
-                  <a:srgbClr val="FFFFFF"/>
-                </a:solidFill>
-              </a14:hiddenFill>
-            </a:ext>
-          </a:extLst>
-        </p:spPr>
-      </p:pic>
-      <p:sp>
-        <p:nvSpPr>
-          <p:cNvPr id="7" name="ZoneTexte 6">
-            <a:extLst>
-              <a:ext uri="{FF2B5EF4-FFF2-40B4-BE49-F238E27FC236}">
-                <a16:creationId xmlns:a16="http://schemas.microsoft.com/office/drawing/2014/main" id="{F0FBF19C-22B5-76E5-0F93-DF8BB4A2F385}"/>
-              </a:ext>
-            </a:extLst>
-          </p:cNvPr>
-          <p:cNvSpPr txBox="1"/>
-          <p:nvPr/>
-        </p:nvSpPr>
-        <p:spPr>
-          <a:xfrm>
-            <a:off x="822960" y="3302376"/>
-            <a:ext cx="4765173" cy="369332"/>
-          </a:xfrm>
-          <a:prstGeom prst="rect">
-            <a:avLst/>
-          </a:prstGeom>
-          <a:solidFill>
-            <a:schemeClr val="accent1">
-              <a:lumMod val="40000"/>
-              <a:lumOff val="60000"/>
-            </a:schemeClr>
-          </a:solidFill>
-        </p:spPr>
-        <p:txBody>
-          <a:bodyPr wrap="square" rtlCol="0">
-            <a:spAutoFit/>
-          </a:bodyPr>
-          <a:lstStyle/>
-          <a:p>
-            <a:r>
-              <a:rPr lang="fr-FR" dirty="0" err="1" smtClean="0"/>
-              <a:t>Derivative</a:t>
-            </a:r>
-            <a:r>
-              <a:rPr lang="fr-FR" dirty="0" smtClean="0"/>
-              <a:t> !!!</a:t>
-            </a:r>
-            <a:endParaRPr lang="fr-FR" dirty="0"/>
-          </a:p>
-        </p:txBody>
-      </p:sp>
-      <p:pic>
-        <p:nvPicPr>
-          <p:cNvPr id="2051" name="Picture 3">
-            <a:extLst>
-              <a:ext uri="{FF2B5EF4-FFF2-40B4-BE49-F238E27FC236}">
-                <a16:creationId xmlns:a16="http://schemas.microsoft.com/office/drawing/2014/main" id="{3BB5514F-6568-D4F1-89C4-C79629C862E1}"/>
-              </a:ext>
-            </a:extLst>
-          </p:cNvPr>
-          <p:cNvPicPr>
-            <a:picLocks noChangeAspect="1" noChangeArrowheads="1"/>
-          </p:cNvPicPr>
-          <p:nvPr/>
-        </p:nvPicPr>
-        <p:blipFill>
-          <a:blip r:embed="rId4">
-            <a:extLst>
-              <a:ext uri="{28A0092B-C50C-407E-A947-70E740481C1C}">
-                <a14:useLocalDpi xmlns:a14="http://schemas.microsoft.com/office/drawing/2010/main" val="0"/>
-              </a:ext>
-            </a:extLst>
-          </a:blip>
-          <a:srcRect/>
-          <a:stretch>
-            <a:fillRect/>
-          </a:stretch>
-        </p:blipFill>
-        <p:spPr bwMode="auto">
-          <a:xfrm>
-            <a:off x="11422935" y="1728216"/>
-            <a:ext cx="449659" cy="523240"/>
-          </a:xfrm>
-          <a:prstGeom prst="rect">
-            <a:avLst/>
-          </a:prstGeom>
-          <a:noFill/>
-          <a:extLst>
-            <a:ext uri="{909E8E84-426E-40DD-AFC4-6F175D3DCCD1}">
-              <a14:hiddenFill xmlns:a14="http://schemas.microsoft.com/office/drawing/2010/main">
-                <a:solidFill>
-                  <a:srgbClr val="FFFFFF"/>
-                </a:solidFill>
-              </a14:hiddenFill>
-            </a:ext>
-          </a:extLst>
-        </p:spPr>
-      </p:pic>
-      <p:sp>
-        <p:nvSpPr>
-          <p:cNvPr id="14" name="Espace réservé du contenu 2">
-            <a:extLst>
-              <a:ext uri="{FF2B5EF4-FFF2-40B4-BE49-F238E27FC236}">
-                <a16:creationId xmlns:a16="http://schemas.microsoft.com/office/drawing/2014/main" id="{828AE434-2996-F934-D9D1-020DEED9A1E7}"/>
-              </a:ext>
-            </a:extLst>
-          </p:cNvPr>
-          <p:cNvSpPr txBox="1">
-            <a:spLocks/>
-          </p:cNvSpPr>
-          <p:nvPr/>
-        </p:nvSpPr>
-        <p:spPr>
-          <a:xfrm>
-            <a:off x="6638544" y="2478024"/>
-            <a:ext cx="4937760" cy="3694176"/>
-          </a:xfrm>
-          <a:prstGeom prst="rect">
-            <a:avLst/>
-          </a:prstGeom>
-        </p:spPr>
-        <p:txBody>
-          <a:bodyPr vert="horz" lIns="91440" tIns="45720" rIns="91440" bIns="45720" rtlCol="0">
-            <a:normAutofit/>
-          </a:bodyPr>
-          <a:lstStyle>
-            <a:lvl1pPr marL="228600" indent="-228600" algn="l" defTabSz="914400" rtl="0" eaLnBrk="1" latinLnBrk="0" hangingPunct="1">
-              <a:lnSpc>
-                <a:spcPct val="110000"/>
-              </a:lnSpc>
-              <a:spcBef>
-                <a:spcPts val="1000"/>
-              </a:spcBef>
-              <a:buFont typeface="Arial" panose="020B0604020202020204" pitchFamily="34" charset="0"/>
-              <a:buChar char="•"/>
-              <a:defRPr sz="2800" kern="1200">
-                <a:solidFill>
-                  <a:schemeClr val="tx1"/>
-                </a:solidFill>
-                <a:latin typeface="+mn-lt"/>
-                <a:ea typeface="+mn-ea"/>
-                <a:cs typeface="+mn-cs"/>
-              </a:defRPr>
-            </a:lvl1pPr>
-            <a:lvl2pPr marL="685800" indent="-228600" algn="l" defTabSz="914400" rtl="0" eaLnBrk="1" latinLnBrk="0" hangingPunct="1">
-              <a:lnSpc>
-                <a:spcPct val="110000"/>
-              </a:lnSpc>
-              <a:spcBef>
-                <a:spcPts val="500"/>
-              </a:spcBef>
-              <a:buFont typeface="Arial" panose="020B0604020202020204" pitchFamily="34" charset="0"/>
-              <a:buChar char="•"/>
-              <a:defRPr sz="2400" kern="1200">
-                <a:solidFill>
-                  <a:schemeClr val="tx1"/>
-                </a:solidFill>
-                <a:latin typeface="+mn-lt"/>
-                <a:ea typeface="+mn-ea"/>
-                <a:cs typeface="+mn-cs"/>
-              </a:defRPr>
-            </a:lvl2pPr>
-            <a:lvl3pPr marL="1143000" indent="-228600" algn="l" defTabSz="914400" rtl="0" eaLnBrk="1" latinLnBrk="0" hangingPunct="1">
-              <a:lnSpc>
-                <a:spcPct val="110000"/>
-              </a:lnSpc>
-              <a:spcBef>
-                <a:spcPts val="500"/>
-              </a:spcBef>
-              <a:buFont typeface="Arial" panose="020B0604020202020204" pitchFamily="34" charset="0"/>
-              <a:buChar char="•"/>
-              <a:defRPr sz="2000" kern="1200">
-                <a:solidFill>
-                  <a:schemeClr val="tx1"/>
-                </a:solidFill>
-                <a:latin typeface="+mn-lt"/>
-                <a:ea typeface="+mn-ea"/>
-                <a:cs typeface="+mn-cs"/>
-              </a:defRPr>
-            </a:lvl3pPr>
-            <a:lvl4pPr marL="1600200" indent="-228600" algn="l" defTabSz="914400" rtl="0" eaLnBrk="1" latinLnBrk="0" hangingPunct="1">
-              <a:lnSpc>
-                <a:spcPct val="110000"/>
-              </a:lnSpc>
-              <a:spcBef>
-                <a:spcPts val="500"/>
-              </a:spcBef>
-              <a:buFont typeface="Arial" panose="020B0604020202020204" pitchFamily="34" charset="0"/>
-              <a:buChar char="•"/>
-              <a:defRPr sz="1800" kern="1200">
-                <a:solidFill>
-                  <a:schemeClr val="tx1"/>
-                </a:solidFill>
-                <a:latin typeface="+mn-lt"/>
-                <a:ea typeface="+mn-ea"/>
-                <a:cs typeface="+mn-cs"/>
-              </a:defRPr>
-            </a:lvl4pPr>
-            <a:lvl5pPr marL="2057400" indent="-228600" algn="l" defTabSz="914400" rtl="0" eaLnBrk="1" latinLnBrk="0" hangingPunct="1">
-              <a:lnSpc>
-                <a:spcPct val="110000"/>
-              </a:lnSpc>
-              <a:spcBef>
-                <a:spcPts val="500"/>
-              </a:spcBef>
-              <a:buFont typeface="Arial" panose="020B0604020202020204" pitchFamily="34" charset="0"/>
-              <a:buChar char="•"/>
-              <a:defRPr sz="1800" kern="1200">
-                <a:solidFill>
-                  <a:schemeClr val="tx1"/>
-                </a:solidFill>
-                <a:latin typeface="+mn-lt"/>
-                <a:ea typeface="+mn-ea"/>
-                <a:cs typeface="+mn-cs"/>
-              </a:defRPr>
-            </a:lvl5pPr>
-            <a:lvl6pPr marL="2514600" indent="-228600" algn="l" defTabSz="914400" rtl="0" eaLnBrk="1" latinLnBrk="0" hangingPunct="1">
-              <a:lnSpc>
-                <a:spcPct val="90000"/>
-              </a:lnSpc>
-              <a:spcBef>
-                <a:spcPts val="500"/>
-              </a:spcBef>
-              <a:buFont typeface="Arial" panose="020B0604020202020204" pitchFamily="34" charset="0"/>
-              <a:buChar char="•"/>
-              <a:defRPr sz="1800" kern="1200">
-                <a:solidFill>
-                  <a:schemeClr val="tx1"/>
-                </a:solidFill>
-                <a:latin typeface="+mn-lt"/>
-                <a:ea typeface="+mn-ea"/>
-                <a:cs typeface="+mn-cs"/>
-              </a:defRPr>
-            </a:lvl6pPr>
-            <a:lvl7pPr marL="2971800" indent="-228600" algn="l" defTabSz="914400" rtl="0" eaLnBrk="1" latinLnBrk="0" hangingPunct="1">
-              <a:lnSpc>
-                <a:spcPct val="90000"/>
-              </a:lnSpc>
-              <a:spcBef>
-                <a:spcPts val="500"/>
-              </a:spcBef>
-              <a:buFont typeface="Arial" panose="020B0604020202020204" pitchFamily="34" charset="0"/>
-              <a:buChar char="•"/>
-              <a:defRPr sz="1800" kern="1200">
-                <a:solidFill>
-                  <a:schemeClr val="tx1"/>
-                </a:solidFill>
-                <a:latin typeface="+mn-lt"/>
-                <a:ea typeface="+mn-ea"/>
-                <a:cs typeface="+mn-cs"/>
-              </a:defRPr>
-            </a:lvl7pPr>
-            <a:lvl8pPr marL="3429000" indent="-228600" algn="l" defTabSz="914400" rtl="0" eaLnBrk="1" latinLnBrk="0" hangingPunct="1">
-              <a:lnSpc>
-                <a:spcPct val="90000"/>
-              </a:lnSpc>
-              <a:spcBef>
-                <a:spcPts val="500"/>
-              </a:spcBef>
-              <a:buFont typeface="Arial" panose="020B0604020202020204" pitchFamily="34" charset="0"/>
-              <a:buChar char="•"/>
-              <a:defRPr sz="1800" kern="1200">
-                <a:solidFill>
-                  <a:schemeClr val="tx1"/>
-                </a:solidFill>
-                <a:latin typeface="+mn-lt"/>
-                <a:ea typeface="+mn-ea"/>
-                <a:cs typeface="+mn-cs"/>
-              </a:defRPr>
-            </a:lvl8pPr>
-            <a:lvl9pPr marL="3886200" indent="-228600" algn="l" defTabSz="914400" rtl="0" eaLnBrk="1" latinLnBrk="0" hangingPunct="1">
-              <a:lnSpc>
-                <a:spcPct val="90000"/>
-              </a:lnSpc>
-              <a:spcBef>
-                <a:spcPts val="500"/>
-              </a:spcBef>
-              <a:buFont typeface="Arial" panose="020B0604020202020204" pitchFamily="34" charset="0"/>
-              <a:buChar char="•"/>
-              <a:defRPr sz="1800" kern="1200">
-                <a:solidFill>
-                  <a:schemeClr val="tx1"/>
-                </a:solidFill>
-                <a:latin typeface="+mn-lt"/>
-                <a:ea typeface="+mn-ea"/>
-                <a:cs typeface="+mn-cs"/>
-              </a:defRPr>
-            </a:lvl9pPr>
-          </a:lstStyle>
-          <a:p>
-            <a:r>
-              <a:rPr lang="fr-FR" dirty="0"/>
-              <a:t>Intégrales</a:t>
-            </a:r>
-          </a:p>
-        </p:txBody>
-      </p:sp>
-      <p:sp>
-        <p:nvSpPr>
-          <p:cNvPr id="15" name="ZoneTexte 14">
-            <a:extLst>
-              <a:ext uri="{FF2B5EF4-FFF2-40B4-BE49-F238E27FC236}">
-                <a16:creationId xmlns:a16="http://schemas.microsoft.com/office/drawing/2014/main" id="{257E0BB7-316C-6CAC-2F90-FB49A2A9544F}"/>
-              </a:ext>
-            </a:extLst>
-          </p:cNvPr>
-          <p:cNvSpPr txBox="1"/>
-          <p:nvPr/>
-        </p:nvSpPr>
-        <p:spPr>
-          <a:xfrm>
-            <a:off x="6345936" y="3302376"/>
-            <a:ext cx="4765173" cy="646331"/>
-          </a:xfrm>
-          <a:prstGeom prst="rect">
-            <a:avLst/>
-          </a:prstGeom>
-          <a:solidFill>
-            <a:schemeClr val="accent1">
-              <a:lumMod val="40000"/>
-              <a:lumOff val="60000"/>
-            </a:schemeClr>
-          </a:solidFill>
-        </p:spPr>
-        <p:txBody>
-          <a:bodyPr wrap="square" rtlCol="0">
-            <a:spAutoFit/>
-          </a:bodyPr>
-          <a:lstStyle/>
-          <a:p>
-            <a:r>
-              <a:rPr lang="fr-FR" dirty="0" err="1"/>
-              <a:t>inte_f</a:t>
-            </a:r>
-            <a:r>
-              <a:rPr lang="fr-FR" dirty="0"/>
-              <a:t> </a:t>
-            </a:r>
-            <a:r>
-              <a:rPr lang="fr-FR" b="1" dirty="0"/>
-              <a:t>=</a:t>
-            </a:r>
-            <a:r>
-              <a:rPr lang="fr-FR" dirty="0"/>
-              <a:t> </a:t>
-            </a:r>
-            <a:r>
-              <a:rPr lang="fr-FR" i="1" dirty="0" err="1"/>
-              <a:t>sympy</a:t>
-            </a:r>
-            <a:r>
-              <a:rPr lang="fr-FR" dirty="0" err="1"/>
-              <a:t>.</a:t>
-            </a:r>
-            <a:r>
-              <a:rPr lang="fr-FR" b="1" dirty="0" err="1"/>
-              <a:t>integrate</a:t>
-            </a:r>
-            <a:r>
-              <a:rPr lang="fr-FR" dirty="0"/>
-              <a:t>(f, x)</a:t>
-            </a:r>
-          </a:p>
-          <a:p>
-            <a:r>
-              <a:rPr lang="fr-FR" dirty="0" err="1"/>
-              <a:t>inte_f</a:t>
-            </a:r>
-            <a:endParaRPr lang="fr-FR" dirty="0"/>
-          </a:p>
-        </p:txBody>
-      </p:sp>
-      <p:sp>
-        <p:nvSpPr>
-          <p:cNvPr id="18" name="ZoneTexte 17">
-            <a:extLst>
-              <a:ext uri="{FF2B5EF4-FFF2-40B4-BE49-F238E27FC236}">
-                <a16:creationId xmlns:a16="http://schemas.microsoft.com/office/drawing/2014/main" id="{3B8C2753-710A-CFCF-63D6-7A4D53A374F6}"/>
-              </a:ext>
-            </a:extLst>
-          </p:cNvPr>
-          <p:cNvSpPr txBox="1"/>
-          <p:nvPr/>
-        </p:nvSpPr>
-        <p:spPr>
-          <a:xfrm>
-            <a:off x="6345936" y="4091432"/>
-            <a:ext cx="4765173" cy="1754326"/>
-          </a:xfrm>
-          <a:prstGeom prst="rect">
-            <a:avLst/>
-          </a:prstGeom>
-          <a:solidFill>
-            <a:schemeClr val="accent1">
-              <a:lumMod val="40000"/>
-              <a:lumOff val="60000"/>
-            </a:schemeClr>
-          </a:solidFill>
-        </p:spPr>
-        <p:txBody>
-          <a:bodyPr wrap="square" rtlCol="0">
-            <a:spAutoFit/>
-          </a:bodyPr>
-          <a:lstStyle/>
-          <a:p>
-            <a:r>
-              <a:rPr lang="fr-FR" dirty="0"/>
-              <a:t>f </a:t>
-            </a:r>
-            <a:r>
-              <a:rPr lang="fr-FR" b="1" dirty="0"/>
-              <a:t>=</a:t>
-            </a:r>
-            <a:r>
-              <a:rPr lang="fr-FR" dirty="0"/>
-              <a:t> </a:t>
-            </a:r>
-            <a:r>
-              <a:rPr lang="fr-FR" i="1" dirty="0" err="1"/>
-              <a:t>sympy</a:t>
-            </a:r>
-            <a:r>
-              <a:rPr lang="fr-FR" dirty="0" err="1"/>
-              <a:t>.</a:t>
-            </a:r>
-            <a:r>
-              <a:rPr lang="fr-FR" b="1" dirty="0" err="1"/>
-              <a:t>exp</a:t>
-            </a:r>
-            <a:r>
-              <a:rPr lang="fr-FR" dirty="0"/>
-              <a:t>(x)/</a:t>
-            </a:r>
-            <a:br>
-              <a:rPr lang="fr-FR" dirty="0"/>
-            </a:br>
-            <a:r>
-              <a:rPr lang="fr-FR" dirty="0"/>
-              <a:t>(</a:t>
-            </a:r>
-            <a:r>
-              <a:rPr lang="fr-FR" i="1" dirty="0" err="1"/>
-              <a:t>sympy</a:t>
-            </a:r>
-            <a:r>
-              <a:rPr lang="fr-FR" dirty="0" err="1"/>
-              <a:t>.</a:t>
-            </a:r>
-            <a:r>
-              <a:rPr lang="fr-FR" b="1" dirty="0" err="1"/>
-              <a:t>sqrt</a:t>
-            </a:r>
-            <a:r>
-              <a:rPr lang="fr-FR" dirty="0"/>
-              <a:t>(</a:t>
-            </a:r>
-            <a:r>
-              <a:rPr lang="fr-FR" i="1" dirty="0" err="1"/>
-              <a:t>sympy</a:t>
-            </a:r>
-            <a:r>
-              <a:rPr lang="fr-FR" dirty="0" err="1"/>
-              <a:t>.</a:t>
-            </a:r>
-            <a:r>
-              <a:rPr lang="fr-FR" b="1" dirty="0" err="1"/>
-              <a:t>exp</a:t>
-            </a:r>
-            <a:r>
-              <a:rPr lang="fr-FR" dirty="0"/>
-              <a:t>(2*x)+9))</a:t>
-            </a:r>
-          </a:p>
-          <a:p>
-            <a:endParaRPr lang="fr-FR" dirty="0"/>
-          </a:p>
-          <a:p>
-            <a:r>
-              <a:rPr lang="fr-FR" dirty="0" err="1"/>
-              <a:t>inte_f</a:t>
-            </a:r>
-            <a:r>
-              <a:rPr lang="fr-FR" dirty="0"/>
-              <a:t> </a:t>
-            </a:r>
-            <a:r>
-              <a:rPr lang="fr-FR" b="1" dirty="0"/>
-              <a:t>=</a:t>
-            </a:r>
-            <a:r>
-              <a:rPr lang="fr-FR" dirty="0"/>
-              <a:t> </a:t>
-            </a:r>
-            <a:r>
-              <a:rPr lang="fr-FR" i="1" dirty="0" err="1"/>
-              <a:t>sympy</a:t>
-            </a:r>
-            <a:r>
-              <a:rPr lang="fr-FR" dirty="0" err="1"/>
-              <a:t>.</a:t>
-            </a:r>
-            <a:r>
-              <a:rPr lang="fr-FR" b="1" dirty="0" err="1"/>
-              <a:t>integrate</a:t>
-            </a:r>
-            <a:r>
-              <a:rPr lang="fr-FR" dirty="0"/>
-              <a:t>(f, (x, 0, </a:t>
-            </a:r>
-            <a:r>
-              <a:rPr lang="fr-FR" i="1" dirty="0"/>
-              <a:t>sympy</a:t>
-            </a:r>
-            <a:r>
-              <a:rPr lang="fr-FR" dirty="0"/>
-              <a:t>.</a:t>
-            </a:r>
-            <a:r>
-              <a:rPr lang="fr-FR" b="1" dirty="0"/>
-              <a:t>log</a:t>
-            </a:r>
-            <a:r>
-              <a:rPr lang="fr-FR" dirty="0"/>
-              <a:t>(4)))</a:t>
-            </a:r>
-          </a:p>
-          <a:p>
-            <a:r>
-              <a:rPr lang="fr-FR" dirty="0" err="1"/>
-              <a:t>inte_f</a:t>
-            </a:r>
-            <a:endParaRPr lang="fr-FR" dirty="0"/>
-          </a:p>
-        </p:txBody>
-      </p:sp>
-      <p:pic>
-        <p:nvPicPr>
-          <p:cNvPr id="6" name="Picture 8" descr="Résultat de recherche d'images pour &quot;spyder logo&quot;">
-            <a:extLst>
-              <a:ext uri="{FF2B5EF4-FFF2-40B4-BE49-F238E27FC236}">
-                <a16:creationId xmlns:a16="http://schemas.microsoft.com/office/drawing/2014/main" id="{15EF5648-F6C6-A818-2130-8F02900DDFE1}"/>
-              </a:ext>
-            </a:extLst>
-          </p:cNvPr>
-          <p:cNvPicPr>
-            <a:picLocks noChangeAspect="1" noChangeArrowheads="1"/>
-          </p:cNvPicPr>
-          <p:nvPr/>
-        </p:nvPicPr>
-        <p:blipFill>
-          <a:blip r:embed="rId5">
-            <a:extLst>
-              <a:ext uri="{28A0092B-C50C-407E-A947-70E740481C1C}">
-                <a14:useLocalDpi xmlns:a14="http://schemas.microsoft.com/office/drawing/2010/main" val="0"/>
-              </a:ext>
-            </a:extLst>
-          </a:blip>
-          <a:srcRect/>
-          <a:stretch>
-            <a:fillRect/>
-          </a:stretch>
-        </p:blipFill>
-        <p:spPr bwMode="auto">
-          <a:xfrm>
-            <a:off x="10162526" y="1757291"/>
-            <a:ext cx="947620" cy="473810"/>
-          </a:xfrm>
-          <a:prstGeom prst="rect">
-            <a:avLst/>
-          </a:prstGeom>
-          <a:noFill/>
-          <a:extLst>
-            <a:ext uri="{909E8E84-426E-40DD-AFC4-6F175D3DCCD1}">
-              <a14:hiddenFill xmlns:a14="http://schemas.microsoft.com/office/drawing/2010/main">
-                <a:solidFill>
-                  <a:srgbClr val="FFFFFF"/>
-                </a:solidFill>
-              </a14:hiddenFill>
-            </a:ext>
-          </a:extLst>
-        </p:spPr>
-      </p:pic>
-    </p:spTree>
-    <p:extLst>
-      <p:ext uri="{BB962C8B-B14F-4D97-AF65-F5344CB8AC3E}">
-        <p14:creationId xmlns:p14="http://schemas.microsoft.com/office/powerpoint/2010/main" val="115123252"/>
-      </p:ext>
-    </p:extLst>
-  </p:cSld>
-  <p:clrMapOvr>
-    <a:masterClrMapping/>
-  </p:clrMapOvr>
-</p:sld>
-</file>
-
-<file path=ppt/slides/slide16.xml><?xml version="1.0" encoding="utf-8"?>
-<p:sld xmlns:a="http://schemas.openxmlformats.org/drawingml/2006/main" xmlns:r="http://schemas.openxmlformats.org/officeDocument/2006/relationships" xmlns:p="http://schemas.openxmlformats.org/presentationml/2006/main">
-  <p:cSld>
-    <p:spTree>
-      <p:nvGrpSpPr>
-        <p:cNvPr id="1" name=""/>
-        <p:cNvGrpSpPr/>
-        <p:nvPr/>
-      </p:nvGrpSpPr>
-      <p:grpSpPr>
-        <a:xfrm>
-          <a:off x="0" y="0"/>
-          <a:ext cx="0" cy="0"/>
-          <a:chOff x="0" y="0"/>
-          <a:chExt cx="0" cy="0"/>
-        </a:xfrm>
-      </p:grpSpPr>
-      <p:sp>
-        <p:nvSpPr>
-          <p:cNvPr id="2" name="Titre 1">
-            <a:extLst>
-              <a:ext uri="{FF2B5EF4-FFF2-40B4-BE49-F238E27FC236}">
-                <a16:creationId xmlns:a16="http://schemas.microsoft.com/office/drawing/2014/main" id="{90162AE8-C1B0-5C56-8313-DEE494F38273}"/>
-              </a:ext>
-            </a:extLst>
-          </p:cNvPr>
-          <p:cNvSpPr>
-            <a:spLocks noGrp="1"/>
-          </p:cNvSpPr>
-          <p:nvPr>
-            <p:ph type="title"/>
-          </p:nvPr>
-        </p:nvSpPr>
-        <p:spPr/>
-        <p:txBody>
-          <a:bodyPr>
-            <a:normAutofit/>
-          </a:bodyPr>
-          <a:lstStyle/>
-          <a:p>
-            <a:r>
-              <a:rPr lang="fr-FR" dirty="0"/>
-              <a:t>Calcul symbolique (ou formel)</a:t>
-            </a:r>
-          </a:p>
-        </p:txBody>
-      </p:sp>
-      <p:sp>
-        <p:nvSpPr>
-          <p:cNvPr id="3" name="Espace réservé du contenu 2">
-            <a:extLst>
-              <a:ext uri="{FF2B5EF4-FFF2-40B4-BE49-F238E27FC236}">
-                <a16:creationId xmlns:a16="http://schemas.microsoft.com/office/drawing/2014/main" id="{E0BBB9DE-019C-C741-F224-494739D4B752}"/>
-              </a:ext>
-            </a:extLst>
-          </p:cNvPr>
-          <p:cNvSpPr>
-            <a:spLocks noGrp="1"/>
-          </p:cNvSpPr>
-          <p:nvPr>
-            <p:ph sz="half" idx="1"/>
-          </p:nvPr>
-        </p:nvSpPr>
-        <p:spPr/>
-        <p:txBody>
-          <a:bodyPr/>
-          <a:lstStyle/>
-          <a:p>
-            <a:r>
-              <a:rPr lang="fr-FR" dirty="0"/>
-              <a:t>Résolution formelle</a:t>
-            </a:r>
-          </a:p>
-        </p:txBody>
-      </p:sp>
-      <p:sp>
-        <p:nvSpPr>
-          <p:cNvPr id="4" name="Espace réservé du numéro de diapositive 3">
-            <a:extLst>
-              <a:ext uri="{FF2B5EF4-FFF2-40B4-BE49-F238E27FC236}">
-                <a16:creationId xmlns:a16="http://schemas.microsoft.com/office/drawing/2014/main" id="{F08CDEFC-50F0-4C47-46AC-D28A2807E4F8}"/>
-              </a:ext>
-            </a:extLst>
-          </p:cNvPr>
-          <p:cNvSpPr>
-            <a:spLocks noGrp="1"/>
-          </p:cNvSpPr>
-          <p:nvPr>
-            <p:ph type="sldNum" sz="quarter" idx="12"/>
-          </p:nvPr>
-        </p:nvSpPr>
-        <p:spPr/>
-        <p:txBody>
-          <a:bodyPr/>
-          <a:lstStyle/>
-          <a:p>
-            <a:fld id="{B2DC25EE-239B-4C5F-AAD1-255A7D5F1EE2}" type="slidenum">
-              <a:rPr lang="en-US" smtClean="0"/>
-              <a:t>16</a:t>
+              <a:t>18</a:t>
             </a:fld>
             <a:endParaRPr lang="en-US" dirty="0"/>
           </a:p>
@@ -11981,24 +13056,16 @@
               <a:t>, fonction, </a:t>
             </a:r>
             <a:r>
-              <a:rPr lang="fr-FR" sz="2400" dirty="0" err="1" smtClean="0"/>
+              <a:rPr lang="fr-FR" sz="2400" dirty="0" err="1"/>
               <a:t>ics</a:t>
             </a:r>
             <a:r>
               <a:rPr lang="fr-FR" sz="2400"/>
-              <a:t>=</a:t>
-            </a:r>
-            <a:r>
-              <a:rPr lang="fr-FR" sz="2400" smtClean="0"/>
-              <a:t>cond_init</a:t>
-            </a:r>
-            <a:r>
-              <a:rPr lang="fr-FR" sz="2400" dirty="0" smtClean="0"/>
-              <a:t> </a:t>
+              <a:t>=cond_init</a:t>
             </a:r>
             <a:r>
               <a:rPr lang="fr-FR" sz="2400" dirty="0"/>
-              <a:t>)</a:t>
+              <a:t> )</a:t>
             </a:r>
           </a:p>
         </p:txBody>
@@ -12080,16 +13147,12 @@
               <a:t> = {</a:t>
             </a:r>
             <a:r>
-              <a:rPr lang="fr-FR" sz="1800" smtClean="0"/>
+              <a:rPr lang="fr-FR" sz="1800"/>
               <a:t>vs.subs</a:t>
             </a:r>
             <a:r>
-              <a:rPr lang="fr-FR" sz="1800" dirty="0" smtClean="0"/>
-              <a:t>(t,0</a:t>
-            </a:r>
-            <a:r>
               <a:rPr lang="fr-FR" sz="1800" dirty="0"/>
-              <a:t>): 5}</a:t>
+              <a:t>(t,0): 5}</a:t>
             </a:r>
             <a:endParaRPr lang="fr-FR" dirty="0"/>
           </a:p>
@@ -12116,7 +13179,7 @@
                 <a14:useLocalDpi xmlns:a14="http://schemas.microsoft.com/office/drawing/2010/main" val="0"/>
               </a:ext>
               <a:ext uri="{96DAC541-7B7A-43D3-8B79-37D633B846F1}">
-                <asvg:svgBlip xmlns="" xmlns:asvg="http://schemas.microsoft.com/office/drawing/2016/SVG/main" r:embed="rId7"/>
+                <asvg:svgBlip xmlns:asvg="http://schemas.microsoft.com/office/drawing/2016/SVG/main" r:embed="rId7"/>
               </a:ext>
             </a:extLst>
           </a:blip>
@@ -12332,7 +13395,7 @@
 </p:sld>
 </file>
 
-<file path=ppt/slides/slide17.xml><?xml version="1.0" encoding="utf-8"?>
+<file path=ppt/slides/slide19.xml><?xml version="1.0" encoding="utf-8"?>
 <p:sld xmlns:a="http://schemas.openxmlformats.org/drawingml/2006/main" xmlns:r="http://schemas.openxmlformats.org/officeDocument/2006/relationships" xmlns:p="http://schemas.openxmlformats.org/presentationml/2006/main">
   <p:cSld>
     <p:spTree>
@@ -12466,7 +13529,7 @@
           <a:p>
             <a:fld id="{B2DC25EE-239B-4C5F-AAD1-255A7D5F1EE2}" type="slidenum">
               <a:rPr lang="en-US" smtClean="0"/>
-              <a:t>17</a:t>
+              <a:t>19</a:t>
             </a:fld>
             <a:endParaRPr lang="en-US"/>
           </a:p>
@@ -13445,7 +14508,475 @@
 </p:sld>
 </file>
 
-<file path=ppt/slides/slide18.xml><?xml version="1.0" encoding="utf-8"?>
+<file path=ppt/slides/slide2.xml><?xml version="1.0" encoding="utf-8"?>
+<p:sld xmlns:a="http://schemas.openxmlformats.org/drawingml/2006/main" xmlns:r="http://schemas.openxmlformats.org/officeDocument/2006/relationships" xmlns:p="http://schemas.openxmlformats.org/presentationml/2006/main">
+  <p:cSld>
+    <p:bg>
+      <p:bgPr>
+        <a:solidFill>
+          <a:schemeClr val="bg1">
+            <a:lumMod val="95000"/>
+          </a:schemeClr>
+        </a:solidFill>
+        <a:effectLst/>
+      </p:bgPr>
+    </p:bg>
+    <p:spTree>
+      <p:nvGrpSpPr>
+        <p:cNvPr id="1" name=""/>
+        <p:cNvGrpSpPr/>
+        <p:nvPr/>
+      </p:nvGrpSpPr>
+      <p:grpSpPr>
+        <a:xfrm>
+          <a:off x="0" y="0"/>
+          <a:ext cx="0" cy="0"/>
+          <a:chOff x="0" y="0"/>
+          <a:chExt cx="0" cy="0"/>
+        </a:xfrm>
+      </p:grpSpPr>
+      <p:sp>
+        <p:nvSpPr>
+          <p:cNvPr id="2" name="Titre 1">
+            <a:extLst>
+              <a:ext uri="{FF2B5EF4-FFF2-40B4-BE49-F238E27FC236}">
+                <a16:creationId xmlns:a16="http://schemas.microsoft.com/office/drawing/2014/main" id="{90162AE8-C1B0-5C56-8313-DEE494F38273}"/>
+              </a:ext>
+            </a:extLst>
+          </p:cNvPr>
+          <p:cNvSpPr>
+            <a:spLocks noGrp="1"/>
+          </p:cNvSpPr>
+          <p:nvPr>
+            <p:ph type="title"/>
+          </p:nvPr>
+        </p:nvSpPr>
+        <p:spPr/>
+        <p:txBody>
+          <a:bodyPr/>
+          <a:lstStyle/>
+          <a:p>
+            <a:r>
+              <a:rPr lang="fr-FR" dirty="0"/>
+              <a:t>Trucs et Astuces</a:t>
+            </a:r>
+          </a:p>
+        </p:txBody>
+      </p:sp>
+      <p:sp>
+        <p:nvSpPr>
+          <p:cNvPr id="3" name="Espace réservé du contenu 2">
+            <a:extLst>
+              <a:ext uri="{FF2B5EF4-FFF2-40B4-BE49-F238E27FC236}">
+                <a16:creationId xmlns:a16="http://schemas.microsoft.com/office/drawing/2014/main" id="{E0BBB9DE-019C-C741-F224-494739D4B752}"/>
+              </a:ext>
+            </a:extLst>
+          </p:cNvPr>
+          <p:cNvSpPr>
+            <a:spLocks noGrp="1"/>
+          </p:cNvSpPr>
+          <p:nvPr>
+            <p:ph sz="half" idx="1"/>
+          </p:nvPr>
+        </p:nvSpPr>
+        <p:spPr/>
+        <p:txBody>
+          <a:bodyPr/>
+          <a:lstStyle/>
+          <a:p>
+            <a:r>
+              <a:rPr lang="fr-FR" dirty="0"/>
+              <a:t>Affichage propre type Latex</a:t>
+            </a:r>
+          </a:p>
+        </p:txBody>
+      </p:sp>
+      <p:pic>
+        <p:nvPicPr>
+          <p:cNvPr id="5" name="Image 4" descr="Une image contenant texte&#10;&#10;Description générée automatiquement">
+            <a:extLst>
+              <a:ext uri="{FF2B5EF4-FFF2-40B4-BE49-F238E27FC236}">
+                <a16:creationId xmlns:a16="http://schemas.microsoft.com/office/drawing/2014/main" id="{66D2630B-81F4-A4EB-21BA-8B90CF30BD92}"/>
+              </a:ext>
+            </a:extLst>
+          </p:cNvPr>
+          <p:cNvPicPr>
+            <a:picLocks noChangeAspect="1"/>
+          </p:cNvPicPr>
+          <p:nvPr/>
+        </p:nvPicPr>
+        <p:blipFill>
+          <a:blip r:embed="rId2">
+            <a:extLst>
+              <a:ext uri="{28A0092B-C50C-407E-A947-70E740481C1C}">
+                <a14:useLocalDpi xmlns:a14="http://schemas.microsoft.com/office/drawing/2010/main" val="0"/>
+              </a:ext>
+            </a:extLst>
+          </a:blip>
+          <a:stretch>
+            <a:fillRect/>
+          </a:stretch>
+        </p:blipFill>
+        <p:spPr>
+          <a:xfrm>
+            <a:off x="202922" y="5934456"/>
+            <a:ext cx="1825291" cy="749808"/>
+          </a:xfrm>
+          <a:prstGeom prst="rect">
+            <a:avLst/>
+          </a:prstGeom>
+        </p:spPr>
+      </p:pic>
+      <p:sp>
+        <p:nvSpPr>
+          <p:cNvPr id="8" name="ZoneTexte 7">
+            <a:extLst>
+              <a:ext uri="{FF2B5EF4-FFF2-40B4-BE49-F238E27FC236}">
+                <a16:creationId xmlns:a16="http://schemas.microsoft.com/office/drawing/2014/main" id="{AB4CF02F-D96C-814E-D523-464C902872B9}"/>
+              </a:ext>
+            </a:extLst>
+          </p:cNvPr>
+          <p:cNvSpPr txBox="1"/>
+          <p:nvPr/>
+        </p:nvSpPr>
+        <p:spPr>
+          <a:xfrm>
+            <a:off x="1892539" y="3335687"/>
+            <a:ext cx="3526614" cy="923330"/>
+          </a:xfrm>
+          <a:prstGeom prst="rect">
+            <a:avLst/>
+          </a:prstGeom>
+          <a:solidFill>
+            <a:schemeClr val="accent1">
+              <a:lumMod val="40000"/>
+              <a:lumOff val="60000"/>
+            </a:schemeClr>
+          </a:solidFill>
+        </p:spPr>
+        <p:txBody>
+          <a:bodyPr wrap="square" rtlCol="0">
+            <a:spAutoFit/>
+          </a:bodyPr>
+          <a:lstStyle/>
+          <a:p>
+            <a:r>
+              <a:rPr lang="fr-FR" b="1" dirty="0" err="1"/>
+              <a:t>from</a:t>
+            </a:r>
+            <a:r>
+              <a:rPr lang="fr-FR" dirty="0"/>
+              <a:t> </a:t>
+            </a:r>
+            <a:r>
+              <a:rPr lang="fr-FR" i="1" dirty="0" err="1"/>
+              <a:t>IPython</a:t>
+            </a:r>
+            <a:r>
+              <a:rPr lang="fr-FR" dirty="0" err="1"/>
+              <a:t>.</a:t>
+            </a:r>
+            <a:r>
+              <a:rPr lang="fr-FR" i="1" dirty="0" err="1"/>
+              <a:t>display</a:t>
+            </a:r>
+            <a:r>
+              <a:rPr lang="fr-FR" dirty="0"/>
+              <a:t> </a:t>
+            </a:r>
+            <a:r>
+              <a:rPr lang="fr-FR" b="1" dirty="0"/>
+              <a:t>import</a:t>
+            </a:r>
+            <a:r>
+              <a:rPr lang="fr-FR" dirty="0"/>
+              <a:t> *</a:t>
+            </a:r>
+          </a:p>
+          <a:p>
+            <a:endParaRPr lang="fr-FR" b="1" dirty="0"/>
+          </a:p>
+          <a:p>
+            <a:r>
+              <a:rPr lang="fr-FR" b="1" dirty="0"/>
+              <a:t>display</a:t>
+            </a:r>
+            <a:r>
+              <a:rPr lang="fr-FR" dirty="0"/>
+              <a:t>(expression)</a:t>
+            </a:r>
+          </a:p>
+        </p:txBody>
+      </p:sp>
+      <p:sp>
+        <p:nvSpPr>
+          <p:cNvPr id="9" name="ZoneTexte 8">
+            <a:extLst>
+              <a:ext uri="{FF2B5EF4-FFF2-40B4-BE49-F238E27FC236}">
+                <a16:creationId xmlns:a16="http://schemas.microsoft.com/office/drawing/2014/main" id="{E3AD977F-78C3-C71B-A7D0-587471CB215F}"/>
+              </a:ext>
+            </a:extLst>
+          </p:cNvPr>
+          <p:cNvSpPr txBox="1"/>
+          <p:nvPr/>
+        </p:nvSpPr>
+        <p:spPr>
+          <a:xfrm>
+            <a:off x="2484315" y="4325112"/>
+            <a:ext cx="2923426" cy="923330"/>
+          </a:xfrm>
+          <a:prstGeom prst="rect">
+            <a:avLst/>
+          </a:prstGeom>
+          <a:noFill/>
+        </p:spPr>
+        <p:txBody>
+          <a:bodyPr wrap="square">
+            <a:spAutoFit/>
+          </a:bodyPr>
+          <a:lstStyle/>
+          <a:p>
+            <a:pPr algn="r"/>
+            <a:r>
+              <a:rPr lang="fr-FR" i="1" dirty="0">
+                <a:solidFill>
+                  <a:schemeClr val="tx1">
+                    <a:lumMod val="75000"/>
+                    <a:lumOff val="25000"/>
+                  </a:schemeClr>
+                </a:solidFill>
+              </a:rPr>
+              <a:t>Intéressant avec </a:t>
+            </a:r>
+            <a:r>
+              <a:rPr lang="fr-FR" i="1" dirty="0" err="1">
+                <a:solidFill>
+                  <a:schemeClr val="tx1">
+                    <a:lumMod val="75000"/>
+                    <a:lumOff val="25000"/>
+                  </a:schemeClr>
+                </a:solidFill>
+              </a:rPr>
+              <a:t>Sympy</a:t>
+            </a:r>
+            <a:endParaRPr lang="fr-FR" i="1" dirty="0">
+              <a:solidFill>
+                <a:schemeClr val="tx1">
+                  <a:lumMod val="75000"/>
+                  <a:lumOff val="25000"/>
+                </a:schemeClr>
+              </a:solidFill>
+            </a:endParaRPr>
+          </a:p>
+          <a:p>
+            <a:pPr algn="r"/>
+            <a:endParaRPr lang="fr-FR" i="1" dirty="0">
+              <a:solidFill>
+                <a:schemeClr val="tx1">
+                  <a:lumMod val="75000"/>
+                  <a:lumOff val="25000"/>
+                </a:schemeClr>
+              </a:solidFill>
+            </a:endParaRPr>
+          </a:p>
+          <a:p>
+            <a:pPr algn="r"/>
+            <a:r>
+              <a:rPr lang="fr-FR" i="1" dirty="0">
+                <a:solidFill>
+                  <a:schemeClr val="tx1">
+                    <a:lumMod val="75000"/>
+                    <a:lumOff val="25000"/>
+                  </a:schemeClr>
+                </a:solidFill>
+              </a:rPr>
+              <a:t>Déjà intégré dans </a:t>
+            </a:r>
+            <a:r>
+              <a:rPr lang="fr-FR" i="1" dirty="0" err="1">
+                <a:solidFill>
+                  <a:schemeClr val="tx1">
+                    <a:lumMod val="75000"/>
+                    <a:lumOff val="25000"/>
+                  </a:schemeClr>
+                </a:solidFill>
+              </a:rPr>
+              <a:t>Jupyter</a:t>
+            </a:r>
+            <a:endParaRPr lang="fr-FR" i="1" dirty="0">
+              <a:solidFill>
+                <a:schemeClr val="tx1">
+                  <a:lumMod val="75000"/>
+                  <a:lumOff val="25000"/>
+                </a:schemeClr>
+              </a:solidFill>
+            </a:endParaRPr>
+          </a:p>
+        </p:txBody>
+      </p:sp>
+      <p:pic>
+        <p:nvPicPr>
+          <p:cNvPr id="11" name="Image 10">
+            <a:extLst>
+              <a:ext uri="{FF2B5EF4-FFF2-40B4-BE49-F238E27FC236}">
+                <a16:creationId xmlns:a16="http://schemas.microsoft.com/office/drawing/2014/main" id="{DD30932F-91EF-36A4-8BA9-FF62F37D3240}"/>
+              </a:ext>
+            </a:extLst>
+          </p:cNvPr>
+          <p:cNvPicPr>
+            <a:picLocks noChangeAspect="1"/>
+          </p:cNvPicPr>
+          <p:nvPr/>
+        </p:nvPicPr>
+        <p:blipFill>
+          <a:blip r:embed="rId3"/>
+          <a:stretch>
+            <a:fillRect/>
+          </a:stretch>
+        </p:blipFill>
+        <p:spPr>
+          <a:xfrm>
+            <a:off x="7239687" y="4995072"/>
+            <a:ext cx="3962400" cy="923925"/>
+          </a:xfrm>
+          <a:prstGeom prst="rect">
+            <a:avLst/>
+          </a:prstGeom>
+        </p:spPr>
+      </p:pic>
+      <p:sp>
+        <p:nvSpPr>
+          <p:cNvPr id="13" name="ZoneTexte 12">
+            <a:extLst>
+              <a:ext uri="{FF2B5EF4-FFF2-40B4-BE49-F238E27FC236}">
+                <a16:creationId xmlns:a16="http://schemas.microsoft.com/office/drawing/2014/main" id="{54377704-3E35-D08C-9083-BD5DA02B1F42}"/>
+              </a:ext>
+            </a:extLst>
+          </p:cNvPr>
+          <p:cNvSpPr txBox="1"/>
+          <p:nvPr/>
+        </p:nvSpPr>
+        <p:spPr>
+          <a:xfrm>
+            <a:off x="6036909" y="5129785"/>
+            <a:ext cx="1219198" cy="307777"/>
+          </a:xfrm>
+          <a:prstGeom prst="rect">
+            <a:avLst/>
+          </a:prstGeom>
+          <a:noFill/>
+        </p:spPr>
+        <p:txBody>
+          <a:bodyPr wrap="square">
+            <a:spAutoFit/>
+          </a:bodyPr>
+          <a:lstStyle/>
+          <a:p>
+            <a:r>
+              <a:rPr lang="fr-FR" sz="1400" b="1" dirty="0"/>
+              <a:t>display</a:t>
+            </a:r>
+            <a:endParaRPr lang="fr-FR" sz="1400" dirty="0"/>
+          </a:p>
+        </p:txBody>
+      </p:sp>
+      <p:sp>
+        <p:nvSpPr>
+          <p:cNvPr id="14" name="ZoneTexte 13">
+            <a:extLst>
+              <a:ext uri="{FF2B5EF4-FFF2-40B4-BE49-F238E27FC236}">
+                <a16:creationId xmlns:a16="http://schemas.microsoft.com/office/drawing/2014/main" id="{1A6C7452-8C23-96C3-4E30-0A6584D550E0}"/>
+              </a:ext>
+            </a:extLst>
+          </p:cNvPr>
+          <p:cNvSpPr txBox="1"/>
+          <p:nvPr/>
+        </p:nvSpPr>
+        <p:spPr>
+          <a:xfrm>
+            <a:off x="6053328" y="5611582"/>
+            <a:ext cx="1219198" cy="307777"/>
+          </a:xfrm>
+          <a:prstGeom prst="rect">
+            <a:avLst/>
+          </a:prstGeom>
+          <a:noFill/>
+        </p:spPr>
+        <p:txBody>
+          <a:bodyPr wrap="square">
+            <a:spAutoFit/>
+          </a:bodyPr>
+          <a:lstStyle/>
+          <a:p>
+            <a:r>
+              <a:rPr lang="fr-FR" sz="1400" b="1" dirty="0" err="1"/>
+              <a:t>print</a:t>
+            </a:r>
+            <a:endParaRPr lang="fr-FR" sz="1400" dirty="0"/>
+          </a:p>
+        </p:txBody>
+      </p:sp>
+      <p:pic>
+        <p:nvPicPr>
+          <p:cNvPr id="4" name="Picture 8" descr="Résultat de recherche d'images pour &quot;spyder logo&quot;">
+            <a:extLst>
+              <a:ext uri="{FF2B5EF4-FFF2-40B4-BE49-F238E27FC236}">
+                <a16:creationId xmlns:a16="http://schemas.microsoft.com/office/drawing/2014/main" id="{A67BE3DC-B7CA-12C6-85F3-3C0E16E505E7}"/>
+              </a:ext>
+            </a:extLst>
+          </p:cNvPr>
+          <p:cNvPicPr>
+            <a:picLocks noChangeAspect="1" noChangeArrowheads="1"/>
+          </p:cNvPicPr>
+          <p:nvPr/>
+        </p:nvPicPr>
+        <p:blipFill>
+          <a:blip r:embed="rId4">
+            <a:extLst>
+              <a:ext uri="{28A0092B-C50C-407E-A947-70E740481C1C}">
+                <a14:useLocalDpi xmlns:a14="http://schemas.microsoft.com/office/drawing/2010/main" val="0"/>
+              </a:ext>
+            </a:extLst>
+          </a:blip>
+          <a:srcRect/>
+          <a:stretch>
+            <a:fillRect/>
+          </a:stretch>
+        </p:blipFill>
+        <p:spPr bwMode="auto">
+          <a:xfrm>
+            <a:off x="8941922" y="660046"/>
+            <a:ext cx="1913528" cy="956764"/>
+          </a:xfrm>
+          <a:prstGeom prst="rect">
+            <a:avLst/>
+          </a:prstGeom>
+          <a:noFill/>
+          <a:extLst>
+            <a:ext uri="{909E8E84-426E-40DD-AFC4-6F175D3DCCD1}">
+              <a14:hiddenFill xmlns:a14="http://schemas.microsoft.com/office/drawing/2010/main">
+                <a:solidFill>
+                  <a:srgbClr val="FFFFFF"/>
+                </a:solidFill>
+              </a14:hiddenFill>
+            </a:ext>
+          </a:extLst>
+        </p:spPr>
+      </p:pic>
+    </p:spTree>
+    <p:extLst>
+      <p:ext uri="{BB962C8B-B14F-4D97-AF65-F5344CB8AC3E}">
+        <p14:creationId xmlns:p14="http://schemas.microsoft.com/office/powerpoint/2010/main" val="683804796"/>
+      </p:ext>
+    </p:extLst>
+  </p:cSld>
+  <p:clrMapOvr>
+    <a:masterClrMapping/>
+  </p:clrMapOvr>
+</p:sld>
+</file>
+
+<file path=ppt/slides/slide20.xml><?xml version="1.0" encoding="utf-8"?>
 <p:sld xmlns:a="http://schemas.openxmlformats.org/drawingml/2006/main" xmlns:r="http://schemas.openxmlformats.org/officeDocument/2006/relationships" xmlns:p="http://schemas.openxmlformats.org/presentationml/2006/main">
   <p:cSld>
     <p:spTree>
@@ -14054,7 +15585,7 @@
           <a:p>
             <a:fld id="{B2DC25EE-239B-4C5F-AAD1-255A7D5F1EE2}" type="slidenum">
               <a:rPr lang="en-US" smtClean="0"/>
-              <a:t>18</a:t>
+              <a:t>20</a:t>
             </a:fld>
             <a:endParaRPr lang="en-US" dirty="0"/>
           </a:p>
@@ -14159,7 +15690,7 @@
                 <a14:useLocalDpi xmlns:a14="http://schemas.microsoft.com/office/drawing/2010/main" val="0"/>
               </a:ext>
               <a:ext uri="{96DAC541-7B7A-43D3-8B79-37D633B846F1}">
-                <asvg:svgBlip xmlns="" xmlns:asvg="http://schemas.microsoft.com/office/drawing/2016/SVG/main" r:embed="rId5"/>
+                <asvg:svgBlip xmlns:asvg="http://schemas.microsoft.com/office/drawing/2016/SVG/main" r:embed="rId5"/>
               </a:ext>
             </a:extLst>
           </a:blip>
@@ -14377,7 +15908,7 @@
 </p:sld>
 </file>
 
-<file path=ppt/slides/slide19.xml><?xml version="1.0" encoding="utf-8"?>
+<file path=ppt/slides/slide21.xml><?xml version="1.0" encoding="utf-8"?>
 <p:sld xmlns:a="http://schemas.openxmlformats.org/drawingml/2006/main" xmlns:r="http://schemas.openxmlformats.org/officeDocument/2006/relationships" xmlns:p="http://schemas.openxmlformats.org/presentationml/2006/main">
   <p:cSld>
     <p:spTree>
@@ -14535,7 +16066,7 @@
           <a:p>
             <a:fld id="{B2DC25EE-239B-4C5F-AAD1-255A7D5F1EE2}" type="slidenum">
               <a:rPr lang="en-US" smtClean="0"/>
-              <a:t>19</a:t>
+              <a:t>21</a:t>
             </a:fld>
             <a:endParaRPr lang="en-US"/>
           </a:p>
@@ -15579,7 +17110,7 @@
                 <a14:useLocalDpi xmlns:a14="http://schemas.microsoft.com/office/drawing/2010/main" val="0"/>
               </a:ext>
               <a:ext uri="{96DAC541-7B7A-43D3-8B79-37D633B846F1}">
-                <asvg:svgBlip xmlns="" xmlns:asvg="http://schemas.microsoft.com/office/drawing/2016/SVG/main" r:embed="rId8"/>
+                <asvg:svgBlip xmlns:asvg="http://schemas.microsoft.com/office/drawing/2016/SVG/main" r:embed="rId8"/>
               </a:ext>
             </a:extLst>
           </a:blip>
@@ -15762,475 +17293,7 @@
 </p:sld>
 </file>
 
-<file path=ppt/slides/slide2.xml><?xml version="1.0" encoding="utf-8"?>
-<p:sld xmlns:a="http://schemas.openxmlformats.org/drawingml/2006/main" xmlns:r="http://schemas.openxmlformats.org/officeDocument/2006/relationships" xmlns:p="http://schemas.openxmlformats.org/presentationml/2006/main">
-  <p:cSld>
-    <p:bg>
-      <p:bgPr>
-        <a:solidFill>
-          <a:schemeClr val="bg1">
-            <a:lumMod val="95000"/>
-          </a:schemeClr>
-        </a:solidFill>
-        <a:effectLst/>
-      </p:bgPr>
-    </p:bg>
-    <p:spTree>
-      <p:nvGrpSpPr>
-        <p:cNvPr id="1" name=""/>
-        <p:cNvGrpSpPr/>
-        <p:nvPr/>
-      </p:nvGrpSpPr>
-      <p:grpSpPr>
-        <a:xfrm>
-          <a:off x="0" y="0"/>
-          <a:ext cx="0" cy="0"/>
-          <a:chOff x="0" y="0"/>
-          <a:chExt cx="0" cy="0"/>
-        </a:xfrm>
-      </p:grpSpPr>
-      <p:sp>
-        <p:nvSpPr>
-          <p:cNvPr id="2" name="Titre 1">
-            <a:extLst>
-              <a:ext uri="{FF2B5EF4-FFF2-40B4-BE49-F238E27FC236}">
-                <a16:creationId xmlns:a16="http://schemas.microsoft.com/office/drawing/2014/main" id="{90162AE8-C1B0-5C56-8313-DEE494F38273}"/>
-              </a:ext>
-            </a:extLst>
-          </p:cNvPr>
-          <p:cNvSpPr>
-            <a:spLocks noGrp="1"/>
-          </p:cNvSpPr>
-          <p:nvPr>
-            <p:ph type="title"/>
-          </p:nvPr>
-        </p:nvSpPr>
-        <p:spPr/>
-        <p:txBody>
-          <a:bodyPr/>
-          <a:lstStyle/>
-          <a:p>
-            <a:r>
-              <a:rPr lang="fr-FR" dirty="0"/>
-              <a:t>Trucs et Astuces</a:t>
-            </a:r>
-          </a:p>
-        </p:txBody>
-      </p:sp>
-      <p:sp>
-        <p:nvSpPr>
-          <p:cNvPr id="3" name="Espace réservé du contenu 2">
-            <a:extLst>
-              <a:ext uri="{FF2B5EF4-FFF2-40B4-BE49-F238E27FC236}">
-                <a16:creationId xmlns:a16="http://schemas.microsoft.com/office/drawing/2014/main" id="{E0BBB9DE-019C-C741-F224-494739D4B752}"/>
-              </a:ext>
-            </a:extLst>
-          </p:cNvPr>
-          <p:cNvSpPr>
-            <a:spLocks noGrp="1"/>
-          </p:cNvSpPr>
-          <p:nvPr>
-            <p:ph sz="half" idx="1"/>
-          </p:nvPr>
-        </p:nvSpPr>
-        <p:spPr/>
-        <p:txBody>
-          <a:bodyPr/>
-          <a:lstStyle/>
-          <a:p>
-            <a:r>
-              <a:rPr lang="fr-FR" dirty="0"/>
-              <a:t>Affichage propre type Latex</a:t>
-            </a:r>
-          </a:p>
-        </p:txBody>
-      </p:sp>
-      <p:pic>
-        <p:nvPicPr>
-          <p:cNvPr id="5" name="Image 4" descr="Une image contenant texte&#10;&#10;Description générée automatiquement">
-            <a:extLst>
-              <a:ext uri="{FF2B5EF4-FFF2-40B4-BE49-F238E27FC236}">
-                <a16:creationId xmlns:a16="http://schemas.microsoft.com/office/drawing/2014/main" id="{66D2630B-81F4-A4EB-21BA-8B90CF30BD92}"/>
-              </a:ext>
-            </a:extLst>
-          </p:cNvPr>
-          <p:cNvPicPr>
-            <a:picLocks noChangeAspect="1"/>
-          </p:cNvPicPr>
-          <p:nvPr/>
-        </p:nvPicPr>
-        <p:blipFill>
-          <a:blip r:embed="rId2">
-            <a:extLst>
-              <a:ext uri="{28A0092B-C50C-407E-A947-70E740481C1C}">
-                <a14:useLocalDpi xmlns:a14="http://schemas.microsoft.com/office/drawing/2010/main" val="0"/>
-              </a:ext>
-            </a:extLst>
-          </a:blip>
-          <a:stretch>
-            <a:fillRect/>
-          </a:stretch>
-        </p:blipFill>
-        <p:spPr>
-          <a:xfrm>
-            <a:off x="202922" y="5934456"/>
-            <a:ext cx="1825291" cy="749808"/>
-          </a:xfrm>
-          <a:prstGeom prst="rect">
-            <a:avLst/>
-          </a:prstGeom>
-        </p:spPr>
-      </p:pic>
-      <p:sp>
-        <p:nvSpPr>
-          <p:cNvPr id="8" name="ZoneTexte 7">
-            <a:extLst>
-              <a:ext uri="{FF2B5EF4-FFF2-40B4-BE49-F238E27FC236}">
-                <a16:creationId xmlns:a16="http://schemas.microsoft.com/office/drawing/2014/main" id="{AB4CF02F-D96C-814E-D523-464C902872B9}"/>
-              </a:ext>
-            </a:extLst>
-          </p:cNvPr>
-          <p:cNvSpPr txBox="1"/>
-          <p:nvPr/>
-        </p:nvSpPr>
-        <p:spPr>
-          <a:xfrm>
-            <a:off x="1892539" y="3335687"/>
-            <a:ext cx="3526614" cy="923330"/>
-          </a:xfrm>
-          <a:prstGeom prst="rect">
-            <a:avLst/>
-          </a:prstGeom>
-          <a:solidFill>
-            <a:schemeClr val="accent1">
-              <a:lumMod val="40000"/>
-              <a:lumOff val="60000"/>
-            </a:schemeClr>
-          </a:solidFill>
-        </p:spPr>
-        <p:txBody>
-          <a:bodyPr wrap="square" rtlCol="0">
-            <a:spAutoFit/>
-          </a:bodyPr>
-          <a:lstStyle/>
-          <a:p>
-            <a:r>
-              <a:rPr lang="fr-FR" b="1" dirty="0" err="1"/>
-              <a:t>from</a:t>
-            </a:r>
-            <a:r>
-              <a:rPr lang="fr-FR" dirty="0"/>
-              <a:t> </a:t>
-            </a:r>
-            <a:r>
-              <a:rPr lang="fr-FR" i="1" dirty="0" err="1"/>
-              <a:t>IPython</a:t>
-            </a:r>
-            <a:r>
-              <a:rPr lang="fr-FR" dirty="0" err="1"/>
-              <a:t>.</a:t>
-            </a:r>
-            <a:r>
-              <a:rPr lang="fr-FR" i="1" dirty="0" err="1"/>
-              <a:t>display</a:t>
-            </a:r>
-            <a:r>
-              <a:rPr lang="fr-FR" dirty="0"/>
-              <a:t> </a:t>
-            </a:r>
-            <a:r>
-              <a:rPr lang="fr-FR" b="1" dirty="0"/>
-              <a:t>import</a:t>
-            </a:r>
-            <a:r>
-              <a:rPr lang="fr-FR" dirty="0"/>
-              <a:t> *</a:t>
-            </a:r>
-          </a:p>
-          <a:p>
-            <a:endParaRPr lang="fr-FR" b="1" dirty="0"/>
-          </a:p>
-          <a:p>
-            <a:r>
-              <a:rPr lang="fr-FR" b="1" dirty="0"/>
-              <a:t>display</a:t>
-            </a:r>
-            <a:r>
-              <a:rPr lang="fr-FR" dirty="0"/>
-              <a:t>(expression)</a:t>
-            </a:r>
-          </a:p>
-        </p:txBody>
-      </p:sp>
-      <p:sp>
-        <p:nvSpPr>
-          <p:cNvPr id="9" name="ZoneTexte 8">
-            <a:extLst>
-              <a:ext uri="{FF2B5EF4-FFF2-40B4-BE49-F238E27FC236}">
-                <a16:creationId xmlns:a16="http://schemas.microsoft.com/office/drawing/2014/main" id="{E3AD977F-78C3-C71B-A7D0-587471CB215F}"/>
-              </a:ext>
-            </a:extLst>
-          </p:cNvPr>
-          <p:cNvSpPr txBox="1"/>
-          <p:nvPr/>
-        </p:nvSpPr>
-        <p:spPr>
-          <a:xfrm>
-            <a:off x="2484315" y="4325112"/>
-            <a:ext cx="2923426" cy="923330"/>
-          </a:xfrm>
-          <a:prstGeom prst="rect">
-            <a:avLst/>
-          </a:prstGeom>
-          <a:noFill/>
-        </p:spPr>
-        <p:txBody>
-          <a:bodyPr wrap="square">
-            <a:spAutoFit/>
-          </a:bodyPr>
-          <a:lstStyle/>
-          <a:p>
-            <a:pPr algn="r"/>
-            <a:r>
-              <a:rPr lang="fr-FR" i="1" dirty="0">
-                <a:solidFill>
-                  <a:schemeClr val="tx1">
-                    <a:lumMod val="75000"/>
-                    <a:lumOff val="25000"/>
-                  </a:schemeClr>
-                </a:solidFill>
-              </a:rPr>
-              <a:t>Intéressant avec </a:t>
-            </a:r>
-            <a:r>
-              <a:rPr lang="fr-FR" i="1" dirty="0" err="1">
-                <a:solidFill>
-                  <a:schemeClr val="tx1">
-                    <a:lumMod val="75000"/>
-                    <a:lumOff val="25000"/>
-                  </a:schemeClr>
-                </a:solidFill>
-              </a:rPr>
-              <a:t>Sympy</a:t>
-            </a:r>
-            <a:endParaRPr lang="fr-FR" i="1" dirty="0">
-              <a:solidFill>
-                <a:schemeClr val="tx1">
-                  <a:lumMod val="75000"/>
-                  <a:lumOff val="25000"/>
-                </a:schemeClr>
-              </a:solidFill>
-            </a:endParaRPr>
-          </a:p>
-          <a:p>
-            <a:pPr algn="r"/>
-            <a:endParaRPr lang="fr-FR" i="1" dirty="0">
-              <a:solidFill>
-                <a:schemeClr val="tx1">
-                  <a:lumMod val="75000"/>
-                  <a:lumOff val="25000"/>
-                </a:schemeClr>
-              </a:solidFill>
-            </a:endParaRPr>
-          </a:p>
-          <a:p>
-            <a:pPr algn="r"/>
-            <a:r>
-              <a:rPr lang="fr-FR" i="1" dirty="0">
-                <a:solidFill>
-                  <a:schemeClr val="tx1">
-                    <a:lumMod val="75000"/>
-                    <a:lumOff val="25000"/>
-                  </a:schemeClr>
-                </a:solidFill>
-              </a:rPr>
-              <a:t>Déjà intégré dans </a:t>
-            </a:r>
-            <a:r>
-              <a:rPr lang="fr-FR" i="1" dirty="0" err="1">
-                <a:solidFill>
-                  <a:schemeClr val="tx1">
-                    <a:lumMod val="75000"/>
-                    <a:lumOff val="25000"/>
-                  </a:schemeClr>
-                </a:solidFill>
-              </a:rPr>
-              <a:t>Jupyter</a:t>
-            </a:r>
-            <a:endParaRPr lang="fr-FR" i="1" dirty="0">
-              <a:solidFill>
-                <a:schemeClr val="tx1">
-                  <a:lumMod val="75000"/>
-                  <a:lumOff val="25000"/>
-                </a:schemeClr>
-              </a:solidFill>
-            </a:endParaRPr>
-          </a:p>
-        </p:txBody>
-      </p:sp>
-      <p:pic>
-        <p:nvPicPr>
-          <p:cNvPr id="11" name="Image 10">
-            <a:extLst>
-              <a:ext uri="{FF2B5EF4-FFF2-40B4-BE49-F238E27FC236}">
-                <a16:creationId xmlns:a16="http://schemas.microsoft.com/office/drawing/2014/main" id="{DD30932F-91EF-36A4-8BA9-FF62F37D3240}"/>
-              </a:ext>
-            </a:extLst>
-          </p:cNvPr>
-          <p:cNvPicPr>
-            <a:picLocks noChangeAspect="1"/>
-          </p:cNvPicPr>
-          <p:nvPr/>
-        </p:nvPicPr>
-        <p:blipFill>
-          <a:blip r:embed="rId3"/>
-          <a:stretch>
-            <a:fillRect/>
-          </a:stretch>
-        </p:blipFill>
-        <p:spPr>
-          <a:xfrm>
-            <a:off x="7239687" y="4995072"/>
-            <a:ext cx="3962400" cy="923925"/>
-          </a:xfrm>
-          <a:prstGeom prst="rect">
-            <a:avLst/>
-          </a:prstGeom>
-        </p:spPr>
-      </p:pic>
-      <p:sp>
-        <p:nvSpPr>
-          <p:cNvPr id="13" name="ZoneTexte 12">
-            <a:extLst>
-              <a:ext uri="{FF2B5EF4-FFF2-40B4-BE49-F238E27FC236}">
-                <a16:creationId xmlns:a16="http://schemas.microsoft.com/office/drawing/2014/main" id="{54377704-3E35-D08C-9083-BD5DA02B1F42}"/>
-              </a:ext>
-            </a:extLst>
-          </p:cNvPr>
-          <p:cNvSpPr txBox="1"/>
-          <p:nvPr/>
-        </p:nvSpPr>
-        <p:spPr>
-          <a:xfrm>
-            <a:off x="6036909" y="5129785"/>
-            <a:ext cx="1219198" cy="307777"/>
-          </a:xfrm>
-          <a:prstGeom prst="rect">
-            <a:avLst/>
-          </a:prstGeom>
-          <a:noFill/>
-        </p:spPr>
-        <p:txBody>
-          <a:bodyPr wrap="square">
-            <a:spAutoFit/>
-          </a:bodyPr>
-          <a:lstStyle/>
-          <a:p>
-            <a:r>
-              <a:rPr lang="fr-FR" sz="1400" b="1" dirty="0"/>
-              <a:t>display</a:t>
-            </a:r>
-            <a:endParaRPr lang="fr-FR" sz="1400" dirty="0"/>
-          </a:p>
-        </p:txBody>
-      </p:sp>
-      <p:sp>
-        <p:nvSpPr>
-          <p:cNvPr id="14" name="ZoneTexte 13">
-            <a:extLst>
-              <a:ext uri="{FF2B5EF4-FFF2-40B4-BE49-F238E27FC236}">
-                <a16:creationId xmlns:a16="http://schemas.microsoft.com/office/drawing/2014/main" id="{1A6C7452-8C23-96C3-4E30-0A6584D550E0}"/>
-              </a:ext>
-            </a:extLst>
-          </p:cNvPr>
-          <p:cNvSpPr txBox="1"/>
-          <p:nvPr/>
-        </p:nvSpPr>
-        <p:spPr>
-          <a:xfrm>
-            <a:off x="6053328" y="5611582"/>
-            <a:ext cx="1219198" cy="307777"/>
-          </a:xfrm>
-          <a:prstGeom prst="rect">
-            <a:avLst/>
-          </a:prstGeom>
-          <a:noFill/>
-        </p:spPr>
-        <p:txBody>
-          <a:bodyPr wrap="square">
-            <a:spAutoFit/>
-          </a:bodyPr>
-          <a:lstStyle/>
-          <a:p>
-            <a:r>
-              <a:rPr lang="fr-FR" sz="1400" b="1" dirty="0" err="1"/>
-              <a:t>print</a:t>
-            </a:r>
-            <a:endParaRPr lang="fr-FR" sz="1400" dirty="0"/>
-          </a:p>
-        </p:txBody>
-      </p:sp>
-      <p:pic>
-        <p:nvPicPr>
-          <p:cNvPr id="4" name="Picture 8" descr="Résultat de recherche d'images pour &quot;spyder logo&quot;">
-            <a:extLst>
-              <a:ext uri="{FF2B5EF4-FFF2-40B4-BE49-F238E27FC236}">
-                <a16:creationId xmlns:a16="http://schemas.microsoft.com/office/drawing/2014/main" id="{A67BE3DC-B7CA-12C6-85F3-3C0E16E505E7}"/>
-              </a:ext>
-            </a:extLst>
-          </p:cNvPr>
-          <p:cNvPicPr>
-            <a:picLocks noChangeAspect="1" noChangeArrowheads="1"/>
-          </p:cNvPicPr>
-          <p:nvPr/>
-        </p:nvPicPr>
-        <p:blipFill>
-          <a:blip r:embed="rId4">
-            <a:extLst>
-              <a:ext uri="{28A0092B-C50C-407E-A947-70E740481C1C}">
-                <a14:useLocalDpi xmlns:a14="http://schemas.microsoft.com/office/drawing/2010/main" val="0"/>
-              </a:ext>
-            </a:extLst>
-          </a:blip>
-          <a:srcRect/>
-          <a:stretch>
-            <a:fillRect/>
-          </a:stretch>
-        </p:blipFill>
-        <p:spPr bwMode="auto">
-          <a:xfrm>
-            <a:off x="8941922" y="660046"/>
-            <a:ext cx="1913528" cy="956764"/>
-          </a:xfrm>
-          <a:prstGeom prst="rect">
-            <a:avLst/>
-          </a:prstGeom>
-          <a:noFill/>
-          <a:extLst>
-            <a:ext uri="{909E8E84-426E-40DD-AFC4-6F175D3DCCD1}">
-              <a14:hiddenFill xmlns:a14="http://schemas.microsoft.com/office/drawing/2010/main">
-                <a:solidFill>
-                  <a:srgbClr val="FFFFFF"/>
-                </a:solidFill>
-              </a14:hiddenFill>
-            </a:ext>
-          </a:extLst>
-        </p:spPr>
-      </p:pic>
-    </p:spTree>
-    <p:extLst>
-      <p:ext uri="{BB962C8B-B14F-4D97-AF65-F5344CB8AC3E}">
-        <p14:creationId xmlns:p14="http://schemas.microsoft.com/office/powerpoint/2010/main" val="683804796"/>
-      </p:ext>
-    </p:extLst>
-  </p:cSld>
-  <p:clrMapOvr>
-    <a:masterClrMapping/>
-  </p:clrMapOvr>
-</p:sld>
-</file>
-
-<file path=ppt/slides/slide20.xml><?xml version="1.0" encoding="utf-8"?>
+<file path=ppt/slides/slide22.xml><?xml version="1.0" encoding="utf-8"?>
 <p:sld xmlns:a="http://schemas.openxmlformats.org/drawingml/2006/main" xmlns:r="http://schemas.openxmlformats.org/officeDocument/2006/relationships" xmlns:p="http://schemas.openxmlformats.org/presentationml/2006/main">
   <p:cSld>
     <p:bg>
@@ -16328,10 +17391,6 @@
               <a:rPr lang="fr-FR" sz="2000" i="1" dirty="0" err="1"/>
               <a:t>WikiBooks</a:t>
             </a:r>
-            <a:r>
-              <a:rPr lang="fr-FR" sz="2000" dirty="0"/>
-              <a:t/>
-            </a:r>
             <a:br>
               <a:rPr lang="fr-FR" sz="2000" dirty="0"/>
             </a:br>
@@ -16399,10 +17458,6 @@
             <a:r>
               <a:rPr lang="fr-FR" sz="2000" i="1" dirty="0"/>
               <a:t>– Paul LEVY</a:t>
-            </a:r>
-            <a:r>
-              <a:rPr lang="fr-FR" sz="2000" dirty="0"/>
-              <a:t/>
             </a:r>
             <a:br>
               <a:rPr lang="fr-FR" sz="2000" dirty="0"/>
@@ -16450,7 +17505,7 @@
           <a:p>
             <a:fld id="{B2DC25EE-239B-4C5F-AAD1-255A7D5F1EE2}" type="slidenum">
               <a:rPr lang="en-US" smtClean="0"/>
-              <a:t>20</a:t>
+              <a:t>22</a:t>
             </a:fld>
             <a:endParaRPr lang="en-US" dirty="0"/>
           </a:p>
@@ -17020,7 +18075,7 @@
                 <a14:useLocalDpi xmlns:a14="http://schemas.microsoft.com/office/drawing/2010/main" val="0"/>
               </a:ext>
               <a:ext uri="{96DAC541-7B7A-43D3-8B79-37D633B846F1}">
-                <asvg:svgBlip xmlns="" xmlns:asvg="http://schemas.microsoft.com/office/drawing/2016/SVG/main" r:embed="rId4"/>
+                <asvg:svgBlip xmlns:asvg="http://schemas.microsoft.com/office/drawing/2016/SVG/main" r:embed="rId4"/>
               </a:ext>
             </a:extLst>
           </a:blip>
